--- a/Deliverables/INF112_presentasjon.pptx
+++ b/Deliverables/INF112_presentasjon.pptx
@@ -2,7 +2,7 @@
 <file path=ppt/presentation.xml><?xml version="1.0" encoding="utf-8"?>
 <p:presentation xmlns:a="http://schemas.openxmlformats.org/drawingml/2006/main" xmlns:r="http://schemas.openxmlformats.org/officeDocument/2006/relationships" xmlns:p="http://schemas.openxmlformats.org/presentationml/2006/main" saveSubsetFonts="1">
   <p:sldMasterIdLst>
-    <p:sldMasterId id="2147483648" r:id="rId1"/>
+    <p:sldMasterId id="2147483660" r:id="rId1"/>
   </p:sldMasterIdLst>
   <p:notesMasterIdLst>
     <p:notesMasterId r:id="rId9"/>
@@ -20,9 +20,9 @@
   <p:notesSz cx="6858000" cy="9144000"/>
   <p:defaultTextStyle>
     <a:defPPr>
-      <a:defRPr lang="nb-NO"/>
+      <a:defRPr lang="en-US"/>
     </a:defPPr>
-    <a:lvl1pPr marL="0" algn="l" defTabSz="914400" rtl="0" eaLnBrk="1" latinLnBrk="0" hangingPunct="1">
+    <a:lvl1pPr marL="0" algn="l" defTabSz="457200" rtl="0" eaLnBrk="1" latinLnBrk="0" hangingPunct="1">
       <a:defRPr sz="1800" kern="1200">
         <a:solidFill>
           <a:schemeClr val="tx1"/>
@@ -32,7 +32,7 @@
         <a:cs typeface="+mn-cs"/>
       </a:defRPr>
     </a:lvl1pPr>
-    <a:lvl2pPr marL="457200" algn="l" defTabSz="914400" rtl="0" eaLnBrk="1" latinLnBrk="0" hangingPunct="1">
+    <a:lvl2pPr marL="457200" algn="l" defTabSz="457200" rtl="0" eaLnBrk="1" latinLnBrk="0" hangingPunct="1">
       <a:defRPr sz="1800" kern="1200">
         <a:solidFill>
           <a:schemeClr val="tx1"/>
@@ -42,7 +42,7 @@
         <a:cs typeface="+mn-cs"/>
       </a:defRPr>
     </a:lvl2pPr>
-    <a:lvl3pPr marL="914400" algn="l" defTabSz="914400" rtl="0" eaLnBrk="1" latinLnBrk="0" hangingPunct="1">
+    <a:lvl3pPr marL="914400" algn="l" defTabSz="457200" rtl="0" eaLnBrk="1" latinLnBrk="0" hangingPunct="1">
       <a:defRPr sz="1800" kern="1200">
         <a:solidFill>
           <a:schemeClr val="tx1"/>
@@ -52,7 +52,7 @@
         <a:cs typeface="+mn-cs"/>
       </a:defRPr>
     </a:lvl3pPr>
-    <a:lvl4pPr marL="1371600" algn="l" defTabSz="914400" rtl="0" eaLnBrk="1" latinLnBrk="0" hangingPunct="1">
+    <a:lvl4pPr marL="1371600" algn="l" defTabSz="457200" rtl="0" eaLnBrk="1" latinLnBrk="0" hangingPunct="1">
       <a:defRPr sz="1800" kern="1200">
         <a:solidFill>
           <a:schemeClr val="tx1"/>
@@ -62,7 +62,7 @@
         <a:cs typeface="+mn-cs"/>
       </a:defRPr>
     </a:lvl4pPr>
-    <a:lvl5pPr marL="1828800" algn="l" defTabSz="914400" rtl="0" eaLnBrk="1" latinLnBrk="0" hangingPunct="1">
+    <a:lvl5pPr marL="1828800" algn="l" defTabSz="457200" rtl="0" eaLnBrk="1" latinLnBrk="0" hangingPunct="1">
       <a:defRPr sz="1800" kern="1200">
         <a:solidFill>
           <a:schemeClr val="tx1"/>
@@ -72,7 +72,7 @@
         <a:cs typeface="+mn-cs"/>
       </a:defRPr>
     </a:lvl5pPr>
-    <a:lvl6pPr marL="2286000" algn="l" defTabSz="914400" rtl="0" eaLnBrk="1" latinLnBrk="0" hangingPunct="1">
+    <a:lvl6pPr marL="2286000" algn="l" defTabSz="457200" rtl="0" eaLnBrk="1" latinLnBrk="0" hangingPunct="1">
       <a:defRPr sz="1800" kern="1200">
         <a:solidFill>
           <a:schemeClr val="tx1"/>
@@ -82,7 +82,7 @@
         <a:cs typeface="+mn-cs"/>
       </a:defRPr>
     </a:lvl6pPr>
-    <a:lvl7pPr marL="2743200" algn="l" defTabSz="914400" rtl="0" eaLnBrk="1" latinLnBrk="0" hangingPunct="1">
+    <a:lvl7pPr marL="2743200" algn="l" defTabSz="457200" rtl="0" eaLnBrk="1" latinLnBrk="0" hangingPunct="1">
       <a:defRPr sz="1800" kern="1200">
         <a:solidFill>
           <a:schemeClr val="tx1"/>
@@ -92,7 +92,7 @@
         <a:cs typeface="+mn-cs"/>
       </a:defRPr>
     </a:lvl7pPr>
-    <a:lvl8pPr marL="3200400" algn="l" defTabSz="914400" rtl="0" eaLnBrk="1" latinLnBrk="0" hangingPunct="1">
+    <a:lvl8pPr marL="3200400" algn="l" defTabSz="457200" rtl="0" eaLnBrk="1" latinLnBrk="0" hangingPunct="1">
       <a:defRPr sz="1800" kern="1200">
         <a:solidFill>
           <a:schemeClr val="tx1"/>
@@ -102,7 +102,7 @@
         <a:cs typeface="+mn-cs"/>
       </a:defRPr>
     </a:lvl8pPr>
-    <a:lvl9pPr marL="3657600" algn="l" defTabSz="914400" rtl="0" eaLnBrk="1" latinLnBrk="0" hangingPunct="1">
+    <a:lvl9pPr marL="3657600" algn="l" defTabSz="457200" rtl="0" eaLnBrk="1" latinLnBrk="0" hangingPunct="1">
       <a:defRPr sz="1800" kern="1200">
         <a:solidFill>
           <a:schemeClr val="tx1"/>
@@ -113,7 +113,16 @@
       </a:defRPr>
     </a:lvl9pPr>
   </p:defaultTextStyle>
+  <p:extLst>
+    <p:ext uri="{EFAFB233-063F-42B5-8137-9DF3F51BA10A}">
+      <p15:sldGuideLst xmlns:p15="http://schemas.microsoft.com/office/powerpoint/2012/main"/>
+    </p:ext>
+  </p:extLst>
 </p:presentation>
+</file>
+
+<file path=ppt/revisionInfo.xml><?xml version="1.0" encoding="utf-8"?>
+<p1510:revInfo xmlns:a="http://schemas.openxmlformats.org/drawingml/2006/main" xmlns:r="http://schemas.openxmlformats.org/officeDocument/2006/relationships" xmlns:p1510="http://schemas.microsoft.com/office/powerpoint/2015/10/main"/>
 </file>
 
 <file path=ppt/notesMasters/notesMaster1.xml><?xml version="1.0" encoding="utf-8"?>
@@ -198,7 +207,7 @@
           <a:p>
             <a:fld id="{222772E3-68A5-4B32-8732-A0AFC7B96491}" type="datetimeFigureOut">
               <a:rPr lang="nb-NO" smtClean="0"/>
-              <a:t>19.02.2019</a:t>
+              <a:t>20.02.2019</a:t>
             </a:fld>
             <a:endParaRPr lang="nb-NO"/>
           </a:p>
@@ -2764,13 +2773,7 @@
       </p:grpSpPr>
       <p:sp>
         <p:nvSpPr>
-          <p:cNvPr id="2" name="Tittel 1">
-            <a:extLst>
-              <a:ext uri="{FF2B5EF4-FFF2-40B4-BE49-F238E27FC236}">
-                <a16:creationId xmlns:a16="http://schemas.microsoft.com/office/drawing/2014/main" id="{8799AB32-8EF8-479E-9F0F-66DBC2643DA3}"/>
-              </a:ext>
-            </a:extLst>
-          </p:cNvPr>
+          <p:cNvPr id="2" name="Title 1"/>
           <p:cNvSpPr>
             <a:spLocks noGrp="1"/>
           </p:cNvSpPr>
@@ -2780,15 +2783,15 @@
         </p:nvSpPr>
         <p:spPr>
           <a:xfrm>
-            <a:off x="1524000" y="1122363"/>
-            <a:ext cx="9144000" cy="2387600"/>
+            <a:off x="1154955" y="1447800"/>
+            <a:ext cx="8825658" cy="3329581"/>
           </a:xfrm>
         </p:spPr>
         <p:txBody>
           <a:bodyPr anchor="b"/>
           <a:lstStyle>
-            <a:lvl1pPr algn="ctr">
-              <a:defRPr sz="6000"/>
+            <a:lvl1pPr>
+              <a:defRPr sz="7200"/>
             </a:lvl1pPr>
           </a:lstStyle>
           <a:p>
@@ -2796,18 +2799,13 @@
               <a:rPr lang="nb-NO"/>
               <a:t>Klikk for å redigere tittelstil</a:t>
             </a:r>
-          </a:p>
-        </p:txBody>
-      </p:sp>
-      <p:sp>
-        <p:nvSpPr>
-          <p:cNvPr id="3" name="Undertittel 2">
-            <a:extLst>
-              <a:ext uri="{FF2B5EF4-FFF2-40B4-BE49-F238E27FC236}">
-                <a16:creationId xmlns:a16="http://schemas.microsoft.com/office/drawing/2014/main" id="{2C34CCF2-5ADE-4911-9EF0-89DDCF941B05}"/>
-              </a:ext>
-            </a:extLst>
-          </p:cNvPr>
+            <a:endParaRPr lang="en-US" dirty="0"/>
+          </a:p>
+        </p:txBody>
+      </p:sp>
+      <p:sp>
+        <p:nvSpPr>
+          <p:cNvPr id="3" name="Subtitle 2"/>
           <p:cNvSpPr>
             <a:spLocks noGrp="1"/>
           </p:cNvSpPr>
@@ -2817,48 +2815,103 @@
         </p:nvSpPr>
         <p:spPr>
           <a:xfrm>
-            <a:off x="1524000" y="3602038"/>
-            <a:ext cx="9144000" cy="1655762"/>
+            <a:off x="1154955" y="4777380"/>
+            <a:ext cx="8825658" cy="861420"/>
           </a:xfrm>
         </p:spPr>
         <p:txBody>
-          <a:bodyPr/>
+          <a:bodyPr anchor="t"/>
           <a:lstStyle>
-            <a:lvl1pPr marL="0" indent="0" algn="ctr">
-              <a:buNone/>
-              <a:defRPr sz="2400"/>
+            <a:lvl1pPr marL="0" indent="0" algn="l">
+              <a:buNone/>
+              <a:defRPr cap="all">
+                <a:solidFill>
+                  <a:schemeClr val="bg2">
+                    <a:lumMod val="40000"/>
+                    <a:lumOff val="60000"/>
+                  </a:schemeClr>
+                </a:solidFill>
+              </a:defRPr>
             </a:lvl1pPr>
             <a:lvl2pPr marL="457200" indent="0" algn="ctr">
               <a:buNone/>
-              <a:defRPr sz="2000"/>
+              <a:defRPr>
+                <a:solidFill>
+                  <a:schemeClr val="tx1">
+                    <a:tint val="75000"/>
+                  </a:schemeClr>
+                </a:solidFill>
+              </a:defRPr>
             </a:lvl2pPr>
             <a:lvl3pPr marL="914400" indent="0" algn="ctr">
               <a:buNone/>
-              <a:defRPr sz="1800"/>
+              <a:defRPr>
+                <a:solidFill>
+                  <a:schemeClr val="tx1">
+                    <a:tint val="75000"/>
+                  </a:schemeClr>
+                </a:solidFill>
+              </a:defRPr>
             </a:lvl3pPr>
             <a:lvl4pPr marL="1371600" indent="0" algn="ctr">
               <a:buNone/>
-              <a:defRPr sz="1600"/>
+              <a:defRPr>
+                <a:solidFill>
+                  <a:schemeClr val="tx1">
+                    <a:tint val="75000"/>
+                  </a:schemeClr>
+                </a:solidFill>
+              </a:defRPr>
             </a:lvl4pPr>
             <a:lvl5pPr marL="1828800" indent="0" algn="ctr">
               <a:buNone/>
-              <a:defRPr sz="1600"/>
+              <a:defRPr>
+                <a:solidFill>
+                  <a:schemeClr val="tx1">
+                    <a:tint val="75000"/>
+                  </a:schemeClr>
+                </a:solidFill>
+              </a:defRPr>
             </a:lvl5pPr>
             <a:lvl6pPr marL="2286000" indent="0" algn="ctr">
               <a:buNone/>
-              <a:defRPr sz="1600"/>
+              <a:defRPr>
+                <a:solidFill>
+                  <a:schemeClr val="tx1">
+                    <a:tint val="75000"/>
+                  </a:schemeClr>
+                </a:solidFill>
+              </a:defRPr>
             </a:lvl6pPr>
             <a:lvl7pPr marL="2743200" indent="0" algn="ctr">
               <a:buNone/>
-              <a:defRPr sz="1600"/>
+              <a:defRPr>
+                <a:solidFill>
+                  <a:schemeClr val="tx1">
+                    <a:tint val="75000"/>
+                  </a:schemeClr>
+                </a:solidFill>
+              </a:defRPr>
             </a:lvl7pPr>
             <a:lvl8pPr marL="3200400" indent="0" algn="ctr">
               <a:buNone/>
-              <a:defRPr sz="1600"/>
+              <a:defRPr>
+                <a:solidFill>
+                  <a:schemeClr val="tx1">
+                    <a:tint val="75000"/>
+                  </a:schemeClr>
+                </a:solidFill>
+              </a:defRPr>
             </a:lvl8pPr>
             <a:lvl9pPr marL="3657600" indent="0" algn="ctr">
               <a:buNone/>
-              <a:defRPr sz="1600"/>
+              <a:defRPr>
+                <a:solidFill>
+                  <a:schemeClr val="tx1">
+                    <a:tint val="75000"/>
+                  </a:schemeClr>
+                </a:solidFill>
+              </a:defRPr>
             </a:lvl9pPr>
           </a:lstStyle>
           <a:p>
@@ -2866,18 +2919,13 @@
               <a:rPr lang="nb-NO"/>
               <a:t>Klikk for å redigere undertittelstil i malen</a:t>
             </a:r>
-          </a:p>
-        </p:txBody>
-      </p:sp>
-      <p:sp>
-        <p:nvSpPr>
-          <p:cNvPr id="4" name="Plassholder for dato 3">
-            <a:extLst>
-              <a:ext uri="{FF2B5EF4-FFF2-40B4-BE49-F238E27FC236}">
-                <a16:creationId xmlns:a16="http://schemas.microsoft.com/office/drawing/2014/main" id="{621CD4A3-F3C6-486C-A1B5-75F788300A1D}"/>
-              </a:ext>
-            </a:extLst>
-          </p:cNvPr>
+            <a:endParaRPr lang="en-US" dirty="0"/>
+          </a:p>
+        </p:txBody>
+      </p:sp>
+      <p:sp>
+        <p:nvSpPr>
+          <p:cNvPr id="4" name="Date Placeholder 3"/>
           <p:cNvSpPr>
             <a:spLocks noGrp="1"/>
           </p:cNvSpPr>
@@ -2892,7 +2940,7 @@
           <a:p>
             <a:fld id="{4673FE56-53A5-4307-B55A-C5E78E8654B2}" type="datetimeFigureOut">
               <a:rPr lang="nb-NO" smtClean="0"/>
-              <a:t>19.02.2019</a:t>
+              <a:t>20.02.2019</a:t>
             </a:fld>
             <a:endParaRPr lang="nb-NO"/>
           </a:p>
@@ -2900,13 +2948,7 @@
       </p:sp>
       <p:sp>
         <p:nvSpPr>
-          <p:cNvPr id="5" name="Plassholder for bunntekst 4">
-            <a:extLst>
-              <a:ext uri="{FF2B5EF4-FFF2-40B4-BE49-F238E27FC236}">
-                <a16:creationId xmlns:a16="http://schemas.microsoft.com/office/drawing/2014/main" id="{51A2F124-42AB-41C7-ABDB-F77BE5BF9A1F}"/>
-              </a:ext>
-            </a:extLst>
-          </p:cNvPr>
+          <p:cNvPr id="5" name="Footer Placeholder 4"/>
           <p:cNvSpPr>
             <a:spLocks noGrp="1"/>
           </p:cNvSpPr>
@@ -2925,13 +2967,7 @@
       </p:sp>
       <p:sp>
         <p:nvSpPr>
-          <p:cNvPr id="6" name="Plassholder for lysbildenummer 5">
-            <a:extLst>
-              <a:ext uri="{FF2B5EF4-FFF2-40B4-BE49-F238E27FC236}">
-                <a16:creationId xmlns:a16="http://schemas.microsoft.com/office/drawing/2014/main" id="{D1CF735A-F285-497F-A065-DB047E4D72AA}"/>
-              </a:ext>
-            </a:extLst>
-          </p:cNvPr>
+          <p:cNvPr id="6" name="Slide Number Placeholder 5"/>
           <p:cNvSpPr>
             <a:spLocks noGrp="1"/>
           </p:cNvSpPr>
@@ -2955,7 +2991,7 @@
     </p:spTree>
     <p:extLst>
       <p:ext uri="{BB962C8B-B14F-4D97-AF65-F5344CB8AC3E}">
-        <p14:creationId xmlns:p14="http://schemas.microsoft.com/office/powerpoint/2010/main" val="3926626657"/>
+        <p14:creationId xmlns:p14="http://schemas.microsoft.com/office/powerpoint/2010/main" val="697354418"/>
       </p:ext>
     </p:extLst>
   </p:cSld>
@@ -2966,6 +3002,2572 @@
 </file>
 
 <file path=ppt/slideLayouts/slideLayout10.xml><?xml version="1.0" encoding="utf-8"?>
+<p:sldLayout xmlns:a="http://schemas.openxmlformats.org/drawingml/2006/main" xmlns:r="http://schemas.openxmlformats.org/officeDocument/2006/relationships" xmlns:p="http://schemas.openxmlformats.org/presentationml/2006/main" preserve="1">
+  <p:cSld name="Panoramabilde med bildetekst">
+    <p:spTree>
+      <p:nvGrpSpPr>
+        <p:cNvPr id="1" name=""/>
+        <p:cNvGrpSpPr/>
+        <p:nvPr/>
+      </p:nvGrpSpPr>
+      <p:grpSpPr>
+        <a:xfrm>
+          <a:off x="0" y="0"/>
+          <a:ext cx="0" cy="0"/>
+          <a:chOff x="0" y="0"/>
+          <a:chExt cx="0" cy="0"/>
+        </a:xfrm>
+      </p:grpSpPr>
+      <p:sp>
+        <p:nvSpPr>
+          <p:cNvPr id="2" name="Title 1"/>
+          <p:cNvSpPr>
+            <a:spLocks noGrp="1"/>
+          </p:cNvSpPr>
+          <p:nvPr>
+            <p:ph type="title"/>
+          </p:nvPr>
+        </p:nvSpPr>
+        <p:spPr>
+          <a:xfrm>
+            <a:off x="1154956" y="4800587"/>
+            <a:ext cx="8825657" cy="566738"/>
+          </a:xfrm>
+        </p:spPr>
+        <p:txBody>
+          <a:bodyPr anchor="b">
+            <a:normAutofit/>
+          </a:bodyPr>
+          <a:lstStyle>
+            <a:lvl1pPr algn="l">
+              <a:defRPr sz="2400" b="0"/>
+            </a:lvl1pPr>
+          </a:lstStyle>
+          <a:p>
+            <a:r>
+              <a:rPr lang="nb-NO"/>
+              <a:t>Klikk for å redigere tittelstil</a:t>
+            </a:r>
+            <a:endParaRPr lang="en-US" dirty="0"/>
+          </a:p>
+        </p:txBody>
+      </p:sp>
+      <p:sp>
+        <p:nvSpPr>
+          <p:cNvPr id="3" name="Picture Placeholder 2"/>
+          <p:cNvSpPr>
+            <a:spLocks noGrp="1" noChangeAspect="1"/>
+          </p:cNvSpPr>
+          <p:nvPr>
+            <p:ph type="pic" idx="1"/>
+          </p:nvPr>
+        </p:nvSpPr>
+        <p:spPr>
+          <a:xfrm>
+            <a:off x="1154955" y="685800"/>
+            <a:ext cx="8825658" cy="3640666"/>
+          </a:xfrm>
+          <a:prstGeom prst="roundRect">
+            <a:avLst>
+              <a:gd name="adj" fmla="val 1858"/>
+            </a:avLst>
+          </a:prstGeom>
+          <a:effectLst>
+            <a:outerShdw blurRad="50800" dist="50800" dir="5400000" algn="tl" rotWithShape="0">
+              <a:srgbClr val="000000">
+                <a:alpha val="43000"/>
+              </a:srgbClr>
+            </a:outerShdw>
+          </a:effectLst>
+        </p:spPr>
+        <p:txBody>
+          <a:bodyPr anchor="t">
+            <a:normAutofit/>
+          </a:bodyPr>
+          <a:lstStyle>
+            <a:lvl1pPr marL="0" indent="0" algn="ctr">
+              <a:buNone/>
+              <a:defRPr sz="1600"/>
+            </a:lvl1pPr>
+            <a:lvl2pPr marL="457200" indent="0">
+              <a:buNone/>
+              <a:defRPr sz="1600"/>
+            </a:lvl2pPr>
+            <a:lvl3pPr marL="914400" indent="0">
+              <a:buNone/>
+              <a:defRPr sz="1600"/>
+            </a:lvl3pPr>
+            <a:lvl4pPr marL="1371600" indent="0">
+              <a:buNone/>
+              <a:defRPr sz="1600"/>
+            </a:lvl4pPr>
+            <a:lvl5pPr marL="1828800" indent="0">
+              <a:buNone/>
+              <a:defRPr sz="1600"/>
+            </a:lvl5pPr>
+            <a:lvl6pPr marL="2286000" indent="0">
+              <a:buNone/>
+              <a:defRPr sz="1600"/>
+            </a:lvl6pPr>
+            <a:lvl7pPr marL="2743200" indent="0">
+              <a:buNone/>
+              <a:defRPr sz="1600"/>
+            </a:lvl7pPr>
+            <a:lvl8pPr marL="3200400" indent="0">
+              <a:buNone/>
+              <a:defRPr sz="1600"/>
+            </a:lvl8pPr>
+            <a:lvl9pPr marL="3657600" indent="0">
+              <a:buNone/>
+              <a:defRPr sz="1600"/>
+            </a:lvl9pPr>
+          </a:lstStyle>
+          <a:p>
+            <a:r>
+              <a:rPr lang="nb-NO"/>
+              <a:t>Klikk på ikonet for å legge til et bilde</a:t>
+            </a:r>
+            <a:endParaRPr lang="en-US" dirty="0"/>
+          </a:p>
+        </p:txBody>
+      </p:sp>
+      <p:sp>
+        <p:nvSpPr>
+          <p:cNvPr id="4" name="Text Placeholder 3"/>
+          <p:cNvSpPr>
+            <a:spLocks noGrp="1"/>
+          </p:cNvSpPr>
+          <p:nvPr>
+            <p:ph type="body" sz="half" idx="2"/>
+          </p:nvPr>
+        </p:nvSpPr>
+        <p:spPr>
+          <a:xfrm>
+            <a:off x="1154956" y="5367325"/>
+            <a:ext cx="8825656" cy="493712"/>
+          </a:xfrm>
+        </p:spPr>
+        <p:txBody>
+          <a:bodyPr>
+            <a:normAutofit/>
+          </a:bodyPr>
+          <a:lstStyle>
+            <a:lvl1pPr marL="0" indent="0">
+              <a:buNone/>
+              <a:defRPr sz="1200"/>
+            </a:lvl1pPr>
+            <a:lvl2pPr marL="457200" indent="0">
+              <a:buNone/>
+              <a:defRPr sz="1200"/>
+            </a:lvl2pPr>
+            <a:lvl3pPr marL="914400" indent="0">
+              <a:buNone/>
+              <a:defRPr sz="1000"/>
+            </a:lvl3pPr>
+            <a:lvl4pPr marL="1371600" indent="0">
+              <a:buNone/>
+              <a:defRPr sz="900"/>
+            </a:lvl4pPr>
+            <a:lvl5pPr marL="1828800" indent="0">
+              <a:buNone/>
+              <a:defRPr sz="900"/>
+            </a:lvl5pPr>
+            <a:lvl6pPr marL="2286000" indent="0">
+              <a:buNone/>
+              <a:defRPr sz="900"/>
+            </a:lvl6pPr>
+            <a:lvl7pPr marL="2743200" indent="0">
+              <a:buNone/>
+              <a:defRPr sz="900"/>
+            </a:lvl7pPr>
+            <a:lvl8pPr marL="3200400" indent="0">
+              <a:buNone/>
+              <a:defRPr sz="900"/>
+            </a:lvl8pPr>
+            <a:lvl9pPr marL="3657600" indent="0">
+              <a:buNone/>
+              <a:defRPr sz="900"/>
+            </a:lvl9pPr>
+          </a:lstStyle>
+          <a:p>
+            <a:pPr lvl="0"/>
+            <a:r>
+              <a:rPr lang="nb-NO"/>
+              <a:t>Rediger tekststiler i malen</a:t>
+            </a:r>
+          </a:p>
+        </p:txBody>
+      </p:sp>
+      <p:sp>
+        <p:nvSpPr>
+          <p:cNvPr id="5" name="Date Placeholder 4"/>
+          <p:cNvSpPr>
+            <a:spLocks noGrp="1"/>
+          </p:cNvSpPr>
+          <p:nvPr>
+            <p:ph type="dt" sz="half" idx="10"/>
+          </p:nvPr>
+        </p:nvSpPr>
+        <p:spPr/>
+        <p:txBody>
+          <a:bodyPr/>
+          <a:lstStyle/>
+          <a:p>
+            <a:fld id="{4673FE56-53A5-4307-B55A-C5E78E8654B2}" type="datetimeFigureOut">
+              <a:rPr lang="nb-NO" smtClean="0"/>
+              <a:t>20.02.2019</a:t>
+            </a:fld>
+            <a:endParaRPr lang="nb-NO"/>
+          </a:p>
+        </p:txBody>
+      </p:sp>
+      <p:sp>
+        <p:nvSpPr>
+          <p:cNvPr id="6" name="Footer Placeholder 5"/>
+          <p:cNvSpPr>
+            <a:spLocks noGrp="1"/>
+          </p:cNvSpPr>
+          <p:nvPr>
+            <p:ph type="ftr" sz="quarter" idx="11"/>
+          </p:nvPr>
+        </p:nvSpPr>
+        <p:spPr/>
+        <p:txBody>
+          <a:bodyPr/>
+          <a:lstStyle/>
+          <a:p>
+            <a:endParaRPr lang="nb-NO"/>
+          </a:p>
+        </p:txBody>
+      </p:sp>
+      <p:sp>
+        <p:nvSpPr>
+          <p:cNvPr id="7" name="Slide Number Placeholder 6"/>
+          <p:cNvSpPr>
+            <a:spLocks noGrp="1"/>
+          </p:cNvSpPr>
+          <p:nvPr>
+            <p:ph type="sldNum" sz="quarter" idx="12"/>
+          </p:nvPr>
+        </p:nvSpPr>
+        <p:spPr/>
+        <p:txBody>
+          <a:bodyPr/>
+          <a:lstStyle/>
+          <a:p>
+            <a:fld id="{4308C321-FF5B-4C57-8A67-C24E8F82EF42}" type="slidenum">
+              <a:rPr lang="nb-NO" smtClean="0"/>
+              <a:t>‹#›</a:t>
+            </a:fld>
+            <a:endParaRPr lang="nb-NO"/>
+          </a:p>
+        </p:txBody>
+      </p:sp>
+    </p:spTree>
+    <p:extLst>
+      <p:ext uri="{BB962C8B-B14F-4D97-AF65-F5344CB8AC3E}">
+        <p14:creationId xmlns:p14="http://schemas.microsoft.com/office/powerpoint/2010/main" val="1987508291"/>
+      </p:ext>
+    </p:extLst>
+  </p:cSld>
+  <p:clrMapOvr>
+    <a:masterClrMapping/>
+  </p:clrMapOvr>
+</p:sldLayout>
+</file>
+
+<file path=ppt/slideLayouts/slideLayout11.xml><?xml version="1.0" encoding="utf-8"?>
+<p:sldLayout xmlns:a="http://schemas.openxmlformats.org/drawingml/2006/main" xmlns:r="http://schemas.openxmlformats.org/officeDocument/2006/relationships" xmlns:p="http://schemas.openxmlformats.org/presentationml/2006/main" preserve="1">
+  <p:cSld name="Tittel og tekst">
+    <p:spTree>
+      <p:nvGrpSpPr>
+        <p:cNvPr id="1" name=""/>
+        <p:cNvGrpSpPr/>
+        <p:nvPr/>
+      </p:nvGrpSpPr>
+      <p:grpSpPr>
+        <a:xfrm>
+          <a:off x="0" y="0"/>
+          <a:ext cx="0" cy="0"/>
+          <a:chOff x="0" y="0"/>
+          <a:chExt cx="0" cy="0"/>
+        </a:xfrm>
+      </p:grpSpPr>
+      <p:sp>
+        <p:nvSpPr>
+          <p:cNvPr id="2" name="Title 1"/>
+          <p:cNvSpPr>
+            <a:spLocks noGrp="1"/>
+          </p:cNvSpPr>
+          <p:nvPr>
+            <p:ph type="title"/>
+          </p:nvPr>
+        </p:nvSpPr>
+        <p:spPr>
+          <a:xfrm>
+            <a:off x="1154954" y="1447800"/>
+            <a:ext cx="8825659" cy="1981200"/>
+          </a:xfrm>
+        </p:spPr>
+        <p:txBody>
+          <a:bodyPr/>
+          <a:lstStyle>
+            <a:lvl1pPr>
+              <a:defRPr sz="4800"/>
+            </a:lvl1pPr>
+          </a:lstStyle>
+          <a:p>
+            <a:r>
+              <a:rPr lang="nb-NO"/>
+              <a:t>Klikk for å redigere tittelstil</a:t>
+            </a:r>
+            <a:endParaRPr lang="en-US" dirty="0"/>
+          </a:p>
+        </p:txBody>
+      </p:sp>
+      <p:sp>
+        <p:nvSpPr>
+          <p:cNvPr id="8" name="Text Placeholder 3"/>
+          <p:cNvSpPr>
+            <a:spLocks noGrp="1"/>
+          </p:cNvSpPr>
+          <p:nvPr>
+            <p:ph type="body" sz="half" idx="2"/>
+          </p:nvPr>
+        </p:nvSpPr>
+        <p:spPr>
+          <a:xfrm>
+            <a:off x="1154954" y="3657600"/>
+            <a:ext cx="8825659" cy="2362200"/>
+          </a:xfrm>
+        </p:spPr>
+        <p:txBody>
+          <a:bodyPr anchor="ctr">
+            <a:normAutofit/>
+          </a:bodyPr>
+          <a:lstStyle>
+            <a:lvl1pPr marL="0" indent="0">
+              <a:buNone/>
+              <a:defRPr sz="1800"/>
+            </a:lvl1pPr>
+            <a:lvl2pPr marL="457200" indent="0">
+              <a:buNone/>
+              <a:defRPr sz="1200"/>
+            </a:lvl2pPr>
+            <a:lvl3pPr marL="914400" indent="0">
+              <a:buNone/>
+              <a:defRPr sz="1000"/>
+            </a:lvl3pPr>
+            <a:lvl4pPr marL="1371600" indent="0">
+              <a:buNone/>
+              <a:defRPr sz="900"/>
+            </a:lvl4pPr>
+            <a:lvl5pPr marL="1828800" indent="0">
+              <a:buNone/>
+              <a:defRPr sz="900"/>
+            </a:lvl5pPr>
+            <a:lvl6pPr marL="2286000" indent="0">
+              <a:buNone/>
+              <a:defRPr sz="900"/>
+            </a:lvl6pPr>
+            <a:lvl7pPr marL="2743200" indent="0">
+              <a:buNone/>
+              <a:defRPr sz="900"/>
+            </a:lvl7pPr>
+            <a:lvl8pPr marL="3200400" indent="0">
+              <a:buNone/>
+              <a:defRPr sz="900"/>
+            </a:lvl8pPr>
+            <a:lvl9pPr marL="3657600" indent="0">
+              <a:buNone/>
+              <a:defRPr sz="900"/>
+            </a:lvl9pPr>
+          </a:lstStyle>
+          <a:p>
+            <a:pPr lvl="0"/>
+            <a:r>
+              <a:rPr lang="nb-NO"/>
+              <a:t>Rediger tekststiler i malen</a:t>
+            </a:r>
+          </a:p>
+        </p:txBody>
+      </p:sp>
+      <p:sp>
+        <p:nvSpPr>
+          <p:cNvPr id="4" name="Date Placeholder 3"/>
+          <p:cNvSpPr>
+            <a:spLocks noGrp="1"/>
+          </p:cNvSpPr>
+          <p:nvPr>
+            <p:ph type="dt" sz="half" idx="10"/>
+          </p:nvPr>
+        </p:nvSpPr>
+        <p:spPr/>
+        <p:txBody>
+          <a:bodyPr/>
+          <a:lstStyle/>
+          <a:p>
+            <a:fld id="{4673FE56-53A5-4307-B55A-C5E78E8654B2}" type="datetimeFigureOut">
+              <a:rPr lang="nb-NO" smtClean="0"/>
+              <a:t>20.02.2019</a:t>
+            </a:fld>
+            <a:endParaRPr lang="nb-NO"/>
+          </a:p>
+        </p:txBody>
+      </p:sp>
+      <p:sp>
+        <p:nvSpPr>
+          <p:cNvPr id="5" name="Footer Placeholder 4"/>
+          <p:cNvSpPr>
+            <a:spLocks noGrp="1"/>
+          </p:cNvSpPr>
+          <p:nvPr>
+            <p:ph type="ftr" sz="quarter" idx="11"/>
+          </p:nvPr>
+        </p:nvSpPr>
+        <p:spPr/>
+        <p:txBody>
+          <a:bodyPr/>
+          <a:lstStyle/>
+          <a:p>
+            <a:endParaRPr lang="nb-NO"/>
+          </a:p>
+        </p:txBody>
+      </p:sp>
+      <p:sp>
+        <p:nvSpPr>
+          <p:cNvPr id="6" name="Slide Number Placeholder 5"/>
+          <p:cNvSpPr>
+            <a:spLocks noGrp="1"/>
+          </p:cNvSpPr>
+          <p:nvPr>
+            <p:ph type="sldNum" sz="quarter" idx="12"/>
+          </p:nvPr>
+        </p:nvSpPr>
+        <p:spPr/>
+        <p:txBody>
+          <a:bodyPr/>
+          <a:lstStyle/>
+          <a:p>
+            <a:fld id="{4308C321-FF5B-4C57-8A67-C24E8F82EF42}" type="slidenum">
+              <a:rPr lang="nb-NO" smtClean="0"/>
+              <a:t>‹#›</a:t>
+            </a:fld>
+            <a:endParaRPr lang="nb-NO"/>
+          </a:p>
+        </p:txBody>
+      </p:sp>
+    </p:spTree>
+    <p:extLst>
+      <p:ext uri="{BB962C8B-B14F-4D97-AF65-F5344CB8AC3E}">
+        <p14:creationId xmlns:p14="http://schemas.microsoft.com/office/powerpoint/2010/main" val="2502932012"/>
+      </p:ext>
+    </p:extLst>
+  </p:cSld>
+  <p:clrMapOvr>
+    <a:masterClrMapping/>
+  </p:clrMapOvr>
+</p:sldLayout>
+</file>
+
+<file path=ppt/slideLayouts/slideLayout12.xml><?xml version="1.0" encoding="utf-8"?>
+<p:sldLayout xmlns:a="http://schemas.openxmlformats.org/drawingml/2006/main" xmlns:r="http://schemas.openxmlformats.org/officeDocument/2006/relationships" xmlns:p="http://schemas.openxmlformats.org/presentationml/2006/main" preserve="1">
+  <p:cSld name="Sitat med tekst">
+    <p:spTree>
+      <p:nvGrpSpPr>
+        <p:cNvPr id="1" name=""/>
+        <p:cNvGrpSpPr/>
+        <p:nvPr/>
+      </p:nvGrpSpPr>
+      <p:grpSpPr>
+        <a:xfrm>
+          <a:off x="0" y="0"/>
+          <a:ext cx="0" cy="0"/>
+          <a:chOff x="0" y="0"/>
+          <a:chExt cx="0" cy="0"/>
+        </a:xfrm>
+      </p:grpSpPr>
+      <p:sp>
+        <p:nvSpPr>
+          <p:cNvPr id="2" name="Title 1"/>
+          <p:cNvSpPr>
+            <a:spLocks noGrp="1"/>
+          </p:cNvSpPr>
+          <p:nvPr>
+            <p:ph type="title"/>
+          </p:nvPr>
+        </p:nvSpPr>
+        <p:spPr>
+          <a:xfrm>
+            <a:off x="1574801" y="1447800"/>
+            <a:ext cx="7999315" cy="2323374"/>
+          </a:xfrm>
+        </p:spPr>
+        <p:txBody>
+          <a:bodyPr/>
+          <a:lstStyle>
+            <a:lvl1pPr>
+              <a:defRPr sz="4800"/>
+            </a:lvl1pPr>
+          </a:lstStyle>
+          <a:p>
+            <a:r>
+              <a:rPr lang="nb-NO"/>
+              <a:t>Klikk for å redigere tittelstil</a:t>
+            </a:r>
+            <a:endParaRPr lang="en-US" dirty="0"/>
+          </a:p>
+        </p:txBody>
+      </p:sp>
+      <p:sp>
+        <p:nvSpPr>
+          <p:cNvPr id="11" name="Text Placeholder 3"/>
+          <p:cNvSpPr>
+            <a:spLocks noGrp="1"/>
+          </p:cNvSpPr>
+          <p:nvPr>
+            <p:ph type="body" sz="half" idx="14"/>
+          </p:nvPr>
+        </p:nvSpPr>
+        <p:spPr>
+          <a:xfrm>
+            <a:off x="1930400" y="3771174"/>
+            <a:ext cx="7279649" cy="342174"/>
+          </a:xfrm>
+        </p:spPr>
+        <p:txBody>
+          <a:bodyPr vert="horz" lIns="91440" tIns="45720" rIns="91440" bIns="45720" rtlCol="0" anchor="t">
+            <a:normAutofit/>
+          </a:bodyPr>
+          <a:lstStyle>
+            <a:lvl1pPr marL="0" indent="0">
+              <a:buNone/>
+              <a:defRPr lang="en-US" sz="1400" b="0" i="0" kern="1200" cap="small" dirty="0">
+                <a:solidFill>
+                  <a:schemeClr val="bg2">
+                    <a:lumMod val="40000"/>
+                    <a:lumOff val="60000"/>
+                  </a:schemeClr>
+                </a:solidFill>
+                <a:latin typeface="+mj-lt"/>
+                <a:ea typeface="+mj-ea"/>
+                <a:cs typeface="+mj-cs"/>
+              </a:defRPr>
+            </a:lvl1pPr>
+            <a:lvl2pPr marL="457200" indent="0">
+              <a:buNone/>
+              <a:defRPr sz="1200"/>
+            </a:lvl2pPr>
+            <a:lvl3pPr marL="914400" indent="0">
+              <a:buNone/>
+              <a:defRPr sz="1000"/>
+            </a:lvl3pPr>
+            <a:lvl4pPr marL="1371600" indent="0">
+              <a:buNone/>
+              <a:defRPr sz="900"/>
+            </a:lvl4pPr>
+            <a:lvl5pPr marL="1828800" indent="0">
+              <a:buNone/>
+              <a:defRPr sz="900"/>
+            </a:lvl5pPr>
+            <a:lvl6pPr marL="2286000" indent="0">
+              <a:buNone/>
+              <a:defRPr sz="900"/>
+            </a:lvl6pPr>
+            <a:lvl7pPr marL="2743200" indent="0">
+              <a:buNone/>
+              <a:defRPr sz="900"/>
+            </a:lvl7pPr>
+            <a:lvl8pPr marL="3200400" indent="0">
+              <a:buNone/>
+              <a:defRPr sz="900"/>
+            </a:lvl8pPr>
+            <a:lvl9pPr marL="3657600" indent="0">
+              <a:buNone/>
+              <a:defRPr sz="900"/>
+            </a:lvl9pPr>
+          </a:lstStyle>
+          <a:p>
+            <a:pPr marL="0" lvl="0" indent="0">
+              <a:buNone/>
+            </a:pPr>
+            <a:r>
+              <a:rPr lang="nb-NO"/>
+              <a:t>Rediger tekststiler i malen</a:t>
+            </a:r>
+          </a:p>
+        </p:txBody>
+      </p:sp>
+      <p:sp>
+        <p:nvSpPr>
+          <p:cNvPr id="10" name="Text Placeholder 3"/>
+          <p:cNvSpPr>
+            <a:spLocks noGrp="1"/>
+          </p:cNvSpPr>
+          <p:nvPr>
+            <p:ph type="body" sz="half" idx="2"/>
+          </p:nvPr>
+        </p:nvSpPr>
+        <p:spPr>
+          <a:xfrm>
+            <a:off x="1154954" y="4350657"/>
+            <a:ext cx="8825659" cy="1676400"/>
+          </a:xfrm>
+        </p:spPr>
+        <p:txBody>
+          <a:bodyPr anchor="ctr">
+            <a:normAutofit/>
+          </a:bodyPr>
+          <a:lstStyle>
+            <a:lvl1pPr marL="0" indent="0">
+              <a:buNone/>
+              <a:defRPr sz="1800"/>
+            </a:lvl1pPr>
+            <a:lvl2pPr marL="457200" indent="0">
+              <a:buNone/>
+              <a:defRPr sz="1200"/>
+            </a:lvl2pPr>
+            <a:lvl3pPr marL="914400" indent="0">
+              <a:buNone/>
+              <a:defRPr sz="1000"/>
+            </a:lvl3pPr>
+            <a:lvl4pPr marL="1371600" indent="0">
+              <a:buNone/>
+              <a:defRPr sz="900"/>
+            </a:lvl4pPr>
+            <a:lvl5pPr marL="1828800" indent="0">
+              <a:buNone/>
+              <a:defRPr sz="900"/>
+            </a:lvl5pPr>
+            <a:lvl6pPr marL="2286000" indent="0">
+              <a:buNone/>
+              <a:defRPr sz="900"/>
+            </a:lvl6pPr>
+            <a:lvl7pPr marL="2743200" indent="0">
+              <a:buNone/>
+              <a:defRPr sz="900"/>
+            </a:lvl7pPr>
+            <a:lvl8pPr marL="3200400" indent="0">
+              <a:buNone/>
+              <a:defRPr sz="900"/>
+            </a:lvl8pPr>
+            <a:lvl9pPr marL="3657600" indent="0">
+              <a:buNone/>
+              <a:defRPr sz="900"/>
+            </a:lvl9pPr>
+          </a:lstStyle>
+          <a:p>
+            <a:pPr lvl="0"/>
+            <a:r>
+              <a:rPr lang="nb-NO"/>
+              <a:t>Rediger tekststiler i malen</a:t>
+            </a:r>
+          </a:p>
+        </p:txBody>
+      </p:sp>
+      <p:sp>
+        <p:nvSpPr>
+          <p:cNvPr id="4" name="Date Placeholder 3"/>
+          <p:cNvSpPr>
+            <a:spLocks noGrp="1"/>
+          </p:cNvSpPr>
+          <p:nvPr>
+            <p:ph type="dt" sz="half" idx="10"/>
+          </p:nvPr>
+        </p:nvSpPr>
+        <p:spPr/>
+        <p:txBody>
+          <a:bodyPr/>
+          <a:lstStyle/>
+          <a:p>
+            <a:fld id="{4673FE56-53A5-4307-B55A-C5E78E8654B2}" type="datetimeFigureOut">
+              <a:rPr lang="nb-NO" smtClean="0"/>
+              <a:t>20.02.2019</a:t>
+            </a:fld>
+            <a:endParaRPr lang="nb-NO"/>
+          </a:p>
+        </p:txBody>
+      </p:sp>
+      <p:sp>
+        <p:nvSpPr>
+          <p:cNvPr id="5" name="Footer Placeholder 4"/>
+          <p:cNvSpPr>
+            <a:spLocks noGrp="1"/>
+          </p:cNvSpPr>
+          <p:nvPr>
+            <p:ph type="ftr" sz="quarter" idx="11"/>
+          </p:nvPr>
+        </p:nvSpPr>
+        <p:spPr/>
+        <p:txBody>
+          <a:bodyPr/>
+          <a:lstStyle/>
+          <a:p>
+            <a:endParaRPr lang="nb-NO"/>
+          </a:p>
+        </p:txBody>
+      </p:sp>
+      <p:sp>
+        <p:nvSpPr>
+          <p:cNvPr id="6" name="Slide Number Placeholder 5"/>
+          <p:cNvSpPr>
+            <a:spLocks noGrp="1"/>
+          </p:cNvSpPr>
+          <p:nvPr>
+            <p:ph type="sldNum" sz="quarter" idx="12"/>
+          </p:nvPr>
+        </p:nvSpPr>
+        <p:spPr/>
+        <p:txBody>
+          <a:bodyPr/>
+          <a:lstStyle/>
+          <a:p>
+            <a:fld id="{4308C321-FF5B-4C57-8A67-C24E8F82EF42}" type="slidenum">
+              <a:rPr lang="nb-NO" smtClean="0"/>
+              <a:t>‹#›</a:t>
+            </a:fld>
+            <a:endParaRPr lang="nb-NO"/>
+          </a:p>
+        </p:txBody>
+      </p:sp>
+      <p:sp>
+        <p:nvSpPr>
+          <p:cNvPr id="12" name="TextBox 11"/>
+          <p:cNvSpPr txBox="1"/>
+          <p:nvPr/>
+        </p:nvSpPr>
+        <p:spPr>
+          <a:xfrm>
+            <a:off x="898295" y="971253"/>
+            <a:ext cx="801912" cy="1969770"/>
+          </a:xfrm>
+          <a:prstGeom prst="rect">
+            <a:avLst/>
+          </a:prstGeom>
+          <a:noFill/>
+        </p:spPr>
+        <p:txBody>
+          <a:bodyPr wrap="square" rtlCol="0">
+            <a:spAutoFit/>
+          </a:bodyPr>
+          <a:lstStyle>
+            <a:defPPr>
+              <a:defRPr lang="en-US"/>
+            </a:defPPr>
+            <a:lvl1pPr algn="r">
+              <a:defRPr sz="12200" b="0" i="0">
+                <a:solidFill>
+                  <a:schemeClr val="bg2">
+                    <a:lumMod val="40000"/>
+                    <a:lumOff val="60000"/>
+                  </a:schemeClr>
+                </a:solidFill>
+                <a:latin typeface="Arial"/>
+                <a:ea typeface="+mj-ea"/>
+                <a:cs typeface="+mj-cs"/>
+              </a:defRPr>
+            </a:lvl1pPr>
+          </a:lstStyle>
+          <a:p>
+            <a:pPr lvl="0"/>
+            <a:r>
+              <a:rPr lang="en-US" dirty="0"/>
+              <a:t>“</a:t>
+            </a:r>
+          </a:p>
+        </p:txBody>
+      </p:sp>
+      <p:sp>
+        <p:nvSpPr>
+          <p:cNvPr id="15" name="TextBox 14"/>
+          <p:cNvSpPr txBox="1"/>
+          <p:nvPr/>
+        </p:nvSpPr>
+        <p:spPr>
+          <a:xfrm>
+            <a:off x="9330490" y="2613787"/>
+            <a:ext cx="801912" cy="1969770"/>
+          </a:xfrm>
+          <a:prstGeom prst="rect">
+            <a:avLst/>
+          </a:prstGeom>
+          <a:noFill/>
+        </p:spPr>
+        <p:txBody>
+          <a:bodyPr wrap="square" rtlCol="0">
+            <a:spAutoFit/>
+          </a:bodyPr>
+          <a:lstStyle>
+            <a:defPPr>
+              <a:defRPr lang="en-US"/>
+            </a:defPPr>
+            <a:lvl1pPr algn="r">
+              <a:defRPr sz="12200" b="0" i="0">
+                <a:solidFill>
+                  <a:schemeClr val="bg2">
+                    <a:lumMod val="40000"/>
+                    <a:lumOff val="60000"/>
+                  </a:schemeClr>
+                </a:solidFill>
+                <a:latin typeface="Arial"/>
+                <a:ea typeface="+mj-ea"/>
+                <a:cs typeface="+mj-cs"/>
+              </a:defRPr>
+            </a:lvl1pPr>
+          </a:lstStyle>
+          <a:p>
+            <a:pPr lvl="0"/>
+            <a:r>
+              <a:rPr lang="en-US" dirty="0"/>
+              <a:t>”</a:t>
+            </a:r>
+          </a:p>
+        </p:txBody>
+      </p:sp>
+    </p:spTree>
+    <p:extLst>
+      <p:ext uri="{BB962C8B-B14F-4D97-AF65-F5344CB8AC3E}">
+        <p14:creationId xmlns:p14="http://schemas.microsoft.com/office/powerpoint/2010/main" val="2196805258"/>
+      </p:ext>
+    </p:extLst>
+  </p:cSld>
+  <p:clrMapOvr>
+    <a:masterClrMapping/>
+  </p:clrMapOvr>
+</p:sldLayout>
+</file>
+
+<file path=ppt/slideLayouts/slideLayout13.xml><?xml version="1.0" encoding="utf-8"?>
+<p:sldLayout xmlns:a="http://schemas.openxmlformats.org/drawingml/2006/main" xmlns:r="http://schemas.openxmlformats.org/officeDocument/2006/relationships" xmlns:p="http://schemas.openxmlformats.org/presentationml/2006/main" preserve="1">
+  <p:cSld name="Navnekort">
+    <p:spTree>
+      <p:nvGrpSpPr>
+        <p:cNvPr id="1" name=""/>
+        <p:cNvGrpSpPr/>
+        <p:nvPr/>
+      </p:nvGrpSpPr>
+      <p:grpSpPr>
+        <a:xfrm>
+          <a:off x="0" y="0"/>
+          <a:ext cx="0" cy="0"/>
+          <a:chOff x="0" y="0"/>
+          <a:chExt cx="0" cy="0"/>
+        </a:xfrm>
+      </p:grpSpPr>
+      <p:sp>
+        <p:nvSpPr>
+          <p:cNvPr id="2" name="Title 1"/>
+          <p:cNvSpPr>
+            <a:spLocks noGrp="1"/>
+          </p:cNvSpPr>
+          <p:nvPr>
+            <p:ph type="title"/>
+          </p:nvPr>
+        </p:nvSpPr>
+        <p:spPr>
+          <a:xfrm>
+            <a:off x="1154954" y="3124201"/>
+            <a:ext cx="8825660" cy="1653180"/>
+          </a:xfrm>
+        </p:spPr>
+        <p:txBody>
+          <a:bodyPr anchor="b"/>
+          <a:lstStyle>
+            <a:lvl1pPr algn="l">
+              <a:defRPr sz="4000" b="0" cap="none"/>
+            </a:lvl1pPr>
+          </a:lstStyle>
+          <a:p>
+            <a:r>
+              <a:rPr lang="nb-NO"/>
+              <a:t>Klikk for å redigere tittelstil</a:t>
+            </a:r>
+            <a:endParaRPr lang="en-US" dirty="0"/>
+          </a:p>
+        </p:txBody>
+      </p:sp>
+      <p:sp>
+        <p:nvSpPr>
+          <p:cNvPr id="3" name="Text Placeholder 2"/>
+          <p:cNvSpPr>
+            <a:spLocks noGrp="1"/>
+          </p:cNvSpPr>
+          <p:nvPr>
+            <p:ph type="body" idx="1"/>
+          </p:nvPr>
+        </p:nvSpPr>
+        <p:spPr>
+          <a:xfrm>
+            <a:off x="1154954" y="4777381"/>
+            <a:ext cx="8825659" cy="860400"/>
+          </a:xfrm>
+        </p:spPr>
+        <p:txBody>
+          <a:bodyPr anchor="t"/>
+          <a:lstStyle>
+            <a:lvl1pPr marL="0" indent="0" algn="l">
+              <a:buNone/>
+              <a:defRPr sz="2000" cap="none">
+                <a:solidFill>
+                  <a:schemeClr val="bg2">
+                    <a:lumMod val="40000"/>
+                    <a:lumOff val="60000"/>
+                  </a:schemeClr>
+                </a:solidFill>
+              </a:defRPr>
+            </a:lvl1pPr>
+            <a:lvl2pPr marL="457200" indent="0">
+              <a:buNone/>
+              <a:defRPr sz="1800">
+                <a:solidFill>
+                  <a:schemeClr val="tx1">
+                    <a:tint val="75000"/>
+                  </a:schemeClr>
+                </a:solidFill>
+              </a:defRPr>
+            </a:lvl2pPr>
+            <a:lvl3pPr marL="914400" indent="0">
+              <a:buNone/>
+              <a:defRPr sz="1600">
+                <a:solidFill>
+                  <a:schemeClr val="tx1">
+                    <a:tint val="75000"/>
+                  </a:schemeClr>
+                </a:solidFill>
+              </a:defRPr>
+            </a:lvl3pPr>
+            <a:lvl4pPr marL="1371600" indent="0">
+              <a:buNone/>
+              <a:defRPr sz="1400">
+                <a:solidFill>
+                  <a:schemeClr val="tx1">
+                    <a:tint val="75000"/>
+                  </a:schemeClr>
+                </a:solidFill>
+              </a:defRPr>
+            </a:lvl4pPr>
+            <a:lvl5pPr marL="1828800" indent="0">
+              <a:buNone/>
+              <a:defRPr sz="1400">
+                <a:solidFill>
+                  <a:schemeClr val="tx1">
+                    <a:tint val="75000"/>
+                  </a:schemeClr>
+                </a:solidFill>
+              </a:defRPr>
+            </a:lvl5pPr>
+            <a:lvl6pPr marL="2286000" indent="0">
+              <a:buNone/>
+              <a:defRPr sz="1400">
+                <a:solidFill>
+                  <a:schemeClr val="tx1">
+                    <a:tint val="75000"/>
+                  </a:schemeClr>
+                </a:solidFill>
+              </a:defRPr>
+            </a:lvl6pPr>
+            <a:lvl7pPr marL="2743200" indent="0">
+              <a:buNone/>
+              <a:defRPr sz="1400">
+                <a:solidFill>
+                  <a:schemeClr val="tx1">
+                    <a:tint val="75000"/>
+                  </a:schemeClr>
+                </a:solidFill>
+              </a:defRPr>
+            </a:lvl7pPr>
+            <a:lvl8pPr marL="3200400" indent="0">
+              <a:buNone/>
+              <a:defRPr sz="1400">
+                <a:solidFill>
+                  <a:schemeClr val="tx1">
+                    <a:tint val="75000"/>
+                  </a:schemeClr>
+                </a:solidFill>
+              </a:defRPr>
+            </a:lvl8pPr>
+            <a:lvl9pPr marL="3657600" indent="0">
+              <a:buNone/>
+              <a:defRPr sz="1400">
+                <a:solidFill>
+                  <a:schemeClr val="tx1">
+                    <a:tint val="75000"/>
+                  </a:schemeClr>
+                </a:solidFill>
+              </a:defRPr>
+            </a:lvl9pPr>
+          </a:lstStyle>
+          <a:p>
+            <a:pPr lvl="0"/>
+            <a:r>
+              <a:rPr lang="nb-NO"/>
+              <a:t>Rediger tekststiler i malen</a:t>
+            </a:r>
+          </a:p>
+        </p:txBody>
+      </p:sp>
+      <p:sp>
+        <p:nvSpPr>
+          <p:cNvPr id="4" name="Date Placeholder 3"/>
+          <p:cNvSpPr>
+            <a:spLocks noGrp="1"/>
+          </p:cNvSpPr>
+          <p:nvPr>
+            <p:ph type="dt" sz="half" idx="10"/>
+          </p:nvPr>
+        </p:nvSpPr>
+        <p:spPr/>
+        <p:txBody>
+          <a:bodyPr/>
+          <a:lstStyle/>
+          <a:p>
+            <a:fld id="{4673FE56-53A5-4307-B55A-C5E78E8654B2}" type="datetimeFigureOut">
+              <a:rPr lang="nb-NO" smtClean="0"/>
+              <a:t>20.02.2019</a:t>
+            </a:fld>
+            <a:endParaRPr lang="nb-NO"/>
+          </a:p>
+        </p:txBody>
+      </p:sp>
+      <p:sp>
+        <p:nvSpPr>
+          <p:cNvPr id="5" name="Footer Placeholder 4"/>
+          <p:cNvSpPr>
+            <a:spLocks noGrp="1"/>
+          </p:cNvSpPr>
+          <p:nvPr>
+            <p:ph type="ftr" sz="quarter" idx="11"/>
+          </p:nvPr>
+        </p:nvSpPr>
+        <p:spPr/>
+        <p:txBody>
+          <a:bodyPr/>
+          <a:lstStyle/>
+          <a:p>
+            <a:endParaRPr lang="nb-NO"/>
+          </a:p>
+        </p:txBody>
+      </p:sp>
+      <p:sp>
+        <p:nvSpPr>
+          <p:cNvPr id="6" name="Slide Number Placeholder 5"/>
+          <p:cNvSpPr>
+            <a:spLocks noGrp="1"/>
+          </p:cNvSpPr>
+          <p:nvPr>
+            <p:ph type="sldNum" sz="quarter" idx="12"/>
+          </p:nvPr>
+        </p:nvSpPr>
+        <p:spPr/>
+        <p:txBody>
+          <a:bodyPr/>
+          <a:lstStyle/>
+          <a:p>
+            <a:fld id="{4308C321-FF5B-4C57-8A67-C24E8F82EF42}" type="slidenum">
+              <a:rPr lang="nb-NO" smtClean="0"/>
+              <a:t>‹#›</a:t>
+            </a:fld>
+            <a:endParaRPr lang="nb-NO"/>
+          </a:p>
+        </p:txBody>
+      </p:sp>
+    </p:spTree>
+    <p:extLst>
+      <p:ext uri="{BB962C8B-B14F-4D97-AF65-F5344CB8AC3E}">
+        <p14:creationId xmlns:p14="http://schemas.microsoft.com/office/powerpoint/2010/main" val="902437416"/>
+      </p:ext>
+    </p:extLst>
+  </p:cSld>
+  <p:clrMapOvr>
+    <a:masterClrMapping/>
+  </p:clrMapOvr>
+</p:sldLayout>
+</file>
+
+<file path=ppt/slideLayouts/slideLayout14.xml><?xml version="1.0" encoding="utf-8"?>
+<p:sldLayout xmlns:a="http://schemas.openxmlformats.org/drawingml/2006/main" xmlns:r="http://schemas.openxmlformats.org/officeDocument/2006/relationships" xmlns:p="http://schemas.openxmlformats.org/presentationml/2006/main" preserve="1">
+  <p:cSld name="3 kolonner">
+    <p:spTree>
+      <p:nvGrpSpPr>
+        <p:cNvPr id="1" name=""/>
+        <p:cNvGrpSpPr/>
+        <p:nvPr/>
+      </p:nvGrpSpPr>
+      <p:grpSpPr>
+        <a:xfrm>
+          <a:off x="0" y="0"/>
+          <a:ext cx="0" cy="0"/>
+          <a:chOff x="0" y="0"/>
+          <a:chExt cx="0" cy="0"/>
+        </a:xfrm>
+      </p:grpSpPr>
+      <p:sp>
+        <p:nvSpPr>
+          <p:cNvPr id="2" name="Title 1"/>
+          <p:cNvSpPr>
+            <a:spLocks noGrp="1"/>
+          </p:cNvSpPr>
+          <p:nvPr>
+            <p:ph type="title"/>
+          </p:nvPr>
+        </p:nvSpPr>
+        <p:spPr/>
+        <p:txBody>
+          <a:bodyPr/>
+          <a:lstStyle>
+            <a:lvl1pPr>
+              <a:defRPr sz="4200"/>
+            </a:lvl1pPr>
+          </a:lstStyle>
+          <a:p>
+            <a:r>
+              <a:rPr lang="nb-NO"/>
+              <a:t>Klikk for å redigere tittelstil</a:t>
+            </a:r>
+            <a:endParaRPr lang="en-US" dirty="0"/>
+          </a:p>
+        </p:txBody>
+      </p:sp>
+      <p:sp>
+        <p:nvSpPr>
+          <p:cNvPr id="3" name="Text Placeholder 2"/>
+          <p:cNvSpPr>
+            <a:spLocks noGrp="1"/>
+          </p:cNvSpPr>
+          <p:nvPr>
+            <p:ph type="body" idx="1"/>
+          </p:nvPr>
+        </p:nvSpPr>
+        <p:spPr>
+          <a:xfrm>
+            <a:off x="632947" y="1981200"/>
+            <a:ext cx="2946866" cy="576262"/>
+          </a:xfrm>
+        </p:spPr>
+        <p:txBody>
+          <a:bodyPr anchor="b">
+            <a:noAutofit/>
+          </a:bodyPr>
+          <a:lstStyle>
+            <a:lvl1pPr marL="0" indent="0">
+              <a:buNone/>
+              <a:defRPr sz="2400" b="0">
+                <a:solidFill>
+                  <a:schemeClr val="bg2">
+                    <a:lumMod val="40000"/>
+                    <a:lumOff val="60000"/>
+                  </a:schemeClr>
+                </a:solidFill>
+              </a:defRPr>
+            </a:lvl1pPr>
+            <a:lvl2pPr marL="457200" indent="0">
+              <a:buNone/>
+              <a:defRPr sz="2000" b="1"/>
+            </a:lvl2pPr>
+            <a:lvl3pPr marL="914400" indent="0">
+              <a:buNone/>
+              <a:defRPr sz="1800" b="1"/>
+            </a:lvl3pPr>
+            <a:lvl4pPr marL="1371600" indent="0">
+              <a:buNone/>
+              <a:defRPr sz="1600" b="1"/>
+            </a:lvl4pPr>
+            <a:lvl5pPr marL="1828800" indent="0">
+              <a:buNone/>
+              <a:defRPr sz="1600" b="1"/>
+            </a:lvl5pPr>
+            <a:lvl6pPr marL="2286000" indent="0">
+              <a:buNone/>
+              <a:defRPr sz="1600" b="1"/>
+            </a:lvl6pPr>
+            <a:lvl7pPr marL="2743200" indent="0">
+              <a:buNone/>
+              <a:defRPr sz="1600" b="1"/>
+            </a:lvl7pPr>
+            <a:lvl8pPr marL="3200400" indent="0">
+              <a:buNone/>
+              <a:defRPr sz="1600" b="1"/>
+            </a:lvl8pPr>
+            <a:lvl9pPr marL="3657600" indent="0">
+              <a:buNone/>
+              <a:defRPr sz="1600" b="1"/>
+            </a:lvl9pPr>
+          </a:lstStyle>
+          <a:p>
+            <a:pPr lvl="0"/>
+            <a:r>
+              <a:rPr lang="nb-NO"/>
+              <a:t>Rediger tekststiler i malen</a:t>
+            </a:r>
+          </a:p>
+        </p:txBody>
+      </p:sp>
+      <p:sp>
+        <p:nvSpPr>
+          <p:cNvPr id="16" name="Text Placeholder 3"/>
+          <p:cNvSpPr>
+            <a:spLocks noGrp="1"/>
+          </p:cNvSpPr>
+          <p:nvPr>
+            <p:ph type="body" sz="half" idx="15"/>
+          </p:nvPr>
+        </p:nvSpPr>
+        <p:spPr>
+          <a:xfrm>
+            <a:off x="652463" y="2667000"/>
+            <a:ext cx="2927350" cy="3589338"/>
+          </a:xfrm>
+        </p:spPr>
+        <p:txBody>
+          <a:bodyPr anchor="t">
+            <a:normAutofit/>
+          </a:bodyPr>
+          <a:lstStyle>
+            <a:lvl1pPr marL="0" indent="0">
+              <a:buNone/>
+              <a:defRPr sz="1400"/>
+            </a:lvl1pPr>
+            <a:lvl2pPr marL="457200" indent="0">
+              <a:buNone/>
+              <a:defRPr sz="1200"/>
+            </a:lvl2pPr>
+            <a:lvl3pPr marL="914400" indent="0">
+              <a:buNone/>
+              <a:defRPr sz="1000"/>
+            </a:lvl3pPr>
+            <a:lvl4pPr marL="1371600" indent="0">
+              <a:buNone/>
+              <a:defRPr sz="900"/>
+            </a:lvl4pPr>
+            <a:lvl5pPr marL="1828800" indent="0">
+              <a:buNone/>
+              <a:defRPr sz="900"/>
+            </a:lvl5pPr>
+            <a:lvl6pPr marL="2286000" indent="0">
+              <a:buNone/>
+              <a:defRPr sz="900"/>
+            </a:lvl6pPr>
+            <a:lvl7pPr marL="2743200" indent="0">
+              <a:buNone/>
+              <a:defRPr sz="900"/>
+            </a:lvl7pPr>
+            <a:lvl8pPr marL="3200400" indent="0">
+              <a:buNone/>
+              <a:defRPr sz="900"/>
+            </a:lvl8pPr>
+            <a:lvl9pPr marL="3657600" indent="0">
+              <a:buNone/>
+              <a:defRPr sz="900"/>
+            </a:lvl9pPr>
+          </a:lstStyle>
+          <a:p>
+            <a:pPr lvl="0"/>
+            <a:r>
+              <a:rPr lang="nb-NO"/>
+              <a:t>Rediger tekststiler i malen</a:t>
+            </a:r>
+          </a:p>
+        </p:txBody>
+      </p:sp>
+      <p:sp>
+        <p:nvSpPr>
+          <p:cNvPr id="5" name="Text Placeholder 4"/>
+          <p:cNvSpPr>
+            <a:spLocks noGrp="1"/>
+          </p:cNvSpPr>
+          <p:nvPr>
+            <p:ph type="body" sz="quarter" idx="3"/>
+          </p:nvPr>
+        </p:nvSpPr>
+        <p:spPr>
+          <a:xfrm>
+            <a:off x="3883659" y="1981200"/>
+            <a:ext cx="2936241" cy="576262"/>
+          </a:xfrm>
+        </p:spPr>
+        <p:txBody>
+          <a:bodyPr anchor="b">
+            <a:noAutofit/>
+          </a:bodyPr>
+          <a:lstStyle>
+            <a:lvl1pPr marL="0" indent="0">
+              <a:buNone/>
+              <a:defRPr sz="2400" b="0">
+                <a:solidFill>
+                  <a:schemeClr val="bg2">
+                    <a:lumMod val="40000"/>
+                    <a:lumOff val="60000"/>
+                  </a:schemeClr>
+                </a:solidFill>
+              </a:defRPr>
+            </a:lvl1pPr>
+            <a:lvl2pPr marL="457200" indent="0">
+              <a:buNone/>
+              <a:defRPr sz="2000" b="1"/>
+            </a:lvl2pPr>
+            <a:lvl3pPr marL="914400" indent="0">
+              <a:buNone/>
+              <a:defRPr sz="1800" b="1"/>
+            </a:lvl3pPr>
+            <a:lvl4pPr marL="1371600" indent="0">
+              <a:buNone/>
+              <a:defRPr sz="1600" b="1"/>
+            </a:lvl4pPr>
+            <a:lvl5pPr marL="1828800" indent="0">
+              <a:buNone/>
+              <a:defRPr sz="1600" b="1"/>
+            </a:lvl5pPr>
+            <a:lvl6pPr marL="2286000" indent="0">
+              <a:buNone/>
+              <a:defRPr sz="1600" b="1"/>
+            </a:lvl6pPr>
+            <a:lvl7pPr marL="2743200" indent="0">
+              <a:buNone/>
+              <a:defRPr sz="1600" b="1"/>
+            </a:lvl7pPr>
+            <a:lvl8pPr marL="3200400" indent="0">
+              <a:buNone/>
+              <a:defRPr sz="1600" b="1"/>
+            </a:lvl8pPr>
+            <a:lvl9pPr marL="3657600" indent="0">
+              <a:buNone/>
+              <a:defRPr sz="1600" b="1"/>
+            </a:lvl9pPr>
+          </a:lstStyle>
+          <a:p>
+            <a:pPr lvl="0"/>
+            <a:r>
+              <a:rPr lang="nb-NO"/>
+              <a:t>Rediger tekststiler i malen</a:t>
+            </a:r>
+          </a:p>
+        </p:txBody>
+      </p:sp>
+      <p:sp>
+        <p:nvSpPr>
+          <p:cNvPr id="19" name="Text Placeholder 3"/>
+          <p:cNvSpPr>
+            <a:spLocks noGrp="1"/>
+          </p:cNvSpPr>
+          <p:nvPr>
+            <p:ph type="body" sz="half" idx="16"/>
+          </p:nvPr>
+        </p:nvSpPr>
+        <p:spPr>
+          <a:xfrm>
+            <a:off x="3873106" y="2667000"/>
+            <a:ext cx="2946794" cy="3589338"/>
+          </a:xfrm>
+        </p:spPr>
+        <p:txBody>
+          <a:bodyPr anchor="t">
+            <a:normAutofit/>
+          </a:bodyPr>
+          <a:lstStyle>
+            <a:lvl1pPr marL="0" indent="0">
+              <a:buNone/>
+              <a:defRPr sz="1400"/>
+            </a:lvl1pPr>
+            <a:lvl2pPr marL="457200" indent="0">
+              <a:buNone/>
+              <a:defRPr sz="1200"/>
+            </a:lvl2pPr>
+            <a:lvl3pPr marL="914400" indent="0">
+              <a:buNone/>
+              <a:defRPr sz="1000"/>
+            </a:lvl3pPr>
+            <a:lvl4pPr marL="1371600" indent="0">
+              <a:buNone/>
+              <a:defRPr sz="900"/>
+            </a:lvl4pPr>
+            <a:lvl5pPr marL="1828800" indent="0">
+              <a:buNone/>
+              <a:defRPr sz="900"/>
+            </a:lvl5pPr>
+            <a:lvl6pPr marL="2286000" indent="0">
+              <a:buNone/>
+              <a:defRPr sz="900"/>
+            </a:lvl6pPr>
+            <a:lvl7pPr marL="2743200" indent="0">
+              <a:buNone/>
+              <a:defRPr sz="900"/>
+            </a:lvl7pPr>
+            <a:lvl8pPr marL="3200400" indent="0">
+              <a:buNone/>
+              <a:defRPr sz="900"/>
+            </a:lvl8pPr>
+            <a:lvl9pPr marL="3657600" indent="0">
+              <a:buNone/>
+              <a:defRPr sz="900"/>
+            </a:lvl9pPr>
+          </a:lstStyle>
+          <a:p>
+            <a:pPr lvl="0"/>
+            <a:r>
+              <a:rPr lang="nb-NO"/>
+              <a:t>Rediger tekststiler i malen</a:t>
+            </a:r>
+          </a:p>
+        </p:txBody>
+      </p:sp>
+      <p:sp>
+        <p:nvSpPr>
+          <p:cNvPr id="14" name="Text Placeholder 4"/>
+          <p:cNvSpPr>
+            <a:spLocks noGrp="1"/>
+          </p:cNvSpPr>
+          <p:nvPr>
+            <p:ph type="body" sz="quarter" idx="13"/>
+          </p:nvPr>
+        </p:nvSpPr>
+        <p:spPr>
+          <a:xfrm>
+            <a:off x="7124700" y="1981200"/>
+            <a:ext cx="2932113" cy="576262"/>
+          </a:xfrm>
+        </p:spPr>
+        <p:txBody>
+          <a:bodyPr anchor="b">
+            <a:noAutofit/>
+          </a:bodyPr>
+          <a:lstStyle>
+            <a:lvl1pPr marL="0" indent="0">
+              <a:buNone/>
+              <a:defRPr sz="2400" b="0">
+                <a:solidFill>
+                  <a:schemeClr val="bg2">
+                    <a:lumMod val="40000"/>
+                    <a:lumOff val="60000"/>
+                  </a:schemeClr>
+                </a:solidFill>
+              </a:defRPr>
+            </a:lvl1pPr>
+            <a:lvl2pPr marL="457200" indent="0">
+              <a:buNone/>
+              <a:defRPr sz="2000" b="1"/>
+            </a:lvl2pPr>
+            <a:lvl3pPr marL="914400" indent="0">
+              <a:buNone/>
+              <a:defRPr sz="1800" b="1"/>
+            </a:lvl3pPr>
+            <a:lvl4pPr marL="1371600" indent="0">
+              <a:buNone/>
+              <a:defRPr sz="1600" b="1"/>
+            </a:lvl4pPr>
+            <a:lvl5pPr marL="1828800" indent="0">
+              <a:buNone/>
+              <a:defRPr sz="1600" b="1"/>
+            </a:lvl5pPr>
+            <a:lvl6pPr marL="2286000" indent="0">
+              <a:buNone/>
+              <a:defRPr sz="1600" b="1"/>
+            </a:lvl6pPr>
+            <a:lvl7pPr marL="2743200" indent="0">
+              <a:buNone/>
+              <a:defRPr sz="1600" b="1"/>
+            </a:lvl7pPr>
+            <a:lvl8pPr marL="3200400" indent="0">
+              <a:buNone/>
+              <a:defRPr sz="1600" b="1"/>
+            </a:lvl8pPr>
+            <a:lvl9pPr marL="3657600" indent="0">
+              <a:buNone/>
+              <a:defRPr sz="1600" b="1"/>
+            </a:lvl9pPr>
+          </a:lstStyle>
+          <a:p>
+            <a:pPr lvl="0"/>
+            <a:r>
+              <a:rPr lang="nb-NO"/>
+              <a:t>Rediger tekststiler i malen</a:t>
+            </a:r>
+          </a:p>
+        </p:txBody>
+      </p:sp>
+      <p:sp>
+        <p:nvSpPr>
+          <p:cNvPr id="20" name="Text Placeholder 3"/>
+          <p:cNvSpPr>
+            <a:spLocks noGrp="1"/>
+          </p:cNvSpPr>
+          <p:nvPr>
+            <p:ph type="body" sz="half" idx="17"/>
+          </p:nvPr>
+        </p:nvSpPr>
+        <p:spPr>
+          <a:xfrm>
+            <a:off x="7124700" y="2667000"/>
+            <a:ext cx="2932113" cy="3589338"/>
+          </a:xfrm>
+        </p:spPr>
+        <p:txBody>
+          <a:bodyPr anchor="t">
+            <a:normAutofit/>
+          </a:bodyPr>
+          <a:lstStyle>
+            <a:lvl1pPr marL="0" indent="0">
+              <a:buNone/>
+              <a:defRPr sz="1400"/>
+            </a:lvl1pPr>
+            <a:lvl2pPr marL="457200" indent="0">
+              <a:buNone/>
+              <a:defRPr sz="1200"/>
+            </a:lvl2pPr>
+            <a:lvl3pPr marL="914400" indent="0">
+              <a:buNone/>
+              <a:defRPr sz="1000"/>
+            </a:lvl3pPr>
+            <a:lvl4pPr marL="1371600" indent="0">
+              <a:buNone/>
+              <a:defRPr sz="900"/>
+            </a:lvl4pPr>
+            <a:lvl5pPr marL="1828800" indent="0">
+              <a:buNone/>
+              <a:defRPr sz="900"/>
+            </a:lvl5pPr>
+            <a:lvl6pPr marL="2286000" indent="0">
+              <a:buNone/>
+              <a:defRPr sz="900"/>
+            </a:lvl6pPr>
+            <a:lvl7pPr marL="2743200" indent="0">
+              <a:buNone/>
+              <a:defRPr sz="900"/>
+            </a:lvl7pPr>
+            <a:lvl8pPr marL="3200400" indent="0">
+              <a:buNone/>
+              <a:defRPr sz="900"/>
+            </a:lvl8pPr>
+            <a:lvl9pPr marL="3657600" indent="0">
+              <a:buNone/>
+              <a:defRPr sz="900"/>
+            </a:lvl9pPr>
+          </a:lstStyle>
+          <a:p>
+            <a:pPr lvl="0"/>
+            <a:r>
+              <a:rPr lang="nb-NO"/>
+              <a:t>Rediger tekststiler i malen</a:t>
+            </a:r>
+          </a:p>
+        </p:txBody>
+      </p:sp>
+      <p:cxnSp>
+        <p:nvCxnSpPr>
+          <p:cNvPr id="17" name="Straight Connector 16"/>
+          <p:cNvCxnSpPr/>
+          <p:nvPr/>
+        </p:nvCxnSpPr>
+        <p:spPr>
+          <a:xfrm>
+            <a:off x="3726142" y="2133600"/>
+            <a:ext cx="0" cy="3962400"/>
+          </a:xfrm>
+          <a:prstGeom prst="line">
+            <a:avLst/>
+          </a:prstGeom>
+          <a:ln w="12700" cmpd="sng">
+            <a:solidFill>
+              <a:schemeClr val="bg2">
+                <a:lumMod val="40000"/>
+                <a:lumOff val="60000"/>
+                <a:alpha val="40000"/>
+              </a:schemeClr>
+            </a:solidFill>
+          </a:ln>
+        </p:spPr>
+        <p:style>
+          <a:lnRef idx="2">
+            <a:schemeClr val="accent1"/>
+          </a:lnRef>
+          <a:fillRef idx="0">
+            <a:schemeClr val="accent1"/>
+          </a:fillRef>
+          <a:effectRef idx="1">
+            <a:schemeClr val="accent1"/>
+          </a:effectRef>
+          <a:fontRef idx="minor">
+            <a:schemeClr val="tx1"/>
+          </a:fontRef>
+        </p:style>
+      </p:cxnSp>
+      <p:cxnSp>
+        <p:nvCxnSpPr>
+          <p:cNvPr id="18" name="Straight Connector 17"/>
+          <p:cNvCxnSpPr/>
+          <p:nvPr/>
+        </p:nvCxnSpPr>
+        <p:spPr>
+          <a:xfrm>
+            <a:off x="6962227" y="2133600"/>
+            <a:ext cx="0" cy="3966882"/>
+          </a:xfrm>
+          <a:prstGeom prst="line">
+            <a:avLst/>
+          </a:prstGeom>
+          <a:ln w="12700" cmpd="sng">
+            <a:solidFill>
+              <a:schemeClr val="bg2">
+                <a:lumMod val="40000"/>
+                <a:lumOff val="60000"/>
+                <a:alpha val="40000"/>
+              </a:schemeClr>
+            </a:solidFill>
+          </a:ln>
+        </p:spPr>
+        <p:style>
+          <a:lnRef idx="2">
+            <a:schemeClr val="accent1"/>
+          </a:lnRef>
+          <a:fillRef idx="0">
+            <a:schemeClr val="accent1"/>
+          </a:fillRef>
+          <a:effectRef idx="1">
+            <a:schemeClr val="accent1"/>
+          </a:effectRef>
+          <a:fontRef idx="minor">
+            <a:schemeClr val="tx1"/>
+          </a:fontRef>
+        </p:style>
+      </p:cxnSp>
+      <p:sp>
+        <p:nvSpPr>
+          <p:cNvPr id="7" name="Date Placeholder 3"/>
+          <p:cNvSpPr>
+            <a:spLocks noGrp="1"/>
+          </p:cNvSpPr>
+          <p:nvPr>
+            <p:ph type="dt" sz="half" idx="10"/>
+          </p:nvPr>
+        </p:nvSpPr>
+        <p:spPr/>
+        <p:txBody>
+          <a:bodyPr/>
+          <a:lstStyle/>
+          <a:p>
+            <a:fld id="{4673FE56-53A5-4307-B55A-C5E78E8654B2}" type="datetimeFigureOut">
+              <a:rPr lang="nb-NO" smtClean="0"/>
+              <a:t>20.02.2019</a:t>
+            </a:fld>
+            <a:endParaRPr lang="nb-NO"/>
+          </a:p>
+        </p:txBody>
+      </p:sp>
+      <p:sp>
+        <p:nvSpPr>
+          <p:cNvPr id="4" name="Footer Placeholder 4"/>
+          <p:cNvSpPr>
+            <a:spLocks noGrp="1"/>
+          </p:cNvSpPr>
+          <p:nvPr>
+            <p:ph type="ftr" sz="quarter" idx="11"/>
+          </p:nvPr>
+        </p:nvSpPr>
+        <p:spPr/>
+        <p:txBody>
+          <a:bodyPr/>
+          <a:lstStyle/>
+          <a:p>
+            <a:endParaRPr lang="nb-NO"/>
+          </a:p>
+        </p:txBody>
+      </p:sp>
+      <p:sp>
+        <p:nvSpPr>
+          <p:cNvPr id="6" name="Slide Number Placeholder 5"/>
+          <p:cNvSpPr>
+            <a:spLocks noGrp="1"/>
+          </p:cNvSpPr>
+          <p:nvPr>
+            <p:ph type="sldNum" sz="quarter" idx="12"/>
+          </p:nvPr>
+        </p:nvSpPr>
+        <p:spPr/>
+        <p:txBody>
+          <a:bodyPr/>
+          <a:lstStyle/>
+          <a:p>
+            <a:fld id="{4308C321-FF5B-4C57-8A67-C24E8F82EF42}" type="slidenum">
+              <a:rPr lang="nb-NO" smtClean="0"/>
+              <a:t>‹#›</a:t>
+            </a:fld>
+            <a:endParaRPr lang="nb-NO"/>
+          </a:p>
+        </p:txBody>
+      </p:sp>
+    </p:spTree>
+    <p:extLst>
+      <p:ext uri="{BB962C8B-B14F-4D97-AF65-F5344CB8AC3E}">
+        <p14:creationId xmlns:p14="http://schemas.microsoft.com/office/powerpoint/2010/main" val="1068828861"/>
+      </p:ext>
+    </p:extLst>
+  </p:cSld>
+  <p:clrMapOvr>
+    <a:masterClrMapping/>
+  </p:clrMapOvr>
+</p:sldLayout>
+</file>
+
+<file path=ppt/slideLayouts/slideLayout15.xml><?xml version="1.0" encoding="utf-8"?>
+<p:sldLayout xmlns:a="http://schemas.openxmlformats.org/drawingml/2006/main" xmlns:r="http://schemas.openxmlformats.org/officeDocument/2006/relationships" xmlns:p="http://schemas.openxmlformats.org/presentationml/2006/main" preserve="1">
+  <p:cSld name="3 kolonner for bilde">
+    <p:spTree>
+      <p:nvGrpSpPr>
+        <p:cNvPr id="1" name=""/>
+        <p:cNvGrpSpPr/>
+        <p:nvPr/>
+      </p:nvGrpSpPr>
+      <p:grpSpPr>
+        <a:xfrm>
+          <a:off x="0" y="0"/>
+          <a:ext cx="0" cy="0"/>
+          <a:chOff x="0" y="0"/>
+          <a:chExt cx="0" cy="0"/>
+        </a:xfrm>
+      </p:grpSpPr>
+      <p:sp>
+        <p:nvSpPr>
+          <p:cNvPr id="2" name="Title 1"/>
+          <p:cNvSpPr>
+            <a:spLocks noGrp="1"/>
+          </p:cNvSpPr>
+          <p:nvPr>
+            <p:ph type="title"/>
+          </p:nvPr>
+        </p:nvSpPr>
+        <p:spPr/>
+        <p:txBody>
+          <a:bodyPr/>
+          <a:lstStyle>
+            <a:lvl1pPr>
+              <a:defRPr sz="4200"/>
+            </a:lvl1pPr>
+          </a:lstStyle>
+          <a:p>
+            <a:r>
+              <a:rPr lang="nb-NO"/>
+              <a:t>Klikk for å redigere tittelstil</a:t>
+            </a:r>
+            <a:endParaRPr lang="en-US" dirty="0"/>
+          </a:p>
+        </p:txBody>
+      </p:sp>
+      <p:sp>
+        <p:nvSpPr>
+          <p:cNvPr id="3" name="Text Placeholder 2"/>
+          <p:cNvSpPr>
+            <a:spLocks noGrp="1"/>
+          </p:cNvSpPr>
+          <p:nvPr>
+            <p:ph type="body" idx="1"/>
+          </p:nvPr>
+        </p:nvSpPr>
+        <p:spPr>
+          <a:xfrm>
+            <a:off x="652463" y="4250949"/>
+            <a:ext cx="2940050" cy="576262"/>
+          </a:xfrm>
+        </p:spPr>
+        <p:txBody>
+          <a:bodyPr anchor="b">
+            <a:noAutofit/>
+          </a:bodyPr>
+          <a:lstStyle>
+            <a:lvl1pPr marL="0" indent="0">
+              <a:buNone/>
+              <a:defRPr sz="2400" b="0">
+                <a:solidFill>
+                  <a:schemeClr val="bg2">
+                    <a:lumMod val="40000"/>
+                    <a:lumOff val="60000"/>
+                  </a:schemeClr>
+                </a:solidFill>
+              </a:defRPr>
+            </a:lvl1pPr>
+            <a:lvl2pPr marL="457200" indent="0">
+              <a:buNone/>
+              <a:defRPr sz="2000" b="1"/>
+            </a:lvl2pPr>
+            <a:lvl3pPr marL="914400" indent="0">
+              <a:buNone/>
+              <a:defRPr sz="1800" b="1"/>
+            </a:lvl3pPr>
+            <a:lvl4pPr marL="1371600" indent="0">
+              <a:buNone/>
+              <a:defRPr sz="1600" b="1"/>
+            </a:lvl4pPr>
+            <a:lvl5pPr marL="1828800" indent="0">
+              <a:buNone/>
+              <a:defRPr sz="1600" b="1"/>
+            </a:lvl5pPr>
+            <a:lvl6pPr marL="2286000" indent="0">
+              <a:buNone/>
+              <a:defRPr sz="1600" b="1"/>
+            </a:lvl6pPr>
+            <a:lvl7pPr marL="2743200" indent="0">
+              <a:buNone/>
+              <a:defRPr sz="1600" b="1"/>
+            </a:lvl7pPr>
+            <a:lvl8pPr marL="3200400" indent="0">
+              <a:buNone/>
+              <a:defRPr sz="1600" b="1"/>
+            </a:lvl8pPr>
+            <a:lvl9pPr marL="3657600" indent="0">
+              <a:buNone/>
+              <a:defRPr sz="1600" b="1"/>
+            </a:lvl9pPr>
+          </a:lstStyle>
+          <a:p>
+            <a:pPr lvl="0"/>
+            <a:r>
+              <a:rPr lang="nb-NO"/>
+              <a:t>Rediger tekststiler i malen</a:t>
+            </a:r>
+          </a:p>
+        </p:txBody>
+      </p:sp>
+      <p:sp>
+        <p:nvSpPr>
+          <p:cNvPr id="29" name="Picture Placeholder 2"/>
+          <p:cNvSpPr>
+            <a:spLocks noGrp="1" noChangeAspect="1"/>
+          </p:cNvSpPr>
+          <p:nvPr>
+            <p:ph type="pic" idx="15"/>
+          </p:nvPr>
+        </p:nvSpPr>
+        <p:spPr>
+          <a:xfrm>
+            <a:off x="652463" y="2209800"/>
+            <a:ext cx="2940050" cy="1524000"/>
+          </a:xfrm>
+          <a:prstGeom prst="roundRect">
+            <a:avLst>
+              <a:gd name="adj" fmla="val 1858"/>
+            </a:avLst>
+          </a:prstGeom>
+          <a:effectLst>
+            <a:outerShdw blurRad="50800" dist="50800" dir="5400000" algn="tl" rotWithShape="0">
+              <a:srgbClr val="000000">
+                <a:alpha val="43000"/>
+              </a:srgbClr>
+            </a:outerShdw>
+          </a:effectLst>
+        </p:spPr>
+        <p:txBody>
+          <a:bodyPr anchor="t">
+            <a:normAutofit/>
+          </a:bodyPr>
+          <a:lstStyle>
+            <a:lvl1pPr marL="0" indent="0" algn="ctr">
+              <a:buNone/>
+              <a:defRPr sz="1600"/>
+            </a:lvl1pPr>
+            <a:lvl2pPr marL="457200" indent="0">
+              <a:buNone/>
+              <a:defRPr sz="1600"/>
+            </a:lvl2pPr>
+            <a:lvl3pPr marL="914400" indent="0">
+              <a:buNone/>
+              <a:defRPr sz="1600"/>
+            </a:lvl3pPr>
+            <a:lvl4pPr marL="1371600" indent="0">
+              <a:buNone/>
+              <a:defRPr sz="1600"/>
+            </a:lvl4pPr>
+            <a:lvl5pPr marL="1828800" indent="0">
+              <a:buNone/>
+              <a:defRPr sz="1600"/>
+            </a:lvl5pPr>
+            <a:lvl6pPr marL="2286000" indent="0">
+              <a:buNone/>
+              <a:defRPr sz="1600"/>
+            </a:lvl6pPr>
+            <a:lvl7pPr marL="2743200" indent="0">
+              <a:buNone/>
+              <a:defRPr sz="1600"/>
+            </a:lvl7pPr>
+            <a:lvl8pPr marL="3200400" indent="0">
+              <a:buNone/>
+              <a:defRPr sz="1600"/>
+            </a:lvl8pPr>
+            <a:lvl9pPr marL="3657600" indent="0">
+              <a:buNone/>
+              <a:defRPr sz="1600"/>
+            </a:lvl9pPr>
+          </a:lstStyle>
+          <a:p>
+            <a:r>
+              <a:rPr lang="nb-NO"/>
+              <a:t>Klikk på ikonet for å legge til et bilde</a:t>
+            </a:r>
+            <a:endParaRPr lang="en-US" dirty="0"/>
+          </a:p>
+        </p:txBody>
+      </p:sp>
+      <p:sp>
+        <p:nvSpPr>
+          <p:cNvPr id="22" name="Text Placeholder 3"/>
+          <p:cNvSpPr>
+            <a:spLocks noGrp="1"/>
+          </p:cNvSpPr>
+          <p:nvPr>
+            <p:ph type="body" sz="half" idx="18"/>
+          </p:nvPr>
+        </p:nvSpPr>
+        <p:spPr>
+          <a:xfrm>
+            <a:off x="652463" y="4827211"/>
+            <a:ext cx="2940050" cy="659189"/>
+          </a:xfrm>
+        </p:spPr>
+        <p:txBody>
+          <a:bodyPr anchor="t">
+            <a:normAutofit/>
+          </a:bodyPr>
+          <a:lstStyle>
+            <a:lvl1pPr marL="0" indent="0">
+              <a:buNone/>
+              <a:defRPr sz="1400"/>
+            </a:lvl1pPr>
+            <a:lvl2pPr marL="457200" indent="0">
+              <a:buNone/>
+              <a:defRPr sz="1200"/>
+            </a:lvl2pPr>
+            <a:lvl3pPr marL="914400" indent="0">
+              <a:buNone/>
+              <a:defRPr sz="1000"/>
+            </a:lvl3pPr>
+            <a:lvl4pPr marL="1371600" indent="0">
+              <a:buNone/>
+              <a:defRPr sz="900"/>
+            </a:lvl4pPr>
+            <a:lvl5pPr marL="1828800" indent="0">
+              <a:buNone/>
+              <a:defRPr sz="900"/>
+            </a:lvl5pPr>
+            <a:lvl6pPr marL="2286000" indent="0">
+              <a:buNone/>
+              <a:defRPr sz="900"/>
+            </a:lvl6pPr>
+            <a:lvl7pPr marL="2743200" indent="0">
+              <a:buNone/>
+              <a:defRPr sz="900"/>
+            </a:lvl7pPr>
+            <a:lvl8pPr marL="3200400" indent="0">
+              <a:buNone/>
+              <a:defRPr sz="900"/>
+            </a:lvl8pPr>
+            <a:lvl9pPr marL="3657600" indent="0">
+              <a:buNone/>
+              <a:defRPr sz="900"/>
+            </a:lvl9pPr>
+          </a:lstStyle>
+          <a:p>
+            <a:pPr lvl="0"/>
+            <a:r>
+              <a:rPr lang="nb-NO"/>
+              <a:t>Rediger tekststiler i malen</a:t>
+            </a:r>
+          </a:p>
+        </p:txBody>
+      </p:sp>
+      <p:sp>
+        <p:nvSpPr>
+          <p:cNvPr id="5" name="Text Placeholder 4"/>
+          <p:cNvSpPr>
+            <a:spLocks noGrp="1"/>
+          </p:cNvSpPr>
+          <p:nvPr>
+            <p:ph type="body" sz="quarter" idx="3"/>
+          </p:nvPr>
+        </p:nvSpPr>
+        <p:spPr>
+          <a:xfrm>
+            <a:off x="3889375" y="4250949"/>
+            <a:ext cx="2930525" cy="576262"/>
+          </a:xfrm>
+        </p:spPr>
+        <p:txBody>
+          <a:bodyPr anchor="b">
+            <a:noAutofit/>
+          </a:bodyPr>
+          <a:lstStyle>
+            <a:lvl1pPr marL="0" indent="0">
+              <a:buNone/>
+              <a:defRPr sz="2400" b="0">
+                <a:solidFill>
+                  <a:schemeClr val="bg2">
+                    <a:lumMod val="40000"/>
+                    <a:lumOff val="60000"/>
+                  </a:schemeClr>
+                </a:solidFill>
+              </a:defRPr>
+            </a:lvl1pPr>
+            <a:lvl2pPr marL="457200" indent="0">
+              <a:buNone/>
+              <a:defRPr sz="2000" b="1"/>
+            </a:lvl2pPr>
+            <a:lvl3pPr marL="914400" indent="0">
+              <a:buNone/>
+              <a:defRPr sz="1800" b="1"/>
+            </a:lvl3pPr>
+            <a:lvl4pPr marL="1371600" indent="0">
+              <a:buNone/>
+              <a:defRPr sz="1600" b="1"/>
+            </a:lvl4pPr>
+            <a:lvl5pPr marL="1828800" indent="0">
+              <a:buNone/>
+              <a:defRPr sz="1600" b="1"/>
+            </a:lvl5pPr>
+            <a:lvl6pPr marL="2286000" indent="0">
+              <a:buNone/>
+              <a:defRPr sz="1600" b="1"/>
+            </a:lvl6pPr>
+            <a:lvl7pPr marL="2743200" indent="0">
+              <a:buNone/>
+              <a:defRPr sz="1600" b="1"/>
+            </a:lvl7pPr>
+            <a:lvl8pPr marL="3200400" indent="0">
+              <a:buNone/>
+              <a:defRPr sz="1600" b="1"/>
+            </a:lvl8pPr>
+            <a:lvl9pPr marL="3657600" indent="0">
+              <a:buNone/>
+              <a:defRPr sz="1600" b="1"/>
+            </a:lvl9pPr>
+          </a:lstStyle>
+          <a:p>
+            <a:pPr lvl="0"/>
+            <a:r>
+              <a:rPr lang="nb-NO"/>
+              <a:t>Rediger tekststiler i malen</a:t>
+            </a:r>
+          </a:p>
+        </p:txBody>
+      </p:sp>
+      <p:sp>
+        <p:nvSpPr>
+          <p:cNvPr id="30" name="Picture Placeholder 2"/>
+          <p:cNvSpPr>
+            <a:spLocks noGrp="1" noChangeAspect="1"/>
+          </p:cNvSpPr>
+          <p:nvPr>
+            <p:ph type="pic" idx="21"/>
+          </p:nvPr>
+        </p:nvSpPr>
+        <p:spPr>
+          <a:xfrm>
+            <a:off x="3889374" y="2209800"/>
+            <a:ext cx="2930525" cy="1524000"/>
+          </a:xfrm>
+          <a:prstGeom prst="roundRect">
+            <a:avLst>
+              <a:gd name="adj" fmla="val 1858"/>
+            </a:avLst>
+          </a:prstGeom>
+          <a:effectLst>
+            <a:outerShdw blurRad="50800" dist="50800" dir="5400000" algn="tl" rotWithShape="0">
+              <a:srgbClr val="000000">
+                <a:alpha val="43000"/>
+              </a:srgbClr>
+            </a:outerShdw>
+          </a:effectLst>
+        </p:spPr>
+        <p:txBody>
+          <a:bodyPr anchor="t">
+            <a:normAutofit/>
+          </a:bodyPr>
+          <a:lstStyle>
+            <a:lvl1pPr marL="0" indent="0" algn="ctr">
+              <a:buNone/>
+              <a:defRPr sz="1600"/>
+            </a:lvl1pPr>
+            <a:lvl2pPr marL="457200" indent="0">
+              <a:buNone/>
+              <a:defRPr sz="1600"/>
+            </a:lvl2pPr>
+            <a:lvl3pPr marL="914400" indent="0">
+              <a:buNone/>
+              <a:defRPr sz="1600"/>
+            </a:lvl3pPr>
+            <a:lvl4pPr marL="1371600" indent="0">
+              <a:buNone/>
+              <a:defRPr sz="1600"/>
+            </a:lvl4pPr>
+            <a:lvl5pPr marL="1828800" indent="0">
+              <a:buNone/>
+              <a:defRPr sz="1600"/>
+            </a:lvl5pPr>
+            <a:lvl6pPr marL="2286000" indent="0">
+              <a:buNone/>
+              <a:defRPr sz="1600"/>
+            </a:lvl6pPr>
+            <a:lvl7pPr marL="2743200" indent="0">
+              <a:buNone/>
+              <a:defRPr sz="1600"/>
+            </a:lvl7pPr>
+            <a:lvl8pPr marL="3200400" indent="0">
+              <a:buNone/>
+              <a:defRPr sz="1600"/>
+            </a:lvl8pPr>
+            <a:lvl9pPr marL="3657600" indent="0">
+              <a:buNone/>
+              <a:defRPr sz="1600"/>
+            </a:lvl9pPr>
+          </a:lstStyle>
+          <a:p>
+            <a:r>
+              <a:rPr lang="nb-NO"/>
+              <a:t>Klikk på ikonet for å legge til et bilde</a:t>
+            </a:r>
+            <a:endParaRPr lang="en-US" dirty="0"/>
+          </a:p>
+        </p:txBody>
+      </p:sp>
+      <p:sp>
+        <p:nvSpPr>
+          <p:cNvPr id="23" name="Text Placeholder 3"/>
+          <p:cNvSpPr>
+            <a:spLocks noGrp="1"/>
+          </p:cNvSpPr>
+          <p:nvPr>
+            <p:ph type="body" sz="half" idx="19"/>
+          </p:nvPr>
+        </p:nvSpPr>
+        <p:spPr>
+          <a:xfrm>
+            <a:off x="3888022" y="4827210"/>
+            <a:ext cx="2934406" cy="659189"/>
+          </a:xfrm>
+        </p:spPr>
+        <p:txBody>
+          <a:bodyPr anchor="t">
+            <a:normAutofit/>
+          </a:bodyPr>
+          <a:lstStyle>
+            <a:lvl1pPr marL="0" indent="0">
+              <a:buNone/>
+              <a:defRPr sz="1400"/>
+            </a:lvl1pPr>
+            <a:lvl2pPr marL="457200" indent="0">
+              <a:buNone/>
+              <a:defRPr sz="1200"/>
+            </a:lvl2pPr>
+            <a:lvl3pPr marL="914400" indent="0">
+              <a:buNone/>
+              <a:defRPr sz="1000"/>
+            </a:lvl3pPr>
+            <a:lvl4pPr marL="1371600" indent="0">
+              <a:buNone/>
+              <a:defRPr sz="900"/>
+            </a:lvl4pPr>
+            <a:lvl5pPr marL="1828800" indent="0">
+              <a:buNone/>
+              <a:defRPr sz="900"/>
+            </a:lvl5pPr>
+            <a:lvl6pPr marL="2286000" indent="0">
+              <a:buNone/>
+              <a:defRPr sz="900"/>
+            </a:lvl6pPr>
+            <a:lvl7pPr marL="2743200" indent="0">
+              <a:buNone/>
+              <a:defRPr sz="900"/>
+            </a:lvl7pPr>
+            <a:lvl8pPr marL="3200400" indent="0">
+              <a:buNone/>
+              <a:defRPr sz="900"/>
+            </a:lvl8pPr>
+            <a:lvl9pPr marL="3657600" indent="0">
+              <a:buNone/>
+              <a:defRPr sz="900"/>
+            </a:lvl9pPr>
+          </a:lstStyle>
+          <a:p>
+            <a:pPr lvl="0"/>
+            <a:r>
+              <a:rPr lang="nb-NO"/>
+              <a:t>Rediger tekststiler i malen</a:t>
+            </a:r>
+          </a:p>
+        </p:txBody>
+      </p:sp>
+      <p:sp>
+        <p:nvSpPr>
+          <p:cNvPr id="14" name="Text Placeholder 4"/>
+          <p:cNvSpPr>
+            <a:spLocks noGrp="1"/>
+          </p:cNvSpPr>
+          <p:nvPr>
+            <p:ph type="body" sz="quarter" idx="13"/>
+          </p:nvPr>
+        </p:nvSpPr>
+        <p:spPr>
+          <a:xfrm>
+            <a:off x="7124700" y="4250949"/>
+            <a:ext cx="2932113" cy="576262"/>
+          </a:xfrm>
+        </p:spPr>
+        <p:txBody>
+          <a:bodyPr anchor="b">
+            <a:noAutofit/>
+          </a:bodyPr>
+          <a:lstStyle>
+            <a:lvl1pPr marL="0" indent="0">
+              <a:buNone/>
+              <a:defRPr sz="2400" b="0">
+                <a:solidFill>
+                  <a:schemeClr val="bg2">
+                    <a:lumMod val="40000"/>
+                    <a:lumOff val="60000"/>
+                  </a:schemeClr>
+                </a:solidFill>
+              </a:defRPr>
+            </a:lvl1pPr>
+            <a:lvl2pPr marL="457200" indent="0">
+              <a:buNone/>
+              <a:defRPr sz="2000" b="1"/>
+            </a:lvl2pPr>
+            <a:lvl3pPr marL="914400" indent="0">
+              <a:buNone/>
+              <a:defRPr sz="1800" b="1"/>
+            </a:lvl3pPr>
+            <a:lvl4pPr marL="1371600" indent="0">
+              <a:buNone/>
+              <a:defRPr sz="1600" b="1"/>
+            </a:lvl4pPr>
+            <a:lvl5pPr marL="1828800" indent="0">
+              <a:buNone/>
+              <a:defRPr sz="1600" b="1"/>
+            </a:lvl5pPr>
+            <a:lvl6pPr marL="2286000" indent="0">
+              <a:buNone/>
+              <a:defRPr sz="1600" b="1"/>
+            </a:lvl6pPr>
+            <a:lvl7pPr marL="2743200" indent="0">
+              <a:buNone/>
+              <a:defRPr sz="1600" b="1"/>
+            </a:lvl7pPr>
+            <a:lvl8pPr marL="3200400" indent="0">
+              <a:buNone/>
+              <a:defRPr sz="1600" b="1"/>
+            </a:lvl8pPr>
+            <a:lvl9pPr marL="3657600" indent="0">
+              <a:buNone/>
+              <a:defRPr sz="1600" b="1"/>
+            </a:lvl9pPr>
+          </a:lstStyle>
+          <a:p>
+            <a:pPr lvl="0"/>
+            <a:r>
+              <a:rPr lang="nb-NO"/>
+              <a:t>Rediger tekststiler i malen</a:t>
+            </a:r>
+          </a:p>
+        </p:txBody>
+      </p:sp>
+      <p:sp>
+        <p:nvSpPr>
+          <p:cNvPr id="31" name="Picture Placeholder 2"/>
+          <p:cNvSpPr>
+            <a:spLocks noGrp="1" noChangeAspect="1"/>
+          </p:cNvSpPr>
+          <p:nvPr>
+            <p:ph type="pic" idx="22"/>
+          </p:nvPr>
+        </p:nvSpPr>
+        <p:spPr>
+          <a:xfrm>
+            <a:off x="7124699" y="2209800"/>
+            <a:ext cx="2932113" cy="1524000"/>
+          </a:xfrm>
+          <a:prstGeom prst="roundRect">
+            <a:avLst>
+              <a:gd name="adj" fmla="val 1858"/>
+            </a:avLst>
+          </a:prstGeom>
+          <a:effectLst>
+            <a:outerShdw blurRad="50800" dist="50800" dir="5400000" algn="tl" rotWithShape="0">
+              <a:srgbClr val="000000">
+                <a:alpha val="43000"/>
+              </a:srgbClr>
+            </a:outerShdw>
+          </a:effectLst>
+        </p:spPr>
+        <p:txBody>
+          <a:bodyPr anchor="t">
+            <a:normAutofit/>
+          </a:bodyPr>
+          <a:lstStyle>
+            <a:lvl1pPr marL="0" indent="0" algn="ctr">
+              <a:buNone/>
+              <a:defRPr sz="1600"/>
+            </a:lvl1pPr>
+            <a:lvl2pPr marL="457200" indent="0">
+              <a:buNone/>
+              <a:defRPr sz="1600"/>
+            </a:lvl2pPr>
+            <a:lvl3pPr marL="914400" indent="0">
+              <a:buNone/>
+              <a:defRPr sz="1600"/>
+            </a:lvl3pPr>
+            <a:lvl4pPr marL="1371600" indent="0">
+              <a:buNone/>
+              <a:defRPr sz="1600"/>
+            </a:lvl4pPr>
+            <a:lvl5pPr marL="1828800" indent="0">
+              <a:buNone/>
+              <a:defRPr sz="1600"/>
+            </a:lvl5pPr>
+            <a:lvl6pPr marL="2286000" indent="0">
+              <a:buNone/>
+              <a:defRPr sz="1600"/>
+            </a:lvl6pPr>
+            <a:lvl7pPr marL="2743200" indent="0">
+              <a:buNone/>
+              <a:defRPr sz="1600"/>
+            </a:lvl7pPr>
+            <a:lvl8pPr marL="3200400" indent="0">
+              <a:buNone/>
+              <a:defRPr sz="1600"/>
+            </a:lvl8pPr>
+            <a:lvl9pPr marL="3657600" indent="0">
+              <a:buNone/>
+              <a:defRPr sz="1600"/>
+            </a:lvl9pPr>
+          </a:lstStyle>
+          <a:p>
+            <a:r>
+              <a:rPr lang="nb-NO"/>
+              <a:t>Klikk på ikonet for å legge til et bilde</a:t>
+            </a:r>
+            <a:endParaRPr lang="en-US" dirty="0"/>
+          </a:p>
+        </p:txBody>
+      </p:sp>
+      <p:sp>
+        <p:nvSpPr>
+          <p:cNvPr id="24" name="Text Placeholder 3"/>
+          <p:cNvSpPr>
+            <a:spLocks noGrp="1"/>
+          </p:cNvSpPr>
+          <p:nvPr>
+            <p:ph type="body" sz="half" idx="20"/>
+          </p:nvPr>
+        </p:nvSpPr>
+        <p:spPr>
+          <a:xfrm>
+            <a:off x="7124575" y="4827208"/>
+            <a:ext cx="2935997" cy="659189"/>
+          </a:xfrm>
+        </p:spPr>
+        <p:txBody>
+          <a:bodyPr anchor="t">
+            <a:normAutofit/>
+          </a:bodyPr>
+          <a:lstStyle>
+            <a:lvl1pPr marL="0" indent="0">
+              <a:buNone/>
+              <a:defRPr sz="1400"/>
+            </a:lvl1pPr>
+            <a:lvl2pPr marL="457200" indent="0">
+              <a:buNone/>
+              <a:defRPr sz="1200"/>
+            </a:lvl2pPr>
+            <a:lvl3pPr marL="914400" indent="0">
+              <a:buNone/>
+              <a:defRPr sz="1000"/>
+            </a:lvl3pPr>
+            <a:lvl4pPr marL="1371600" indent="0">
+              <a:buNone/>
+              <a:defRPr sz="900"/>
+            </a:lvl4pPr>
+            <a:lvl5pPr marL="1828800" indent="0">
+              <a:buNone/>
+              <a:defRPr sz="900"/>
+            </a:lvl5pPr>
+            <a:lvl6pPr marL="2286000" indent="0">
+              <a:buNone/>
+              <a:defRPr sz="900"/>
+            </a:lvl6pPr>
+            <a:lvl7pPr marL="2743200" indent="0">
+              <a:buNone/>
+              <a:defRPr sz="900"/>
+            </a:lvl7pPr>
+            <a:lvl8pPr marL="3200400" indent="0">
+              <a:buNone/>
+              <a:defRPr sz="900"/>
+            </a:lvl8pPr>
+            <a:lvl9pPr marL="3657600" indent="0">
+              <a:buNone/>
+              <a:defRPr sz="900"/>
+            </a:lvl9pPr>
+          </a:lstStyle>
+          <a:p>
+            <a:pPr lvl="0"/>
+            <a:r>
+              <a:rPr lang="nb-NO"/>
+              <a:t>Rediger tekststiler i malen</a:t>
+            </a:r>
+          </a:p>
+        </p:txBody>
+      </p:sp>
+      <p:cxnSp>
+        <p:nvCxnSpPr>
+          <p:cNvPr id="19" name="Straight Connector 18"/>
+          <p:cNvCxnSpPr/>
+          <p:nvPr/>
+        </p:nvCxnSpPr>
+        <p:spPr>
+          <a:xfrm>
+            <a:off x="3726142" y="2133600"/>
+            <a:ext cx="0" cy="3962400"/>
+          </a:xfrm>
+          <a:prstGeom prst="line">
+            <a:avLst/>
+          </a:prstGeom>
+          <a:ln w="12700" cmpd="sng">
+            <a:solidFill>
+              <a:schemeClr val="bg2">
+                <a:lumMod val="40000"/>
+                <a:lumOff val="60000"/>
+                <a:alpha val="40000"/>
+              </a:schemeClr>
+            </a:solidFill>
+          </a:ln>
+        </p:spPr>
+        <p:style>
+          <a:lnRef idx="2">
+            <a:schemeClr val="accent1"/>
+          </a:lnRef>
+          <a:fillRef idx="0">
+            <a:schemeClr val="accent1"/>
+          </a:fillRef>
+          <a:effectRef idx="1">
+            <a:schemeClr val="accent1"/>
+          </a:effectRef>
+          <a:fontRef idx="minor">
+            <a:schemeClr val="tx1"/>
+          </a:fontRef>
+        </p:style>
+      </p:cxnSp>
+      <p:cxnSp>
+        <p:nvCxnSpPr>
+          <p:cNvPr id="20" name="Straight Connector 19"/>
+          <p:cNvCxnSpPr/>
+          <p:nvPr/>
+        </p:nvCxnSpPr>
+        <p:spPr>
+          <a:xfrm>
+            <a:off x="6962227" y="2133600"/>
+            <a:ext cx="0" cy="3966882"/>
+          </a:xfrm>
+          <a:prstGeom prst="line">
+            <a:avLst/>
+          </a:prstGeom>
+          <a:ln w="12700" cmpd="sng">
+            <a:solidFill>
+              <a:schemeClr val="bg2">
+                <a:lumMod val="40000"/>
+                <a:lumOff val="60000"/>
+                <a:alpha val="40000"/>
+              </a:schemeClr>
+            </a:solidFill>
+          </a:ln>
+        </p:spPr>
+        <p:style>
+          <a:lnRef idx="2">
+            <a:schemeClr val="accent1"/>
+          </a:lnRef>
+          <a:fillRef idx="0">
+            <a:schemeClr val="accent1"/>
+          </a:fillRef>
+          <a:effectRef idx="1">
+            <a:schemeClr val="accent1"/>
+          </a:effectRef>
+          <a:fontRef idx="minor">
+            <a:schemeClr val="tx1"/>
+          </a:fontRef>
+        </p:style>
+      </p:cxnSp>
+      <p:sp>
+        <p:nvSpPr>
+          <p:cNvPr id="7" name="Date Placeholder 3"/>
+          <p:cNvSpPr>
+            <a:spLocks noGrp="1"/>
+          </p:cNvSpPr>
+          <p:nvPr>
+            <p:ph type="dt" sz="half" idx="10"/>
+          </p:nvPr>
+        </p:nvSpPr>
+        <p:spPr/>
+        <p:txBody>
+          <a:bodyPr/>
+          <a:lstStyle/>
+          <a:p>
+            <a:fld id="{4673FE56-53A5-4307-B55A-C5E78E8654B2}" type="datetimeFigureOut">
+              <a:rPr lang="nb-NO" smtClean="0"/>
+              <a:t>20.02.2019</a:t>
+            </a:fld>
+            <a:endParaRPr lang="nb-NO"/>
+          </a:p>
+        </p:txBody>
+      </p:sp>
+      <p:sp>
+        <p:nvSpPr>
+          <p:cNvPr id="4" name="Footer Placeholder 4"/>
+          <p:cNvSpPr>
+            <a:spLocks noGrp="1"/>
+          </p:cNvSpPr>
+          <p:nvPr>
+            <p:ph type="ftr" sz="quarter" idx="11"/>
+          </p:nvPr>
+        </p:nvSpPr>
+        <p:spPr/>
+        <p:txBody>
+          <a:bodyPr/>
+          <a:lstStyle/>
+          <a:p>
+            <a:endParaRPr lang="nb-NO"/>
+          </a:p>
+        </p:txBody>
+      </p:sp>
+      <p:sp>
+        <p:nvSpPr>
+          <p:cNvPr id="6" name="Slide Number Placeholder 5"/>
+          <p:cNvSpPr>
+            <a:spLocks noGrp="1"/>
+          </p:cNvSpPr>
+          <p:nvPr>
+            <p:ph type="sldNum" sz="quarter" idx="12"/>
+          </p:nvPr>
+        </p:nvSpPr>
+        <p:spPr/>
+        <p:txBody>
+          <a:bodyPr/>
+          <a:lstStyle/>
+          <a:p>
+            <a:fld id="{4308C321-FF5B-4C57-8A67-C24E8F82EF42}" type="slidenum">
+              <a:rPr lang="nb-NO" smtClean="0"/>
+              <a:t>‹#›</a:t>
+            </a:fld>
+            <a:endParaRPr lang="nb-NO"/>
+          </a:p>
+        </p:txBody>
+      </p:sp>
+    </p:spTree>
+    <p:extLst>
+      <p:ext uri="{BB962C8B-B14F-4D97-AF65-F5344CB8AC3E}">
+        <p14:creationId xmlns:p14="http://schemas.microsoft.com/office/powerpoint/2010/main" val="997873532"/>
+      </p:ext>
+    </p:extLst>
+  </p:cSld>
+  <p:clrMapOvr>
+    <a:masterClrMapping/>
+  </p:clrMapOvr>
+</p:sldLayout>
+</file>
+
+<file path=ppt/slideLayouts/slideLayout16.xml><?xml version="1.0" encoding="utf-8"?>
 <p:sldLayout xmlns:a="http://schemas.openxmlformats.org/drawingml/2006/main" xmlns:r="http://schemas.openxmlformats.org/officeDocument/2006/relationships" xmlns:p="http://schemas.openxmlformats.org/presentationml/2006/main" type="vertTx" preserve="1">
   <p:cSld name="Loddrett tekst">
     <p:spTree>
@@ -2984,13 +5586,7 @@
       </p:grpSpPr>
       <p:sp>
         <p:nvSpPr>
-          <p:cNvPr id="2" name="Tittel 1">
-            <a:extLst>
-              <a:ext uri="{FF2B5EF4-FFF2-40B4-BE49-F238E27FC236}">
-                <a16:creationId xmlns:a16="http://schemas.microsoft.com/office/drawing/2014/main" id="{73D1729A-5AEB-404F-90B0-62C9558C2B2E}"/>
-              </a:ext>
-            </a:extLst>
-          </p:cNvPr>
+          <p:cNvPr id="2" name="Title 1"/>
           <p:cNvSpPr>
             <a:spLocks noGrp="1"/>
           </p:cNvSpPr>
@@ -3007,18 +5603,13 @@
               <a:rPr lang="nb-NO"/>
               <a:t>Klikk for å redigere tittelstil</a:t>
             </a:r>
-          </a:p>
-        </p:txBody>
-      </p:sp>
-      <p:sp>
-        <p:nvSpPr>
-          <p:cNvPr id="3" name="Plassholder for loddrett tekst 2">
-            <a:extLst>
-              <a:ext uri="{FF2B5EF4-FFF2-40B4-BE49-F238E27FC236}">
-                <a16:creationId xmlns:a16="http://schemas.microsoft.com/office/drawing/2014/main" id="{14B58403-F548-49FB-A7E7-C17C2E75E20D}"/>
-              </a:ext>
-            </a:extLst>
-          </p:cNvPr>
+            <a:endParaRPr lang="en-US" dirty="0"/>
+          </a:p>
+        </p:txBody>
+      </p:sp>
+      <p:sp>
+        <p:nvSpPr>
+          <p:cNvPr id="3" name="Vertical Text Placeholder 2"/>
           <p:cNvSpPr>
             <a:spLocks noGrp="1"/>
           </p:cNvSpPr>
@@ -3028,7 +5619,7 @@
         </p:nvSpPr>
         <p:spPr/>
         <p:txBody>
-          <a:bodyPr vert="eaVert"/>
+          <a:bodyPr vert="eaVert" anchor="t" anchorCtr="0"/>
           <a:lstStyle/>
           <a:p>
             <a:pPr lvl="0"/>
@@ -3064,18 +5655,13 @@
               <a:rPr lang="nb-NO"/>
               <a:t>Femte nivå</a:t>
             </a:r>
-          </a:p>
-        </p:txBody>
-      </p:sp>
-      <p:sp>
-        <p:nvSpPr>
-          <p:cNvPr id="4" name="Plassholder for dato 3">
-            <a:extLst>
-              <a:ext uri="{FF2B5EF4-FFF2-40B4-BE49-F238E27FC236}">
-                <a16:creationId xmlns:a16="http://schemas.microsoft.com/office/drawing/2014/main" id="{3F53D2CF-651D-4BD3-B329-E7732E59FB4F}"/>
-              </a:ext>
-            </a:extLst>
-          </p:cNvPr>
+            <a:endParaRPr lang="en-US" dirty="0"/>
+          </a:p>
+        </p:txBody>
+      </p:sp>
+      <p:sp>
+        <p:nvSpPr>
+          <p:cNvPr id="4" name="Date Placeholder 3"/>
           <p:cNvSpPr>
             <a:spLocks noGrp="1"/>
           </p:cNvSpPr>
@@ -3090,7 +5676,7 @@
           <a:p>
             <a:fld id="{4673FE56-53A5-4307-B55A-C5E78E8654B2}" type="datetimeFigureOut">
               <a:rPr lang="nb-NO" smtClean="0"/>
-              <a:t>19.02.2019</a:t>
+              <a:t>20.02.2019</a:t>
             </a:fld>
             <a:endParaRPr lang="nb-NO"/>
           </a:p>
@@ -3098,13 +5684,7 @@
       </p:sp>
       <p:sp>
         <p:nvSpPr>
-          <p:cNvPr id="5" name="Plassholder for bunntekst 4">
-            <a:extLst>
-              <a:ext uri="{FF2B5EF4-FFF2-40B4-BE49-F238E27FC236}">
-                <a16:creationId xmlns:a16="http://schemas.microsoft.com/office/drawing/2014/main" id="{61C5B493-DA3F-4FC7-8BE4-DE057915A579}"/>
-              </a:ext>
-            </a:extLst>
-          </p:cNvPr>
+          <p:cNvPr id="5" name="Footer Placeholder 4"/>
           <p:cNvSpPr>
             <a:spLocks noGrp="1"/>
           </p:cNvSpPr>
@@ -3123,13 +5703,7 @@
       </p:sp>
       <p:sp>
         <p:nvSpPr>
-          <p:cNvPr id="6" name="Plassholder for lysbildenummer 5">
-            <a:extLst>
-              <a:ext uri="{FF2B5EF4-FFF2-40B4-BE49-F238E27FC236}">
-                <a16:creationId xmlns:a16="http://schemas.microsoft.com/office/drawing/2014/main" id="{41E3DFD0-8A62-40ED-A9B4-C9B1B890ED83}"/>
-              </a:ext>
-            </a:extLst>
-          </p:cNvPr>
+          <p:cNvPr id="6" name="Slide Number Placeholder 5"/>
           <p:cNvSpPr>
             <a:spLocks noGrp="1"/>
           </p:cNvSpPr>
@@ -3153,7 +5727,7 @@
     </p:spTree>
     <p:extLst>
       <p:ext uri="{BB962C8B-B14F-4D97-AF65-F5344CB8AC3E}">
-        <p14:creationId xmlns:p14="http://schemas.microsoft.com/office/powerpoint/2010/main" val="639365819"/>
+        <p14:creationId xmlns:p14="http://schemas.microsoft.com/office/powerpoint/2010/main" val="1261230727"/>
       </p:ext>
     </p:extLst>
   </p:cSld>
@@ -3163,7 +5737,7 @@
 </p:sldLayout>
 </file>
 
-<file path=ppt/slideLayouts/slideLayout11.xml><?xml version="1.0" encoding="utf-8"?>
+<file path=ppt/slideLayouts/slideLayout17.xml><?xml version="1.0" encoding="utf-8"?>
 <p:sldLayout xmlns:a="http://schemas.openxmlformats.org/drawingml/2006/main" xmlns:r="http://schemas.openxmlformats.org/officeDocument/2006/relationships" xmlns:p="http://schemas.openxmlformats.org/presentationml/2006/main" type="vertTitleAndTx" preserve="1">
   <p:cSld name="Loddrett tittel og tekst">
     <p:spTree>
@@ -3182,13 +5756,7 @@
       </p:grpSpPr>
       <p:sp>
         <p:nvSpPr>
-          <p:cNvPr id="2" name="Loddrett tittel 1">
-            <a:extLst>
-              <a:ext uri="{FF2B5EF4-FFF2-40B4-BE49-F238E27FC236}">
-                <a16:creationId xmlns:a16="http://schemas.microsoft.com/office/drawing/2014/main" id="{915AEABB-A21E-4A34-B44A-1AB12909A0F3}"/>
-              </a:ext>
-            </a:extLst>
-          </p:cNvPr>
+          <p:cNvPr id="2" name="Vertical Title 1"/>
           <p:cNvSpPr>
             <a:spLocks noGrp="1"/>
           </p:cNvSpPr>
@@ -3198,47 +5766,42 @@
         </p:nvSpPr>
         <p:spPr>
           <a:xfrm>
-            <a:off x="8724900" y="365125"/>
-            <a:ext cx="2628900" cy="5811838"/>
+            <a:off x="8304212" y="430213"/>
+            <a:ext cx="1752601" cy="5826125"/>
           </a:xfrm>
         </p:spPr>
         <p:txBody>
+          <a:bodyPr vert="eaVert" anchor="b" anchorCtr="0"/>
+          <a:lstStyle/>
+          <a:p>
+            <a:r>
+              <a:rPr lang="nb-NO"/>
+              <a:t>Klikk for å redigere tittelstil</a:t>
+            </a:r>
+            <a:endParaRPr lang="en-US" dirty="0"/>
+          </a:p>
+        </p:txBody>
+      </p:sp>
+      <p:sp>
+        <p:nvSpPr>
+          <p:cNvPr id="3" name="Vertical Text Placeholder 2"/>
+          <p:cNvSpPr>
+            <a:spLocks noGrp="1"/>
+          </p:cNvSpPr>
+          <p:nvPr>
+            <p:ph type="body" orient="vert" idx="1"/>
+          </p:nvPr>
+        </p:nvSpPr>
+        <p:spPr>
+          <a:xfrm>
+            <a:off x="652463" y="887414"/>
+            <a:ext cx="7423149" cy="5368924"/>
+          </a:xfrm>
+        </p:spPr>
+        <p:txBody>
           <a:bodyPr vert="eaVert"/>
           <a:lstStyle/>
           <a:p>
-            <a:r>
-              <a:rPr lang="nb-NO"/>
-              <a:t>Klikk for å redigere tittelstil</a:t>
-            </a:r>
-          </a:p>
-        </p:txBody>
-      </p:sp>
-      <p:sp>
-        <p:nvSpPr>
-          <p:cNvPr id="3" name="Plassholder for loddrett tekst 2">
-            <a:extLst>
-              <a:ext uri="{FF2B5EF4-FFF2-40B4-BE49-F238E27FC236}">
-                <a16:creationId xmlns:a16="http://schemas.microsoft.com/office/drawing/2014/main" id="{D3FE638F-092B-4009-BEC7-4097A732A80A}"/>
-              </a:ext>
-            </a:extLst>
-          </p:cNvPr>
-          <p:cNvSpPr>
-            <a:spLocks noGrp="1"/>
-          </p:cNvSpPr>
-          <p:nvPr>
-            <p:ph type="body" orient="vert" idx="1"/>
-          </p:nvPr>
-        </p:nvSpPr>
-        <p:spPr>
-          <a:xfrm>
-            <a:off x="838200" y="365125"/>
-            <a:ext cx="7734300" cy="5811838"/>
-          </a:xfrm>
-        </p:spPr>
-        <p:txBody>
-          <a:bodyPr vert="eaVert"/>
-          <a:lstStyle/>
-          <a:p>
             <a:pPr lvl="0"/>
             <a:r>
               <a:rPr lang="nb-NO"/>
@@ -3272,18 +5835,13 @@
               <a:rPr lang="nb-NO"/>
               <a:t>Femte nivå</a:t>
             </a:r>
-          </a:p>
-        </p:txBody>
-      </p:sp>
-      <p:sp>
-        <p:nvSpPr>
-          <p:cNvPr id="4" name="Plassholder for dato 3">
-            <a:extLst>
-              <a:ext uri="{FF2B5EF4-FFF2-40B4-BE49-F238E27FC236}">
-                <a16:creationId xmlns:a16="http://schemas.microsoft.com/office/drawing/2014/main" id="{123552A7-ED4F-417E-8B92-34ED1BD28B61}"/>
-              </a:ext>
-            </a:extLst>
-          </p:cNvPr>
+            <a:endParaRPr lang="en-US" dirty="0"/>
+          </a:p>
+        </p:txBody>
+      </p:sp>
+      <p:sp>
+        <p:nvSpPr>
+          <p:cNvPr id="4" name="Date Placeholder 3"/>
           <p:cNvSpPr>
             <a:spLocks noGrp="1"/>
           </p:cNvSpPr>
@@ -3298,7 +5856,7 @@
           <a:p>
             <a:fld id="{4673FE56-53A5-4307-B55A-C5E78E8654B2}" type="datetimeFigureOut">
               <a:rPr lang="nb-NO" smtClean="0"/>
-              <a:t>19.02.2019</a:t>
+              <a:t>20.02.2019</a:t>
             </a:fld>
             <a:endParaRPr lang="nb-NO"/>
           </a:p>
@@ -3306,13 +5864,7 @@
       </p:sp>
       <p:sp>
         <p:nvSpPr>
-          <p:cNvPr id="5" name="Plassholder for bunntekst 4">
-            <a:extLst>
-              <a:ext uri="{FF2B5EF4-FFF2-40B4-BE49-F238E27FC236}">
-                <a16:creationId xmlns:a16="http://schemas.microsoft.com/office/drawing/2014/main" id="{A9925BCA-6DA9-4C14-BACB-E716271456BC}"/>
-              </a:ext>
-            </a:extLst>
-          </p:cNvPr>
+          <p:cNvPr id="5" name="Footer Placeholder 4"/>
           <p:cNvSpPr>
             <a:spLocks noGrp="1"/>
           </p:cNvSpPr>
@@ -3331,13 +5883,7 @@
       </p:sp>
       <p:sp>
         <p:nvSpPr>
-          <p:cNvPr id="6" name="Plassholder for lysbildenummer 5">
-            <a:extLst>
-              <a:ext uri="{FF2B5EF4-FFF2-40B4-BE49-F238E27FC236}">
-                <a16:creationId xmlns:a16="http://schemas.microsoft.com/office/drawing/2014/main" id="{768B6CF4-1B0C-4453-817E-062D73B6EF7F}"/>
-              </a:ext>
-            </a:extLst>
-          </p:cNvPr>
+          <p:cNvPr id="6" name="Slide Number Placeholder 5"/>
           <p:cNvSpPr>
             <a:spLocks noGrp="1"/>
           </p:cNvSpPr>
@@ -3361,7 +5907,7 @@
     </p:spTree>
     <p:extLst>
       <p:ext uri="{BB962C8B-B14F-4D97-AF65-F5344CB8AC3E}">
-        <p14:creationId xmlns:p14="http://schemas.microsoft.com/office/powerpoint/2010/main" val="1797838808"/>
+        <p14:creationId xmlns:p14="http://schemas.microsoft.com/office/powerpoint/2010/main" val="717115320"/>
       </p:ext>
     </p:extLst>
   </p:cSld>
@@ -3390,13 +5936,7 @@
       </p:grpSpPr>
       <p:sp>
         <p:nvSpPr>
-          <p:cNvPr id="2" name="Tittel 1">
-            <a:extLst>
-              <a:ext uri="{FF2B5EF4-FFF2-40B4-BE49-F238E27FC236}">
-                <a16:creationId xmlns:a16="http://schemas.microsoft.com/office/drawing/2014/main" id="{E015D8E6-22D5-4101-984C-8C40F5120E68}"/>
-              </a:ext>
-            </a:extLst>
-          </p:cNvPr>
+          <p:cNvPr id="2" name="Title 1"/>
           <p:cNvSpPr>
             <a:spLocks noGrp="1"/>
           </p:cNvSpPr>
@@ -3413,18 +5953,13 @@
               <a:rPr lang="nb-NO"/>
               <a:t>Klikk for å redigere tittelstil</a:t>
             </a:r>
-          </a:p>
-        </p:txBody>
-      </p:sp>
-      <p:sp>
-        <p:nvSpPr>
-          <p:cNvPr id="3" name="Plassholder for innhold 2">
-            <a:extLst>
-              <a:ext uri="{FF2B5EF4-FFF2-40B4-BE49-F238E27FC236}">
-                <a16:creationId xmlns:a16="http://schemas.microsoft.com/office/drawing/2014/main" id="{59F14527-5329-45BB-845A-51768AE2EAD2}"/>
-              </a:ext>
-            </a:extLst>
-          </p:cNvPr>
+            <a:endParaRPr lang="en-US" dirty="0"/>
+          </a:p>
+        </p:txBody>
+      </p:sp>
+      <p:sp>
+        <p:nvSpPr>
+          <p:cNvPr id="3" name="Content Placeholder 2"/>
           <p:cNvSpPr>
             <a:spLocks noGrp="1"/>
           </p:cNvSpPr>
@@ -3470,18 +6005,13 @@
               <a:rPr lang="nb-NO"/>
               <a:t>Femte nivå</a:t>
             </a:r>
-          </a:p>
-        </p:txBody>
-      </p:sp>
-      <p:sp>
-        <p:nvSpPr>
-          <p:cNvPr id="4" name="Plassholder for dato 3">
-            <a:extLst>
-              <a:ext uri="{FF2B5EF4-FFF2-40B4-BE49-F238E27FC236}">
-                <a16:creationId xmlns:a16="http://schemas.microsoft.com/office/drawing/2014/main" id="{D9A0E44C-CBB7-423E-B7A5-80A46EDC006A}"/>
-              </a:ext>
-            </a:extLst>
-          </p:cNvPr>
+            <a:endParaRPr lang="en-US" dirty="0"/>
+          </a:p>
+        </p:txBody>
+      </p:sp>
+      <p:sp>
+        <p:nvSpPr>
+          <p:cNvPr id="7" name="Date Placeholder 3"/>
           <p:cNvSpPr>
             <a:spLocks noGrp="1"/>
           </p:cNvSpPr>
@@ -3496,7 +6026,7 @@
           <a:p>
             <a:fld id="{4673FE56-53A5-4307-B55A-C5E78E8654B2}" type="datetimeFigureOut">
               <a:rPr lang="nb-NO" smtClean="0"/>
-              <a:t>19.02.2019</a:t>
+              <a:t>20.02.2019</a:t>
             </a:fld>
             <a:endParaRPr lang="nb-NO"/>
           </a:p>
@@ -3504,13 +6034,7 @@
       </p:sp>
       <p:sp>
         <p:nvSpPr>
-          <p:cNvPr id="5" name="Plassholder for bunntekst 4">
-            <a:extLst>
-              <a:ext uri="{FF2B5EF4-FFF2-40B4-BE49-F238E27FC236}">
-                <a16:creationId xmlns:a16="http://schemas.microsoft.com/office/drawing/2014/main" id="{00844CB5-9E44-42D3-9380-8EC537C3175C}"/>
-              </a:ext>
-            </a:extLst>
-          </p:cNvPr>
+          <p:cNvPr id="5" name="Footer Placeholder 4"/>
           <p:cNvSpPr>
             <a:spLocks noGrp="1"/>
           </p:cNvSpPr>
@@ -3529,13 +6053,7 @@
       </p:sp>
       <p:sp>
         <p:nvSpPr>
-          <p:cNvPr id="6" name="Plassholder for lysbildenummer 5">
-            <a:extLst>
-              <a:ext uri="{FF2B5EF4-FFF2-40B4-BE49-F238E27FC236}">
-                <a16:creationId xmlns:a16="http://schemas.microsoft.com/office/drawing/2014/main" id="{01E84F63-7E31-4572-BA25-92B371902326}"/>
-              </a:ext>
-            </a:extLst>
-          </p:cNvPr>
+          <p:cNvPr id="6" name="Slide Number Placeholder 5"/>
           <p:cNvSpPr>
             <a:spLocks noGrp="1"/>
           </p:cNvSpPr>
@@ -3559,7 +6077,7 @@
     </p:spTree>
     <p:extLst>
       <p:ext uri="{BB962C8B-B14F-4D97-AF65-F5344CB8AC3E}">
-        <p14:creationId xmlns:p14="http://schemas.microsoft.com/office/powerpoint/2010/main" val="2388425279"/>
+        <p14:creationId xmlns:p14="http://schemas.microsoft.com/office/powerpoint/2010/main" val="2719803654"/>
       </p:ext>
     </p:extLst>
   </p:cSld>
@@ -3588,13 +6106,7 @@
       </p:grpSpPr>
       <p:sp>
         <p:nvSpPr>
-          <p:cNvPr id="2" name="Tittel 1">
-            <a:extLst>
-              <a:ext uri="{FF2B5EF4-FFF2-40B4-BE49-F238E27FC236}">
-                <a16:creationId xmlns:a16="http://schemas.microsoft.com/office/drawing/2014/main" id="{C77814D8-ECE6-4857-9607-346F16BD04FC}"/>
-              </a:ext>
-            </a:extLst>
-          </p:cNvPr>
+          <p:cNvPr id="2" name="Title 1"/>
           <p:cNvSpPr>
             <a:spLocks noGrp="1"/>
           </p:cNvSpPr>
@@ -3604,15 +6116,15 @@
         </p:nvSpPr>
         <p:spPr>
           <a:xfrm>
-            <a:off x="831850" y="1709738"/>
-            <a:ext cx="10515600" cy="2852737"/>
+            <a:off x="1154956" y="2861733"/>
+            <a:ext cx="8825657" cy="1915647"/>
           </a:xfrm>
         </p:spPr>
         <p:txBody>
           <a:bodyPr anchor="b"/>
           <a:lstStyle>
-            <a:lvl1pPr>
-              <a:defRPr sz="6000"/>
+            <a:lvl1pPr algn="l">
+              <a:defRPr sz="4000" b="0" cap="none"/>
             </a:lvl1pPr>
           </a:lstStyle>
           <a:p>
@@ -3620,18 +6132,13 @@
               <a:rPr lang="nb-NO"/>
               <a:t>Klikk for å redigere tittelstil</a:t>
             </a:r>
-          </a:p>
-        </p:txBody>
-      </p:sp>
-      <p:sp>
-        <p:nvSpPr>
-          <p:cNvPr id="3" name="Plassholder for tekst 2">
-            <a:extLst>
-              <a:ext uri="{FF2B5EF4-FFF2-40B4-BE49-F238E27FC236}">
-                <a16:creationId xmlns:a16="http://schemas.microsoft.com/office/drawing/2014/main" id="{BA5E2472-3083-44B2-BE6A-2D12A5C23FEB}"/>
-              </a:ext>
-            </a:extLst>
-          </p:cNvPr>
+            <a:endParaRPr lang="en-US" dirty="0"/>
+          </a:p>
+        </p:txBody>
+      </p:sp>
+      <p:sp>
+        <p:nvSpPr>
+          <p:cNvPr id="3" name="Text Placeholder 2"/>
           <p:cNvSpPr>
             <a:spLocks noGrp="1"/>
           </p:cNvSpPr>
@@ -3641,26 +6148,27 @@
         </p:nvSpPr>
         <p:spPr>
           <a:xfrm>
-            <a:off x="831850" y="4589463"/>
-            <a:ext cx="10515600" cy="1500187"/>
+            <a:off x="1154955" y="4777381"/>
+            <a:ext cx="8825658" cy="860400"/>
           </a:xfrm>
         </p:spPr>
         <p:txBody>
-          <a:bodyPr/>
+          <a:bodyPr anchor="t"/>
           <a:lstStyle>
-            <a:lvl1pPr marL="0" indent="0">
-              <a:buNone/>
-              <a:defRPr sz="2400">
+            <a:lvl1pPr marL="0" indent="0" algn="l">
+              <a:buNone/>
+              <a:defRPr sz="2000" cap="all">
                 <a:solidFill>
-                  <a:schemeClr val="tx1">
-                    <a:tint val="75000"/>
+                  <a:schemeClr val="bg2">
+                    <a:lumMod val="40000"/>
+                    <a:lumOff val="60000"/>
                   </a:schemeClr>
                 </a:solidFill>
               </a:defRPr>
             </a:lvl1pPr>
             <a:lvl2pPr marL="457200" indent="0">
               <a:buNone/>
-              <a:defRPr sz="2000">
+              <a:defRPr sz="1800">
                 <a:solidFill>
                   <a:schemeClr val="tx1">
                     <a:tint val="75000"/>
@@ -3670,7 +6178,7 @@
             </a:lvl2pPr>
             <a:lvl3pPr marL="914400" indent="0">
               <a:buNone/>
-              <a:defRPr sz="1800">
+              <a:defRPr sz="1600">
                 <a:solidFill>
                   <a:schemeClr val="tx1">
                     <a:tint val="75000"/>
@@ -3680,7 +6188,7 @@
             </a:lvl3pPr>
             <a:lvl4pPr marL="1371600" indent="0">
               <a:buNone/>
-              <a:defRPr sz="1600">
+              <a:defRPr sz="1400">
                 <a:solidFill>
                   <a:schemeClr val="tx1">
                     <a:tint val="75000"/>
@@ -3690,7 +6198,7 @@
             </a:lvl4pPr>
             <a:lvl5pPr marL="1828800" indent="0">
               <a:buNone/>
-              <a:defRPr sz="1600">
+              <a:defRPr sz="1400">
                 <a:solidFill>
                   <a:schemeClr val="tx1">
                     <a:tint val="75000"/>
@@ -3700,7 +6208,7 @@
             </a:lvl5pPr>
             <a:lvl6pPr marL="2286000" indent="0">
               <a:buNone/>
-              <a:defRPr sz="1600">
+              <a:defRPr sz="1400">
                 <a:solidFill>
                   <a:schemeClr val="tx1">
                     <a:tint val="75000"/>
@@ -3710,7 +6218,7 @@
             </a:lvl6pPr>
             <a:lvl7pPr marL="2743200" indent="0">
               <a:buNone/>
-              <a:defRPr sz="1600">
+              <a:defRPr sz="1400">
                 <a:solidFill>
                   <a:schemeClr val="tx1">
                     <a:tint val="75000"/>
@@ -3720,7 +6228,7 @@
             </a:lvl7pPr>
             <a:lvl8pPr marL="3200400" indent="0">
               <a:buNone/>
-              <a:defRPr sz="1600">
+              <a:defRPr sz="1400">
                 <a:solidFill>
                   <a:schemeClr val="tx1">
                     <a:tint val="75000"/>
@@ -3730,7 +6238,7 @@
             </a:lvl8pPr>
             <a:lvl9pPr marL="3657600" indent="0">
               <a:buNone/>
-              <a:defRPr sz="1600">
+              <a:defRPr sz="1400">
                 <a:solidFill>
                   <a:schemeClr val="tx1">
                     <a:tint val="75000"/>
@@ -3750,13 +6258,7 @@
       </p:sp>
       <p:sp>
         <p:nvSpPr>
-          <p:cNvPr id="4" name="Plassholder for dato 3">
-            <a:extLst>
-              <a:ext uri="{FF2B5EF4-FFF2-40B4-BE49-F238E27FC236}">
-                <a16:creationId xmlns:a16="http://schemas.microsoft.com/office/drawing/2014/main" id="{F43125C0-F7CC-4F2D-952C-D37E5D7BC1B7}"/>
-              </a:ext>
-            </a:extLst>
-          </p:cNvPr>
+          <p:cNvPr id="4" name="Date Placeholder 3"/>
           <p:cNvSpPr>
             <a:spLocks noGrp="1"/>
           </p:cNvSpPr>
@@ -3771,7 +6273,7 @@
           <a:p>
             <a:fld id="{4673FE56-53A5-4307-B55A-C5E78E8654B2}" type="datetimeFigureOut">
               <a:rPr lang="nb-NO" smtClean="0"/>
-              <a:t>19.02.2019</a:t>
+              <a:t>20.02.2019</a:t>
             </a:fld>
             <a:endParaRPr lang="nb-NO"/>
           </a:p>
@@ -3779,13 +6281,7 @@
       </p:sp>
       <p:sp>
         <p:nvSpPr>
-          <p:cNvPr id="5" name="Plassholder for bunntekst 4">
-            <a:extLst>
-              <a:ext uri="{FF2B5EF4-FFF2-40B4-BE49-F238E27FC236}">
-                <a16:creationId xmlns:a16="http://schemas.microsoft.com/office/drawing/2014/main" id="{25E8F9C2-0EDD-475A-A6C0-CF3F65D15365}"/>
-              </a:ext>
-            </a:extLst>
-          </p:cNvPr>
+          <p:cNvPr id="5" name="Footer Placeholder 4"/>
           <p:cNvSpPr>
             <a:spLocks noGrp="1"/>
           </p:cNvSpPr>
@@ -3804,13 +6300,7 @@
       </p:sp>
       <p:sp>
         <p:nvSpPr>
-          <p:cNvPr id="6" name="Plassholder for lysbildenummer 5">
-            <a:extLst>
-              <a:ext uri="{FF2B5EF4-FFF2-40B4-BE49-F238E27FC236}">
-                <a16:creationId xmlns:a16="http://schemas.microsoft.com/office/drawing/2014/main" id="{73FF8CE5-C3F0-44AB-8FB2-EA38A73B2D11}"/>
-              </a:ext>
-            </a:extLst>
-          </p:cNvPr>
+          <p:cNvPr id="6" name="Slide Number Placeholder 5"/>
           <p:cNvSpPr>
             <a:spLocks noGrp="1"/>
           </p:cNvSpPr>
@@ -3834,7 +6324,7 @@
     </p:spTree>
     <p:extLst>
       <p:ext uri="{BB962C8B-B14F-4D97-AF65-F5344CB8AC3E}">
-        <p14:creationId xmlns:p14="http://schemas.microsoft.com/office/powerpoint/2010/main" val="4028200840"/>
+        <p14:creationId xmlns:p14="http://schemas.microsoft.com/office/powerpoint/2010/main" val="2724663302"/>
       </p:ext>
     </p:extLst>
   </p:cSld>
@@ -3863,13 +6353,7 @@
       </p:grpSpPr>
       <p:sp>
         <p:nvSpPr>
-          <p:cNvPr id="2" name="Tittel 1">
-            <a:extLst>
-              <a:ext uri="{FF2B5EF4-FFF2-40B4-BE49-F238E27FC236}">
-                <a16:creationId xmlns:a16="http://schemas.microsoft.com/office/drawing/2014/main" id="{A49AEE65-3F1E-4D67-93F3-C4BC791D6AE5}"/>
-              </a:ext>
-            </a:extLst>
-          </p:cNvPr>
+          <p:cNvPr id="2" name="Title 1"/>
           <p:cNvSpPr>
             <a:spLocks noGrp="1"/>
           </p:cNvSpPr>
@@ -3886,18 +6370,13 @@
               <a:rPr lang="nb-NO"/>
               <a:t>Klikk for å redigere tittelstil</a:t>
             </a:r>
-          </a:p>
-        </p:txBody>
-      </p:sp>
-      <p:sp>
-        <p:nvSpPr>
-          <p:cNvPr id="3" name="Plassholder for innhold 2">
-            <a:extLst>
-              <a:ext uri="{FF2B5EF4-FFF2-40B4-BE49-F238E27FC236}">
-                <a16:creationId xmlns:a16="http://schemas.microsoft.com/office/drawing/2014/main" id="{AAB5C6E6-2617-4D9A-941B-4D1B3FBEACFE}"/>
-              </a:ext>
-            </a:extLst>
-          </p:cNvPr>
+            <a:endParaRPr lang="en-US" dirty="0"/>
+          </a:p>
+        </p:txBody>
+      </p:sp>
+      <p:sp>
+        <p:nvSpPr>
+          <p:cNvPr id="3" name="Content Placeholder 2"/>
           <p:cNvSpPr>
             <a:spLocks noGrp="1"/>
           </p:cNvSpPr>
@@ -3907,175 +6386,213 @@
         </p:nvSpPr>
         <p:spPr>
           <a:xfrm>
-            <a:off x="838200" y="1825625"/>
-            <a:ext cx="5181600" cy="4351338"/>
+            <a:off x="1103312" y="2060575"/>
+            <a:ext cx="4396339" cy="4195763"/>
           </a:xfrm>
         </p:spPr>
         <p:txBody>
+          <a:bodyPr>
+            <a:normAutofit/>
+          </a:bodyPr>
+          <a:lstStyle>
+            <a:lvl1pPr>
+              <a:defRPr sz="1800"/>
+            </a:lvl1pPr>
+            <a:lvl2pPr>
+              <a:defRPr sz="1600"/>
+            </a:lvl2pPr>
+            <a:lvl3pPr>
+              <a:defRPr sz="1400"/>
+            </a:lvl3pPr>
+            <a:lvl4pPr>
+              <a:defRPr sz="1200"/>
+            </a:lvl4pPr>
+            <a:lvl5pPr>
+              <a:defRPr sz="1200"/>
+            </a:lvl5pPr>
+            <a:lvl6pPr>
+              <a:defRPr sz="1200"/>
+            </a:lvl6pPr>
+            <a:lvl7pPr>
+              <a:defRPr sz="1200"/>
+            </a:lvl7pPr>
+            <a:lvl8pPr>
+              <a:defRPr sz="1200"/>
+            </a:lvl8pPr>
+            <a:lvl9pPr>
+              <a:defRPr sz="1200"/>
+            </a:lvl9pPr>
+          </a:lstStyle>
+          <a:p>
+            <a:pPr lvl="0"/>
+            <a:r>
+              <a:rPr lang="nb-NO"/>
+              <a:t>Rediger tekststiler i malen</a:t>
+            </a:r>
+          </a:p>
+          <a:p>
+            <a:pPr lvl="1"/>
+            <a:r>
+              <a:rPr lang="nb-NO"/>
+              <a:t>Andre nivå</a:t>
+            </a:r>
+          </a:p>
+          <a:p>
+            <a:pPr lvl="2"/>
+            <a:r>
+              <a:rPr lang="nb-NO"/>
+              <a:t>Tredje nivå</a:t>
+            </a:r>
+          </a:p>
+          <a:p>
+            <a:pPr lvl="3"/>
+            <a:r>
+              <a:rPr lang="nb-NO"/>
+              <a:t>Fjerde nivå</a:t>
+            </a:r>
+          </a:p>
+          <a:p>
+            <a:pPr lvl="4"/>
+            <a:r>
+              <a:rPr lang="nb-NO"/>
+              <a:t>Femte nivå</a:t>
+            </a:r>
+            <a:endParaRPr lang="en-US" dirty="0"/>
+          </a:p>
+        </p:txBody>
+      </p:sp>
+      <p:sp>
+        <p:nvSpPr>
+          <p:cNvPr id="4" name="Content Placeholder 3"/>
+          <p:cNvSpPr>
+            <a:spLocks noGrp="1"/>
+          </p:cNvSpPr>
+          <p:nvPr>
+            <p:ph sz="half" idx="2"/>
+          </p:nvPr>
+        </p:nvSpPr>
+        <p:spPr>
+          <a:xfrm>
+            <a:off x="5654493" y="2056092"/>
+            <a:ext cx="4396341" cy="4200245"/>
+          </a:xfrm>
+        </p:spPr>
+        <p:txBody>
+          <a:bodyPr>
+            <a:normAutofit/>
+          </a:bodyPr>
+          <a:lstStyle>
+            <a:lvl1pPr>
+              <a:defRPr sz="1800"/>
+            </a:lvl1pPr>
+            <a:lvl2pPr>
+              <a:defRPr sz="1600"/>
+            </a:lvl2pPr>
+            <a:lvl3pPr>
+              <a:defRPr sz="1400"/>
+            </a:lvl3pPr>
+            <a:lvl4pPr>
+              <a:defRPr sz="1200"/>
+            </a:lvl4pPr>
+            <a:lvl5pPr>
+              <a:defRPr sz="1200"/>
+            </a:lvl5pPr>
+            <a:lvl6pPr>
+              <a:defRPr sz="1200"/>
+            </a:lvl6pPr>
+            <a:lvl7pPr>
+              <a:defRPr sz="1200"/>
+            </a:lvl7pPr>
+            <a:lvl8pPr>
+              <a:defRPr sz="1200"/>
+            </a:lvl8pPr>
+            <a:lvl9pPr>
+              <a:defRPr sz="1200"/>
+            </a:lvl9pPr>
+          </a:lstStyle>
+          <a:p>
+            <a:pPr lvl="0"/>
+            <a:r>
+              <a:rPr lang="nb-NO"/>
+              <a:t>Rediger tekststiler i malen</a:t>
+            </a:r>
+          </a:p>
+          <a:p>
+            <a:pPr lvl="1"/>
+            <a:r>
+              <a:rPr lang="nb-NO"/>
+              <a:t>Andre nivå</a:t>
+            </a:r>
+          </a:p>
+          <a:p>
+            <a:pPr lvl="2"/>
+            <a:r>
+              <a:rPr lang="nb-NO"/>
+              <a:t>Tredje nivå</a:t>
+            </a:r>
+          </a:p>
+          <a:p>
+            <a:pPr lvl="3"/>
+            <a:r>
+              <a:rPr lang="nb-NO"/>
+              <a:t>Fjerde nivå</a:t>
+            </a:r>
+          </a:p>
+          <a:p>
+            <a:pPr lvl="4"/>
+            <a:r>
+              <a:rPr lang="nb-NO"/>
+              <a:t>Femte nivå</a:t>
+            </a:r>
+            <a:endParaRPr lang="en-US" dirty="0"/>
+          </a:p>
+        </p:txBody>
+      </p:sp>
+      <p:sp>
+        <p:nvSpPr>
+          <p:cNvPr id="5" name="Date Placeholder 4"/>
+          <p:cNvSpPr>
+            <a:spLocks noGrp="1"/>
+          </p:cNvSpPr>
+          <p:nvPr>
+            <p:ph type="dt" sz="half" idx="10"/>
+          </p:nvPr>
+        </p:nvSpPr>
+        <p:spPr/>
+        <p:txBody>
           <a:bodyPr/>
           <a:lstStyle/>
           <a:p>
-            <a:pPr lvl="0"/>
-            <a:r>
-              <a:rPr lang="nb-NO"/>
-              <a:t>Rediger tekststiler i malen</a:t>
-            </a:r>
-          </a:p>
-          <a:p>
-            <a:pPr lvl="1"/>
-            <a:r>
-              <a:rPr lang="nb-NO"/>
-              <a:t>Andre nivå</a:t>
-            </a:r>
-          </a:p>
-          <a:p>
-            <a:pPr lvl="2"/>
-            <a:r>
-              <a:rPr lang="nb-NO"/>
-              <a:t>Tredje nivå</a:t>
-            </a:r>
-          </a:p>
-          <a:p>
-            <a:pPr lvl="3"/>
-            <a:r>
-              <a:rPr lang="nb-NO"/>
-              <a:t>Fjerde nivå</a:t>
-            </a:r>
-          </a:p>
-          <a:p>
-            <a:pPr lvl="4"/>
-            <a:r>
-              <a:rPr lang="nb-NO"/>
-              <a:t>Femte nivå</a:t>
-            </a:r>
-          </a:p>
-        </p:txBody>
-      </p:sp>
-      <p:sp>
-        <p:nvSpPr>
-          <p:cNvPr id="4" name="Plassholder for innhold 3">
-            <a:extLst>
-              <a:ext uri="{FF2B5EF4-FFF2-40B4-BE49-F238E27FC236}">
-                <a16:creationId xmlns:a16="http://schemas.microsoft.com/office/drawing/2014/main" id="{6FE88712-8B29-473B-8CB1-38DD134AE2B8}"/>
-              </a:ext>
-            </a:extLst>
-          </p:cNvPr>
-          <p:cNvSpPr>
-            <a:spLocks noGrp="1"/>
-          </p:cNvSpPr>
-          <p:nvPr>
-            <p:ph sz="half" idx="2"/>
-          </p:nvPr>
-        </p:nvSpPr>
-        <p:spPr>
-          <a:xfrm>
-            <a:off x="6172200" y="1825625"/>
-            <a:ext cx="5181600" cy="4351338"/>
-          </a:xfrm>
-        </p:spPr>
+            <a:fld id="{4673FE56-53A5-4307-B55A-C5E78E8654B2}" type="datetimeFigureOut">
+              <a:rPr lang="nb-NO" smtClean="0"/>
+              <a:t>20.02.2019</a:t>
+            </a:fld>
+            <a:endParaRPr lang="nb-NO"/>
+          </a:p>
+        </p:txBody>
+      </p:sp>
+      <p:sp>
+        <p:nvSpPr>
+          <p:cNvPr id="6" name="Footer Placeholder 5"/>
+          <p:cNvSpPr>
+            <a:spLocks noGrp="1"/>
+          </p:cNvSpPr>
+          <p:nvPr>
+            <p:ph type="ftr" sz="quarter" idx="11"/>
+          </p:nvPr>
+        </p:nvSpPr>
+        <p:spPr/>
         <p:txBody>
           <a:bodyPr/>
           <a:lstStyle/>
           <a:p>
-            <a:pPr lvl="0"/>
-            <a:r>
-              <a:rPr lang="nb-NO"/>
-              <a:t>Rediger tekststiler i malen</a:t>
-            </a:r>
-          </a:p>
-          <a:p>
-            <a:pPr lvl="1"/>
-            <a:r>
-              <a:rPr lang="nb-NO"/>
-              <a:t>Andre nivå</a:t>
-            </a:r>
-          </a:p>
-          <a:p>
-            <a:pPr lvl="2"/>
-            <a:r>
-              <a:rPr lang="nb-NO"/>
-              <a:t>Tredje nivå</a:t>
-            </a:r>
-          </a:p>
-          <a:p>
-            <a:pPr lvl="3"/>
-            <a:r>
-              <a:rPr lang="nb-NO"/>
-              <a:t>Fjerde nivå</a:t>
-            </a:r>
-          </a:p>
-          <a:p>
-            <a:pPr lvl="4"/>
-            <a:r>
-              <a:rPr lang="nb-NO"/>
-              <a:t>Femte nivå</a:t>
-            </a:r>
-          </a:p>
-        </p:txBody>
-      </p:sp>
-      <p:sp>
-        <p:nvSpPr>
-          <p:cNvPr id="5" name="Plassholder for dato 4">
-            <a:extLst>
-              <a:ext uri="{FF2B5EF4-FFF2-40B4-BE49-F238E27FC236}">
-                <a16:creationId xmlns:a16="http://schemas.microsoft.com/office/drawing/2014/main" id="{C0AC9812-E751-4151-8881-4106DF908D17}"/>
-              </a:ext>
-            </a:extLst>
-          </p:cNvPr>
-          <p:cNvSpPr>
-            <a:spLocks noGrp="1"/>
-          </p:cNvSpPr>
-          <p:nvPr>
-            <p:ph type="dt" sz="half" idx="10"/>
-          </p:nvPr>
-        </p:nvSpPr>
-        <p:spPr/>
-        <p:txBody>
-          <a:bodyPr/>
-          <a:lstStyle/>
-          <a:p>
-            <a:fld id="{4673FE56-53A5-4307-B55A-C5E78E8654B2}" type="datetimeFigureOut">
-              <a:rPr lang="nb-NO" smtClean="0"/>
-              <a:t>19.02.2019</a:t>
-            </a:fld>
             <a:endParaRPr lang="nb-NO"/>
           </a:p>
         </p:txBody>
       </p:sp>
       <p:sp>
         <p:nvSpPr>
-          <p:cNvPr id="6" name="Plassholder for bunntekst 5">
-            <a:extLst>
-              <a:ext uri="{FF2B5EF4-FFF2-40B4-BE49-F238E27FC236}">
-                <a16:creationId xmlns:a16="http://schemas.microsoft.com/office/drawing/2014/main" id="{41C4A6CE-C33E-4FC1-BBF5-2734DFB99CCD}"/>
-              </a:ext>
-            </a:extLst>
-          </p:cNvPr>
-          <p:cNvSpPr>
-            <a:spLocks noGrp="1"/>
-          </p:cNvSpPr>
-          <p:nvPr>
-            <p:ph type="ftr" sz="quarter" idx="11"/>
-          </p:nvPr>
-        </p:nvSpPr>
-        <p:spPr/>
-        <p:txBody>
-          <a:bodyPr/>
-          <a:lstStyle/>
-          <a:p>
-            <a:endParaRPr lang="nb-NO"/>
-          </a:p>
-        </p:txBody>
-      </p:sp>
-      <p:sp>
-        <p:nvSpPr>
-          <p:cNvPr id="7" name="Plassholder for lysbildenummer 6">
-            <a:extLst>
-              <a:ext uri="{FF2B5EF4-FFF2-40B4-BE49-F238E27FC236}">
-                <a16:creationId xmlns:a16="http://schemas.microsoft.com/office/drawing/2014/main" id="{CD20D802-F5CA-4C17-9DE6-1C63FD4EC419}"/>
-              </a:ext>
-            </a:extLst>
-          </p:cNvPr>
+          <p:cNvPr id="7" name="Slide Number Placeholder 6"/>
           <p:cNvSpPr>
             <a:spLocks noGrp="1"/>
           </p:cNvSpPr>
@@ -4099,7 +6616,7 @@
     </p:spTree>
     <p:extLst>
       <p:ext uri="{BB962C8B-B14F-4D97-AF65-F5344CB8AC3E}">
-        <p14:creationId xmlns:p14="http://schemas.microsoft.com/office/powerpoint/2010/main" val="2114819838"/>
+        <p14:creationId xmlns:p14="http://schemas.microsoft.com/office/powerpoint/2010/main" val="514510202"/>
       </p:ext>
     </p:extLst>
   </p:cSld>
@@ -4128,65 +6645,62 @@
       </p:grpSpPr>
       <p:sp>
         <p:nvSpPr>
-          <p:cNvPr id="2" name="Tittel 1">
-            <a:extLst>
-              <a:ext uri="{FF2B5EF4-FFF2-40B4-BE49-F238E27FC236}">
-                <a16:creationId xmlns:a16="http://schemas.microsoft.com/office/drawing/2014/main" id="{152FECF2-C1E0-4242-A52D-BF9B45E6A4A2}"/>
-              </a:ext>
-            </a:extLst>
-          </p:cNvPr>
+          <p:cNvPr id="2" name="Title 1"/>
           <p:cNvSpPr>
             <a:spLocks noGrp="1"/>
           </p:cNvSpPr>
           <p:nvPr>
             <p:ph type="title"/>
+          </p:nvPr>
+        </p:nvSpPr>
+        <p:spPr/>
+        <p:txBody>
+          <a:bodyPr/>
+          <a:lstStyle>
+            <a:lvl1pPr>
+              <a:defRPr/>
+            </a:lvl1pPr>
+          </a:lstStyle>
+          <a:p>
+            <a:r>
+              <a:rPr lang="nb-NO"/>
+              <a:t>Klikk for å redigere tittelstil</a:t>
+            </a:r>
+            <a:endParaRPr lang="en-US" dirty="0"/>
+          </a:p>
+        </p:txBody>
+      </p:sp>
+      <p:sp>
+        <p:nvSpPr>
+          <p:cNvPr id="3" name="Text Placeholder 2"/>
+          <p:cNvSpPr>
+            <a:spLocks noGrp="1"/>
+          </p:cNvSpPr>
+          <p:nvPr>
+            <p:ph type="body" idx="1"/>
           </p:nvPr>
         </p:nvSpPr>
         <p:spPr>
           <a:xfrm>
-            <a:off x="839788" y="365125"/>
-            <a:ext cx="10515600" cy="1325563"/>
+            <a:off x="1103313" y="1905000"/>
+            <a:ext cx="4396338" cy="576262"/>
           </a:xfrm>
         </p:spPr>
         <p:txBody>
-          <a:bodyPr/>
-          <a:lstStyle/>
-          <a:p>
-            <a:r>
-              <a:rPr lang="nb-NO"/>
-              <a:t>Klikk for å redigere tittelstil</a:t>
-            </a:r>
-          </a:p>
-        </p:txBody>
-      </p:sp>
-      <p:sp>
-        <p:nvSpPr>
-          <p:cNvPr id="3" name="Plassholder for tekst 2">
-            <a:extLst>
-              <a:ext uri="{FF2B5EF4-FFF2-40B4-BE49-F238E27FC236}">
-                <a16:creationId xmlns:a16="http://schemas.microsoft.com/office/drawing/2014/main" id="{49C1067D-CBEA-4AF6-9D90-0E0C3118749A}"/>
-              </a:ext>
-            </a:extLst>
-          </p:cNvPr>
-          <p:cNvSpPr>
-            <a:spLocks noGrp="1"/>
-          </p:cNvSpPr>
-          <p:nvPr>
-            <p:ph type="body" idx="1"/>
-          </p:nvPr>
-        </p:nvSpPr>
-        <p:spPr>
-          <a:xfrm>
-            <a:off x="839788" y="1681163"/>
-            <a:ext cx="5157787" cy="823912"/>
-          </a:xfrm>
-        </p:spPr>
-        <p:txBody>
-          <a:bodyPr anchor="b"/>
+          <a:bodyPr anchor="b">
+            <a:noAutofit/>
+          </a:bodyPr>
           <a:lstStyle>
             <a:lvl1pPr marL="0" indent="0">
               <a:buNone/>
-              <a:defRPr sz="2400" b="1"/>
+              <a:defRPr sz="2400" b="0">
+                <a:solidFill>
+                  <a:schemeClr val="bg2">
+                    <a:lumMod val="40000"/>
+                    <a:lumOff val="60000"/>
+                  </a:schemeClr>
+                </a:solidFill>
+              </a:defRPr>
             </a:lvl1pPr>
             <a:lvl2pPr marL="457200" indent="0">
               <a:buNone/>
@@ -4232,13 +6746,7 @@
       </p:sp>
       <p:sp>
         <p:nvSpPr>
-          <p:cNvPr id="4" name="Plassholder for innhold 3">
-            <a:extLst>
-              <a:ext uri="{FF2B5EF4-FFF2-40B4-BE49-F238E27FC236}">
-                <a16:creationId xmlns:a16="http://schemas.microsoft.com/office/drawing/2014/main" id="{EC1C57A9-D7B7-4801-BBF5-7E4E0644E8C9}"/>
-              </a:ext>
-            </a:extLst>
-          </p:cNvPr>
+          <p:cNvPr id="4" name="Content Placeholder 3"/>
           <p:cNvSpPr>
             <a:spLocks noGrp="1"/>
           </p:cNvSpPr>
@@ -4248,13 +6756,43 @@
         </p:nvSpPr>
         <p:spPr>
           <a:xfrm>
-            <a:off x="839788" y="2505075"/>
-            <a:ext cx="5157787" cy="3684588"/>
+            <a:off x="1103312" y="2514600"/>
+            <a:ext cx="4396339" cy="3741738"/>
           </a:xfrm>
         </p:spPr>
         <p:txBody>
-          <a:bodyPr/>
-          <a:lstStyle/>
+          <a:bodyPr>
+            <a:normAutofit/>
+          </a:bodyPr>
+          <a:lstStyle>
+            <a:lvl1pPr>
+              <a:defRPr sz="1800"/>
+            </a:lvl1pPr>
+            <a:lvl2pPr>
+              <a:defRPr sz="1600"/>
+            </a:lvl2pPr>
+            <a:lvl3pPr>
+              <a:defRPr sz="1400"/>
+            </a:lvl3pPr>
+            <a:lvl4pPr>
+              <a:defRPr sz="1200"/>
+            </a:lvl4pPr>
+            <a:lvl5pPr>
+              <a:defRPr sz="1200"/>
+            </a:lvl5pPr>
+            <a:lvl6pPr>
+              <a:defRPr sz="1200"/>
+            </a:lvl6pPr>
+            <a:lvl7pPr>
+              <a:defRPr sz="1200"/>
+            </a:lvl7pPr>
+            <a:lvl8pPr>
+              <a:defRPr sz="1200"/>
+            </a:lvl8pPr>
+            <a:lvl9pPr>
+              <a:defRPr sz="1200"/>
+            </a:lvl9pPr>
+          </a:lstStyle>
           <a:p>
             <a:pPr lvl="0"/>
             <a:r>
@@ -4289,18 +6827,13 @@
               <a:rPr lang="nb-NO"/>
               <a:t>Femte nivå</a:t>
             </a:r>
-          </a:p>
-        </p:txBody>
-      </p:sp>
-      <p:sp>
-        <p:nvSpPr>
-          <p:cNvPr id="5" name="Plassholder for tekst 4">
-            <a:extLst>
-              <a:ext uri="{FF2B5EF4-FFF2-40B4-BE49-F238E27FC236}">
-                <a16:creationId xmlns:a16="http://schemas.microsoft.com/office/drawing/2014/main" id="{B1CCA9CD-7100-4474-88CB-5243E0EC4F45}"/>
-              </a:ext>
-            </a:extLst>
-          </p:cNvPr>
+            <a:endParaRPr lang="en-US" dirty="0"/>
+          </a:p>
+        </p:txBody>
+      </p:sp>
+      <p:sp>
+        <p:nvSpPr>
+          <p:cNvPr id="5" name="Text Placeholder 4"/>
           <p:cNvSpPr>
             <a:spLocks noGrp="1"/>
           </p:cNvSpPr>
@@ -4310,16 +6843,25 @@
         </p:nvSpPr>
         <p:spPr>
           <a:xfrm>
-            <a:off x="6172200" y="1681163"/>
-            <a:ext cx="5183188" cy="823912"/>
+            <a:off x="5654495" y="1905000"/>
+            <a:ext cx="4396339" cy="576262"/>
           </a:xfrm>
         </p:spPr>
         <p:txBody>
-          <a:bodyPr anchor="b"/>
+          <a:bodyPr anchor="b">
+            <a:noAutofit/>
+          </a:bodyPr>
           <a:lstStyle>
             <a:lvl1pPr marL="0" indent="0">
               <a:buNone/>
-              <a:defRPr sz="2400" b="1"/>
+              <a:defRPr sz="2400" b="0">
+                <a:solidFill>
+                  <a:schemeClr val="bg2">
+                    <a:lumMod val="40000"/>
+                    <a:lumOff val="60000"/>
+                  </a:schemeClr>
+                </a:solidFill>
+              </a:defRPr>
             </a:lvl1pPr>
             <a:lvl2pPr marL="457200" indent="0">
               <a:buNone/>
@@ -4365,13 +6907,7 @@
       </p:sp>
       <p:sp>
         <p:nvSpPr>
-          <p:cNvPr id="6" name="Plassholder for innhold 5">
-            <a:extLst>
-              <a:ext uri="{FF2B5EF4-FFF2-40B4-BE49-F238E27FC236}">
-                <a16:creationId xmlns:a16="http://schemas.microsoft.com/office/drawing/2014/main" id="{DE0AF8AA-9636-4453-BF28-56959BCE3705}"/>
-              </a:ext>
-            </a:extLst>
-          </p:cNvPr>
+          <p:cNvPr id="6" name="Content Placeholder 5"/>
           <p:cNvSpPr>
             <a:spLocks noGrp="1"/>
           </p:cNvSpPr>
@@ -4381,64 +6917,112 @@
         </p:nvSpPr>
         <p:spPr>
           <a:xfrm>
-            <a:off x="6172200" y="2505075"/>
-            <a:ext cx="5183188" cy="3684588"/>
+            <a:off x="5654495" y="2514600"/>
+            <a:ext cx="4396339" cy="3741738"/>
           </a:xfrm>
         </p:spPr>
         <p:txBody>
+          <a:bodyPr>
+            <a:normAutofit/>
+          </a:bodyPr>
+          <a:lstStyle>
+            <a:lvl1pPr>
+              <a:defRPr sz="1800"/>
+            </a:lvl1pPr>
+            <a:lvl2pPr>
+              <a:defRPr sz="1600"/>
+            </a:lvl2pPr>
+            <a:lvl3pPr>
+              <a:defRPr sz="1400"/>
+            </a:lvl3pPr>
+            <a:lvl4pPr>
+              <a:defRPr sz="1200"/>
+            </a:lvl4pPr>
+            <a:lvl5pPr>
+              <a:defRPr sz="1200"/>
+            </a:lvl5pPr>
+            <a:lvl6pPr>
+              <a:defRPr sz="1200"/>
+            </a:lvl6pPr>
+            <a:lvl7pPr>
+              <a:defRPr sz="1200"/>
+            </a:lvl7pPr>
+            <a:lvl8pPr>
+              <a:defRPr sz="1200"/>
+            </a:lvl8pPr>
+            <a:lvl9pPr>
+              <a:defRPr sz="1200"/>
+            </a:lvl9pPr>
+          </a:lstStyle>
+          <a:p>
+            <a:pPr lvl="0"/>
+            <a:r>
+              <a:rPr lang="nb-NO"/>
+              <a:t>Rediger tekststiler i malen</a:t>
+            </a:r>
+          </a:p>
+          <a:p>
+            <a:pPr lvl="1"/>
+            <a:r>
+              <a:rPr lang="nb-NO"/>
+              <a:t>Andre nivå</a:t>
+            </a:r>
+          </a:p>
+          <a:p>
+            <a:pPr lvl="2"/>
+            <a:r>
+              <a:rPr lang="nb-NO"/>
+              <a:t>Tredje nivå</a:t>
+            </a:r>
+          </a:p>
+          <a:p>
+            <a:pPr lvl="3"/>
+            <a:r>
+              <a:rPr lang="nb-NO"/>
+              <a:t>Fjerde nivå</a:t>
+            </a:r>
+          </a:p>
+          <a:p>
+            <a:pPr lvl="4"/>
+            <a:r>
+              <a:rPr lang="nb-NO"/>
+              <a:t>Femte nivå</a:t>
+            </a:r>
+            <a:endParaRPr lang="en-US" dirty="0"/>
+          </a:p>
+        </p:txBody>
+      </p:sp>
+      <p:sp>
+        <p:nvSpPr>
+          <p:cNvPr id="7" name="Date Placeholder 6"/>
+          <p:cNvSpPr>
+            <a:spLocks noGrp="1"/>
+          </p:cNvSpPr>
+          <p:nvPr>
+            <p:ph type="dt" sz="half" idx="10"/>
+          </p:nvPr>
+        </p:nvSpPr>
+        <p:spPr/>
+        <p:txBody>
           <a:bodyPr/>
           <a:lstStyle/>
           <a:p>
-            <a:pPr lvl="0"/>
-            <a:r>
-              <a:rPr lang="nb-NO"/>
-              <a:t>Rediger tekststiler i malen</a:t>
-            </a:r>
-          </a:p>
-          <a:p>
-            <a:pPr lvl="1"/>
-            <a:r>
-              <a:rPr lang="nb-NO"/>
-              <a:t>Andre nivå</a:t>
-            </a:r>
-          </a:p>
-          <a:p>
-            <a:pPr lvl="2"/>
-            <a:r>
-              <a:rPr lang="nb-NO"/>
-              <a:t>Tredje nivå</a:t>
-            </a:r>
-          </a:p>
-          <a:p>
-            <a:pPr lvl="3"/>
-            <a:r>
-              <a:rPr lang="nb-NO"/>
-              <a:t>Fjerde nivå</a:t>
-            </a:r>
-          </a:p>
-          <a:p>
-            <a:pPr lvl="4"/>
-            <a:r>
-              <a:rPr lang="nb-NO"/>
-              <a:t>Femte nivå</a:t>
-            </a:r>
-          </a:p>
-        </p:txBody>
-      </p:sp>
-      <p:sp>
-        <p:nvSpPr>
-          <p:cNvPr id="7" name="Plassholder for dato 6">
-            <a:extLst>
-              <a:ext uri="{FF2B5EF4-FFF2-40B4-BE49-F238E27FC236}">
-                <a16:creationId xmlns:a16="http://schemas.microsoft.com/office/drawing/2014/main" id="{B1E6C430-512C-4634-A2D5-84301506A226}"/>
-              </a:ext>
-            </a:extLst>
-          </p:cNvPr>
-          <p:cNvSpPr>
-            <a:spLocks noGrp="1"/>
-          </p:cNvSpPr>
-          <p:nvPr>
-            <p:ph type="dt" sz="half" idx="10"/>
+            <a:fld id="{4673FE56-53A5-4307-B55A-C5E78E8654B2}" type="datetimeFigureOut">
+              <a:rPr lang="nb-NO" smtClean="0"/>
+              <a:t>20.02.2019</a:t>
+            </a:fld>
+            <a:endParaRPr lang="nb-NO"/>
+          </a:p>
+        </p:txBody>
+      </p:sp>
+      <p:sp>
+        <p:nvSpPr>
+          <p:cNvPr id="8" name="Footer Placeholder 7"/>
+          <p:cNvSpPr>
+            <a:spLocks noGrp="1"/>
+          </p:cNvSpPr>
+          <p:nvPr>
+            <p:ph type="ftr" sz="quarter" idx="11"/>
           </p:nvPr>
         </p:nvSpPr>
         <p:spPr/>
@@ -4446,48 +7030,13 @@
           <a:bodyPr/>
           <a:lstStyle/>
           <a:p>
-            <a:fld id="{4673FE56-53A5-4307-B55A-C5E78E8654B2}" type="datetimeFigureOut">
-              <a:rPr lang="nb-NO" smtClean="0"/>
-              <a:t>19.02.2019</a:t>
-            </a:fld>
             <a:endParaRPr lang="nb-NO"/>
           </a:p>
         </p:txBody>
       </p:sp>
       <p:sp>
         <p:nvSpPr>
-          <p:cNvPr id="8" name="Plassholder for bunntekst 7">
-            <a:extLst>
-              <a:ext uri="{FF2B5EF4-FFF2-40B4-BE49-F238E27FC236}">
-                <a16:creationId xmlns:a16="http://schemas.microsoft.com/office/drawing/2014/main" id="{D67E1D53-C30D-4F0D-8E6B-258DB34B7EFA}"/>
-              </a:ext>
-            </a:extLst>
-          </p:cNvPr>
-          <p:cNvSpPr>
-            <a:spLocks noGrp="1"/>
-          </p:cNvSpPr>
-          <p:nvPr>
-            <p:ph type="ftr" sz="quarter" idx="11"/>
-          </p:nvPr>
-        </p:nvSpPr>
-        <p:spPr/>
-        <p:txBody>
-          <a:bodyPr/>
-          <a:lstStyle/>
-          <a:p>
-            <a:endParaRPr lang="nb-NO"/>
-          </a:p>
-        </p:txBody>
-      </p:sp>
-      <p:sp>
-        <p:nvSpPr>
-          <p:cNvPr id="9" name="Plassholder for lysbildenummer 8">
-            <a:extLst>
-              <a:ext uri="{FF2B5EF4-FFF2-40B4-BE49-F238E27FC236}">
-                <a16:creationId xmlns:a16="http://schemas.microsoft.com/office/drawing/2014/main" id="{85CF151A-604E-45A0-B3B9-EB9D758D95AF}"/>
-              </a:ext>
-            </a:extLst>
-          </p:cNvPr>
+          <p:cNvPr id="9" name="Slide Number Placeholder 8"/>
           <p:cNvSpPr>
             <a:spLocks noGrp="1"/>
           </p:cNvSpPr>
@@ -4511,7 +7060,7 @@
     </p:spTree>
     <p:extLst>
       <p:ext uri="{BB962C8B-B14F-4D97-AF65-F5344CB8AC3E}">
-        <p14:creationId xmlns:p14="http://schemas.microsoft.com/office/powerpoint/2010/main" val="2610839844"/>
+        <p14:creationId xmlns:p14="http://schemas.microsoft.com/office/powerpoint/2010/main" val="515242051"/>
       </p:ext>
     </p:extLst>
   </p:cSld>
@@ -4540,13 +7089,7 @@
       </p:grpSpPr>
       <p:sp>
         <p:nvSpPr>
-          <p:cNvPr id="2" name="Tittel 1">
-            <a:extLst>
-              <a:ext uri="{FF2B5EF4-FFF2-40B4-BE49-F238E27FC236}">
-                <a16:creationId xmlns:a16="http://schemas.microsoft.com/office/drawing/2014/main" id="{8A4DDC39-90AE-4736-9D5C-A41AA1F01F83}"/>
-              </a:ext>
-            </a:extLst>
-          </p:cNvPr>
+          <p:cNvPr id="2" name="Title 1"/>
           <p:cNvSpPr>
             <a:spLocks noGrp="1"/>
           </p:cNvSpPr>
@@ -4563,18 +7106,13 @@
               <a:rPr lang="nb-NO"/>
               <a:t>Klikk for å redigere tittelstil</a:t>
             </a:r>
-          </a:p>
-        </p:txBody>
-      </p:sp>
-      <p:sp>
-        <p:nvSpPr>
-          <p:cNvPr id="3" name="Plassholder for dato 2">
-            <a:extLst>
-              <a:ext uri="{FF2B5EF4-FFF2-40B4-BE49-F238E27FC236}">
-                <a16:creationId xmlns:a16="http://schemas.microsoft.com/office/drawing/2014/main" id="{28D90350-D8C1-4EFC-9C81-9E10C84477FE}"/>
-              </a:ext>
-            </a:extLst>
-          </p:cNvPr>
+            <a:endParaRPr lang="en-US" dirty="0"/>
+          </a:p>
+        </p:txBody>
+      </p:sp>
+      <p:sp>
+        <p:nvSpPr>
+          <p:cNvPr id="7" name="Date Placeholder 2"/>
           <p:cNvSpPr>
             <a:spLocks noGrp="1"/>
           </p:cNvSpPr>
@@ -4589,7 +7127,7 @@
           <a:p>
             <a:fld id="{4673FE56-53A5-4307-B55A-C5E78E8654B2}" type="datetimeFigureOut">
               <a:rPr lang="nb-NO" smtClean="0"/>
-              <a:t>19.02.2019</a:t>
+              <a:t>20.02.2019</a:t>
             </a:fld>
             <a:endParaRPr lang="nb-NO"/>
           </a:p>
@@ -4597,13 +7135,7 @@
       </p:sp>
       <p:sp>
         <p:nvSpPr>
-          <p:cNvPr id="4" name="Plassholder for bunntekst 3">
-            <a:extLst>
-              <a:ext uri="{FF2B5EF4-FFF2-40B4-BE49-F238E27FC236}">
-                <a16:creationId xmlns:a16="http://schemas.microsoft.com/office/drawing/2014/main" id="{F21EF1EE-E7E0-4D0D-AA19-96C0A699AA49}"/>
-              </a:ext>
-            </a:extLst>
-          </p:cNvPr>
+          <p:cNvPr id="5" name="Footer Placeholder 3"/>
           <p:cNvSpPr>
             <a:spLocks noGrp="1"/>
           </p:cNvSpPr>
@@ -4622,13 +7154,7 @@
       </p:sp>
       <p:sp>
         <p:nvSpPr>
-          <p:cNvPr id="5" name="Plassholder for lysbildenummer 4">
-            <a:extLst>
-              <a:ext uri="{FF2B5EF4-FFF2-40B4-BE49-F238E27FC236}">
-                <a16:creationId xmlns:a16="http://schemas.microsoft.com/office/drawing/2014/main" id="{1CACF507-8A94-46ED-B92D-179B16707716}"/>
-              </a:ext>
-            </a:extLst>
-          </p:cNvPr>
+          <p:cNvPr id="6" name="Slide Number Placeholder 4"/>
           <p:cNvSpPr>
             <a:spLocks noGrp="1"/>
           </p:cNvSpPr>
@@ -4652,7 +7178,7 @@
     </p:spTree>
     <p:extLst>
       <p:ext uri="{BB962C8B-B14F-4D97-AF65-F5344CB8AC3E}">
-        <p14:creationId xmlns:p14="http://schemas.microsoft.com/office/powerpoint/2010/main" val="3250598683"/>
+        <p14:creationId xmlns:p14="http://schemas.microsoft.com/office/powerpoint/2010/main" val="802941306"/>
       </p:ext>
     </p:extLst>
   </p:cSld>
@@ -4681,13 +7207,7 @@
       </p:grpSpPr>
       <p:sp>
         <p:nvSpPr>
-          <p:cNvPr id="2" name="Plassholder for dato 1">
-            <a:extLst>
-              <a:ext uri="{FF2B5EF4-FFF2-40B4-BE49-F238E27FC236}">
-                <a16:creationId xmlns:a16="http://schemas.microsoft.com/office/drawing/2014/main" id="{E7D58F84-B491-4DA5-B126-5CF8E9C6A896}"/>
-              </a:ext>
-            </a:extLst>
-          </p:cNvPr>
+          <p:cNvPr id="7" name="Date Placeholder 1"/>
           <p:cNvSpPr>
             <a:spLocks noGrp="1"/>
           </p:cNvSpPr>
@@ -4702,7 +7222,7 @@
           <a:p>
             <a:fld id="{4673FE56-53A5-4307-B55A-C5E78E8654B2}" type="datetimeFigureOut">
               <a:rPr lang="nb-NO" smtClean="0"/>
-              <a:t>19.02.2019</a:t>
+              <a:t>20.02.2019</a:t>
             </a:fld>
             <a:endParaRPr lang="nb-NO"/>
           </a:p>
@@ -4710,13 +7230,7 @@
       </p:sp>
       <p:sp>
         <p:nvSpPr>
-          <p:cNvPr id="3" name="Plassholder for bunntekst 2">
-            <a:extLst>
-              <a:ext uri="{FF2B5EF4-FFF2-40B4-BE49-F238E27FC236}">
-                <a16:creationId xmlns:a16="http://schemas.microsoft.com/office/drawing/2014/main" id="{AAFE4FEF-6024-4E32-A108-78315E452255}"/>
-              </a:ext>
-            </a:extLst>
-          </p:cNvPr>
+          <p:cNvPr id="5" name="Footer Placeholder 2"/>
           <p:cNvSpPr>
             <a:spLocks noGrp="1"/>
           </p:cNvSpPr>
@@ -4735,13 +7249,7 @@
       </p:sp>
       <p:sp>
         <p:nvSpPr>
-          <p:cNvPr id="4" name="Plassholder for lysbildenummer 3">
-            <a:extLst>
-              <a:ext uri="{FF2B5EF4-FFF2-40B4-BE49-F238E27FC236}">
-                <a16:creationId xmlns:a16="http://schemas.microsoft.com/office/drawing/2014/main" id="{0EA809C5-B294-4D0F-A60F-B4F5AD46855F}"/>
-              </a:ext>
-            </a:extLst>
-          </p:cNvPr>
+          <p:cNvPr id="6" name="Slide Number Placeholder 3"/>
           <p:cNvSpPr>
             <a:spLocks noGrp="1"/>
           </p:cNvSpPr>
@@ -4765,7 +7273,7 @@
     </p:spTree>
     <p:extLst>
       <p:ext uri="{BB962C8B-B14F-4D97-AF65-F5344CB8AC3E}">
-        <p14:creationId xmlns:p14="http://schemas.microsoft.com/office/powerpoint/2010/main" val="3367834530"/>
+        <p14:creationId xmlns:p14="http://schemas.microsoft.com/office/powerpoint/2010/main" val="1341972180"/>
       </p:ext>
     </p:extLst>
   </p:cSld>
@@ -4794,13 +7302,7 @@
       </p:grpSpPr>
       <p:sp>
         <p:nvSpPr>
-          <p:cNvPr id="2" name="Tittel 1">
-            <a:extLst>
-              <a:ext uri="{FF2B5EF4-FFF2-40B4-BE49-F238E27FC236}">
-                <a16:creationId xmlns:a16="http://schemas.microsoft.com/office/drawing/2014/main" id="{43FA3CCA-12BF-411E-96BA-33EA971337F9}"/>
-              </a:ext>
-            </a:extLst>
-          </p:cNvPr>
+          <p:cNvPr id="2" name="Title 1"/>
           <p:cNvSpPr>
             <a:spLocks noGrp="1"/>
           </p:cNvSpPr>
@@ -4810,15 +7312,15 @@
         </p:nvSpPr>
         <p:spPr>
           <a:xfrm>
-            <a:off x="839788" y="457200"/>
-            <a:ext cx="3932237" cy="1600200"/>
+            <a:off x="1154953" y="1447800"/>
+            <a:ext cx="3401064" cy="1447800"/>
           </a:xfrm>
         </p:spPr>
         <p:txBody>
           <a:bodyPr anchor="b"/>
           <a:lstStyle>
-            <a:lvl1pPr>
-              <a:defRPr sz="3200"/>
+            <a:lvl1pPr algn="l">
+              <a:defRPr sz="2400" b="0"/>
             </a:lvl1pPr>
           </a:lstStyle>
           <a:p>
@@ -4826,18 +7328,13 @@
               <a:rPr lang="nb-NO"/>
               <a:t>Klikk for å redigere tittelstil</a:t>
             </a:r>
-          </a:p>
-        </p:txBody>
-      </p:sp>
-      <p:sp>
-        <p:nvSpPr>
-          <p:cNvPr id="3" name="Plassholder for innhold 2">
-            <a:extLst>
-              <a:ext uri="{FF2B5EF4-FFF2-40B4-BE49-F238E27FC236}">
-                <a16:creationId xmlns:a16="http://schemas.microsoft.com/office/drawing/2014/main" id="{27045F9F-29F3-457C-8B9F-292B798838DB}"/>
-              </a:ext>
-            </a:extLst>
-          </p:cNvPr>
+            <a:endParaRPr lang="en-US" dirty="0"/>
+          </a:p>
+        </p:txBody>
+      </p:sp>
+      <p:sp>
+        <p:nvSpPr>
+          <p:cNvPr id="3" name="Content Placeholder 2"/>
           <p:cNvSpPr>
             <a:spLocks noGrp="1"/>
           </p:cNvSpPr>
@@ -4847,39 +7344,41 @@
         </p:nvSpPr>
         <p:spPr>
           <a:xfrm>
-            <a:off x="5183188" y="987425"/>
-            <a:ext cx="6172200" cy="4873625"/>
+            <a:off x="4784616" y="1447800"/>
+            <a:ext cx="5195997" cy="4572000"/>
           </a:xfrm>
         </p:spPr>
         <p:txBody>
-          <a:bodyPr/>
+          <a:bodyPr anchor="ctr">
+            <a:normAutofit/>
+          </a:bodyPr>
           <a:lstStyle>
             <a:lvl1pPr>
-              <a:defRPr sz="3200"/>
+              <a:defRPr sz="2000"/>
             </a:lvl1pPr>
             <a:lvl2pPr>
-              <a:defRPr sz="2800"/>
+              <a:defRPr sz="1800"/>
             </a:lvl2pPr>
             <a:lvl3pPr>
-              <a:defRPr sz="2400"/>
+              <a:defRPr sz="1600"/>
             </a:lvl3pPr>
             <a:lvl4pPr>
-              <a:defRPr sz="2000"/>
+              <a:defRPr sz="1400"/>
             </a:lvl4pPr>
             <a:lvl5pPr>
-              <a:defRPr sz="2000"/>
+              <a:defRPr sz="1400"/>
             </a:lvl5pPr>
             <a:lvl6pPr>
-              <a:defRPr sz="2000"/>
+              <a:defRPr sz="1400"/>
             </a:lvl6pPr>
             <a:lvl7pPr>
-              <a:defRPr sz="2000"/>
+              <a:defRPr sz="1400"/>
             </a:lvl7pPr>
             <a:lvl8pPr>
-              <a:defRPr sz="2000"/>
+              <a:defRPr sz="1400"/>
             </a:lvl8pPr>
             <a:lvl9pPr>
-              <a:defRPr sz="2000"/>
+              <a:defRPr sz="1400"/>
             </a:lvl9pPr>
           </a:lstStyle>
           <a:p>
@@ -4916,18 +7415,13 @@
               <a:rPr lang="nb-NO"/>
               <a:t>Femte nivå</a:t>
             </a:r>
-          </a:p>
-        </p:txBody>
-      </p:sp>
-      <p:sp>
-        <p:nvSpPr>
-          <p:cNvPr id="4" name="Plassholder for tekst 3">
-            <a:extLst>
-              <a:ext uri="{FF2B5EF4-FFF2-40B4-BE49-F238E27FC236}">
-                <a16:creationId xmlns:a16="http://schemas.microsoft.com/office/drawing/2014/main" id="{38FACD86-AD74-4DE7-AB94-AD94074C2AD3}"/>
-              </a:ext>
-            </a:extLst>
-          </p:cNvPr>
+            <a:endParaRPr lang="en-US" dirty="0"/>
+          </a:p>
+        </p:txBody>
+      </p:sp>
+      <p:sp>
+        <p:nvSpPr>
+          <p:cNvPr id="4" name="Text Placeholder 3"/>
           <p:cNvSpPr>
             <a:spLocks noGrp="1"/>
           </p:cNvSpPr>
@@ -4937,8 +7431,8 @@
         </p:nvSpPr>
         <p:spPr>
           <a:xfrm>
-            <a:off x="839788" y="2057400"/>
-            <a:ext cx="3932237" cy="3811588"/>
+            <a:off x="1154953" y="3129280"/>
+            <a:ext cx="3401063" cy="2895599"/>
           </a:xfrm>
         </p:spPr>
         <p:txBody>
@@ -4946,39 +7440,39 @@
           <a:lstStyle>
             <a:lvl1pPr marL="0" indent="0">
               <a:buNone/>
-              <a:defRPr sz="1600"/>
+              <a:defRPr sz="1400"/>
             </a:lvl1pPr>
             <a:lvl2pPr marL="457200" indent="0">
               <a:buNone/>
-              <a:defRPr sz="1400"/>
+              <a:defRPr sz="1200"/>
             </a:lvl2pPr>
             <a:lvl3pPr marL="914400" indent="0">
               <a:buNone/>
-              <a:defRPr sz="1200"/>
+              <a:defRPr sz="1000"/>
             </a:lvl3pPr>
             <a:lvl4pPr marL="1371600" indent="0">
               <a:buNone/>
-              <a:defRPr sz="1000"/>
+              <a:defRPr sz="900"/>
             </a:lvl4pPr>
             <a:lvl5pPr marL="1828800" indent="0">
               <a:buNone/>
-              <a:defRPr sz="1000"/>
+              <a:defRPr sz="900"/>
             </a:lvl5pPr>
             <a:lvl6pPr marL="2286000" indent="0">
               <a:buNone/>
-              <a:defRPr sz="1000"/>
+              <a:defRPr sz="900"/>
             </a:lvl6pPr>
             <a:lvl7pPr marL="2743200" indent="0">
               <a:buNone/>
-              <a:defRPr sz="1000"/>
+              <a:defRPr sz="900"/>
             </a:lvl7pPr>
             <a:lvl8pPr marL="3200400" indent="0">
               <a:buNone/>
-              <a:defRPr sz="1000"/>
+              <a:defRPr sz="900"/>
             </a:lvl8pPr>
             <a:lvl9pPr marL="3657600" indent="0">
               <a:buNone/>
-              <a:defRPr sz="1000"/>
+              <a:defRPr sz="900"/>
             </a:lvl9pPr>
           </a:lstStyle>
           <a:p>
@@ -4992,13 +7486,7 @@
       </p:sp>
       <p:sp>
         <p:nvSpPr>
-          <p:cNvPr id="5" name="Plassholder for dato 4">
-            <a:extLst>
-              <a:ext uri="{FF2B5EF4-FFF2-40B4-BE49-F238E27FC236}">
-                <a16:creationId xmlns:a16="http://schemas.microsoft.com/office/drawing/2014/main" id="{E4D53AE3-614E-489B-A1CB-3FB36D7C8B5B}"/>
-              </a:ext>
-            </a:extLst>
-          </p:cNvPr>
+          <p:cNvPr id="7" name="Date Placeholder 4"/>
           <p:cNvSpPr>
             <a:spLocks noGrp="1"/>
           </p:cNvSpPr>
@@ -5013,7 +7501,7 @@
           <a:p>
             <a:fld id="{4673FE56-53A5-4307-B55A-C5E78E8654B2}" type="datetimeFigureOut">
               <a:rPr lang="nb-NO" smtClean="0"/>
-              <a:t>19.02.2019</a:t>
+              <a:t>20.02.2019</a:t>
             </a:fld>
             <a:endParaRPr lang="nb-NO"/>
           </a:p>
@@ -5021,13 +7509,7 @@
       </p:sp>
       <p:sp>
         <p:nvSpPr>
-          <p:cNvPr id="6" name="Plassholder for bunntekst 5">
-            <a:extLst>
-              <a:ext uri="{FF2B5EF4-FFF2-40B4-BE49-F238E27FC236}">
-                <a16:creationId xmlns:a16="http://schemas.microsoft.com/office/drawing/2014/main" id="{EAD81A1F-C5D6-4A4F-A9FD-8E46F3A9180B}"/>
-              </a:ext>
-            </a:extLst>
-          </p:cNvPr>
+          <p:cNvPr id="5" name="Footer Placeholder 5"/>
           <p:cNvSpPr>
             <a:spLocks noGrp="1"/>
           </p:cNvSpPr>
@@ -5046,13 +7528,7 @@
       </p:sp>
       <p:sp>
         <p:nvSpPr>
-          <p:cNvPr id="7" name="Plassholder for lysbildenummer 6">
-            <a:extLst>
-              <a:ext uri="{FF2B5EF4-FFF2-40B4-BE49-F238E27FC236}">
-                <a16:creationId xmlns:a16="http://schemas.microsoft.com/office/drawing/2014/main" id="{8A9BD8FC-BD4C-4EEC-B239-17C5DFB8B220}"/>
-              </a:ext>
-            </a:extLst>
-          </p:cNvPr>
+          <p:cNvPr id="6" name="Slide Number Placeholder 6"/>
           <p:cNvSpPr>
             <a:spLocks noGrp="1"/>
           </p:cNvSpPr>
@@ -5076,7 +7552,7 @@
     </p:spTree>
     <p:extLst>
       <p:ext uri="{BB962C8B-B14F-4D97-AF65-F5344CB8AC3E}">
-        <p14:creationId xmlns:p14="http://schemas.microsoft.com/office/powerpoint/2010/main" val="458260553"/>
+        <p14:creationId xmlns:p14="http://schemas.microsoft.com/office/powerpoint/2010/main" val="2797275640"/>
       </p:ext>
     </p:extLst>
   </p:cSld>
@@ -5105,13 +7581,7 @@
       </p:grpSpPr>
       <p:sp>
         <p:nvSpPr>
-          <p:cNvPr id="2" name="Tittel 1">
-            <a:extLst>
-              <a:ext uri="{FF2B5EF4-FFF2-40B4-BE49-F238E27FC236}">
-                <a16:creationId xmlns:a16="http://schemas.microsoft.com/office/drawing/2014/main" id="{8402C01A-D6B3-4228-BF66-4C1A71B0EABF}"/>
-              </a:ext>
-            </a:extLst>
-          </p:cNvPr>
+          <p:cNvPr id="2" name="Title 1"/>
           <p:cNvSpPr>
             <a:spLocks noGrp="1"/>
           </p:cNvSpPr>
@@ -5121,15 +7591,17 @@
         </p:nvSpPr>
         <p:spPr>
           <a:xfrm>
-            <a:off x="839788" y="457200"/>
-            <a:ext cx="3932237" cy="1600200"/>
+            <a:off x="1153907" y="1854192"/>
+            <a:ext cx="5092906" cy="1574808"/>
           </a:xfrm>
         </p:spPr>
         <p:txBody>
-          <a:bodyPr anchor="b"/>
+          <a:bodyPr anchor="b">
+            <a:normAutofit/>
+          </a:bodyPr>
           <a:lstStyle>
-            <a:lvl1pPr>
-              <a:defRPr sz="3200"/>
+            <a:lvl1pPr algn="l">
+              <a:defRPr sz="3600" b="0"/>
             </a:lvl1pPr>
           </a:lstStyle>
           <a:p>
@@ -5137,20 +7609,15 @@
               <a:rPr lang="nb-NO"/>
               <a:t>Klikk for å redigere tittelstil</a:t>
             </a:r>
-          </a:p>
-        </p:txBody>
-      </p:sp>
-      <p:sp>
-        <p:nvSpPr>
-          <p:cNvPr id="3" name="Plassholder for bilde 2">
-            <a:extLst>
-              <a:ext uri="{FF2B5EF4-FFF2-40B4-BE49-F238E27FC236}">
-                <a16:creationId xmlns:a16="http://schemas.microsoft.com/office/drawing/2014/main" id="{8D0D3F1D-6F99-4492-A29C-A4EBC9E4B8BF}"/>
-              </a:ext>
-            </a:extLst>
-          </p:cNvPr>
-          <p:cNvSpPr>
-            <a:spLocks noGrp="1"/>
+            <a:endParaRPr lang="en-US" dirty="0"/>
+          </a:p>
+        </p:txBody>
+      </p:sp>
+      <p:sp>
+        <p:nvSpPr>
+          <p:cNvPr id="3" name="Picture Placeholder 2"/>
+          <p:cNvSpPr>
+            <a:spLocks noGrp="1" noChangeAspect="1"/>
           </p:cNvSpPr>
           <p:nvPr>
             <p:ph type="pic" idx="1"/>
@@ -5158,118 +7625,132 @@
         </p:nvSpPr>
         <p:spPr>
           <a:xfrm>
-            <a:off x="5183188" y="987425"/>
-            <a:ext cx="6172200" cy="4873625"/>
+            <a:off x="6949546" y="1143000"/>
+            <a:ext cx="3200400" cy="4572000"/>
           </a:xfrm>
+          <a:prstGeom prst="roundRect">
+            <a:avLst>
+              <a:gd name="adj" fmla="val 1858"/>
+            </a:avLst>
+          </a:prstGeom>
+          <a:effectLst>
+            <a:outerShdw blurRad="50800" dist="50800" dir="5400000" algn="tl" rotWithShape="0">
+              <a:srgbClr val="000000">
+                <a:alpha val="43000"/>
+              </a:srgbClr>
+            </a:outerShdw>
+          </a:effectLst>
         </p:spPr>
         <p:txBody>
-          <a:bodyPr/>
+          <a:bodyPr anchor="t">
+            <a:normAutofit/>
+          </a:bodyPr>
           <a:lstStyle>
-            <a:lvl1pPr marL="0" indent="0">
-              <a:buNone/>
-              <a:defRPr sz="3200"/>
-            </a:lvl1pPr>
-            <a:lvl2pPr marL="457200" indent="0">
-              <a:buNone/>
-              <a:defRPr sz="2800"/>
-            </a:lvl2pPr>
-            <a:lvl3pPr marL="914400" indent="0">
-              <a:buNone/>
-              <a:defRPr sz="2400"/>
-            </a:lvl3pPr>
-            <a:lvl4pPr marL="1371600" indent="0">
-              <a:buNone/>
-              <a:defRPr sz="2000"/>
-            </a:lvl4pPr>
-            <a:lvl5pPr marL="1828800" indent="0">
-              <a:buNone/>
-              <a:defRPr sz="2000"/>
-            </a:lvl5pPr>
-            <a:lvl6pPr marL="2286000" indent="0">
-              <a:buNone/>
-              <a:defRPr sz="2000"/>
-            </a:lvl6pPr>
-            <a:lvl7pPr marL="2743200" indent="0">
-              <a:buNone/>
-              <a:defRPr sz="2000"/>
-            </a:lvl7pPr>
-            <a:lvl8pPr marL="3200400" indent="0">
-              <a:buNone/>
-              <a:defRPr sz="2000"/>
-            </a:lvl8pPr>
-            <a:lvl9pPr marL="3657600" indent="0">
-              <a:buNone/>
-              <a:defRPr sz="2000"/>
-            </a:lvl9pPr>
-          </a:lstStyle>
-          <a:p>
-            <a:endParaRPr lang="nb-NO"/>
-          </a:p>
-        </p:txBody>
-      </p:sp>
-      <p:sp>
-        <p:nvSpPr>
-          <p:cNvPr id="4" name="Plassholder for tekst 3">
-            <a:extLst>
-              <a:ext uri="{FF2B5EF4-FFF2-40B4-BE49-F238E27FC236}">
-                <a16:creationId xmlns:a16="http://schemas.microsoft.com/office/drawing/2014/main" id="{6DC23A2B-533E-4C36-9927-6EFC5FD571A0}"/>
-              </a:ext>
-            </a:extLst>
-          </p:cNvPr>
-          <p:cNvSpPr>
-            <a:spLocks noGrp="1"/>
-          </p:cNvSpPr>
-          <p:nvPr>
-            <p:ph type="body" sz="half" idx="2"/>
-          </p:nvPr>
-        </p:nvSpPr>
-        <p:spPr>
-          <a:xfrm>
-            <a:off x="839788" y="2057400"/>
-            <a:ext cx="3932237" cy="3811588"/>
-          </a:xfrm>
-        </p:spPr>
-        <p:txBody>
-          <a:bodyPr/>
-          <a:lstStyle>
-            <a:lvl1pPr marL="0" indent="0">
+            <a:lvl1pPr marL="0" indent="0" algn="ctr">
               <a:buNone/>
               <a:defRPr sz="1600"/>
             </a:lvl1pPr>
             <a:lvl2pPr marL="457200" indent="0">
               <a:buNone/>
-              <a:defRPr sz="1400"/>
+              <a:defRPr sz="1600"/>
             </a:lvl2pPr>
             <a:lvl3pPr marL="914400" indent="0">
               <a:buNone/>
-              <a:defRPr sz="1200"/>
+              <a:defRPr sz="1600"/>
             </a:lvl3pPr>
             <a:lvl4pPr marL="1371600" indent="0">
               <a:buNone/>
-              <a:defRPr sz="1000"/>
+              <a:defRPr sz="1600"/>
             </a:lvl4pPr>
             <a:lvl5pPr marL="1828800" indent="0">
               <a:buNone/>
-              <a:defRPr sz="1000"/>
+              <a:defRPr sz="1600"/>
             </a:lvl5pPr>
             <a:lvl6pPr marL="2286000" indent="0">
               <a:buNone/>
-              <a:defRPr sz="1000"/>
+              <a:defRPr sz="1600"/>
             </a:lvl6pPr>
             <a:lvl7pPr marL="2743200" indent="0">
               <a:buNone/>
-              <a:defRPr sz="1000"/>
+              <a:defRPr sz="1600"/>
             </a:lvl7pPr>
             <a:lvl8pPr marL="3200400" indent="0">
               <a:buNone/>
-              <a:defRPr sz="1000"/>
+              <a:defRPr sz="1600"/>
             </a:lvl8pPr>
             <a:lvl9pPr marL="3657600" indent="0">
               <a:buNone/>
-              <a:defRPr sz="1000"/>
+              <a:defRPr sz="1600"/>
             </a:lvl9pPr>
           </a:lstStyle>
           <a:p>
+            <a:r>
+              <a:rPr lang="nb-NO"/>
+              <a:t>Klikk på ikonet for å legge til et bilde</a:t>
+            </a:r>
+            <a:endParaRPr lang="en-US" dirty="0"/>
+          </a:p>
+        </p:txBody>
+      </p:sp>
+      <p:sp>
+        <p:nvSpPr>
+          <p:cNvPr id="4" name="Text Placeholder 3"/>
+          <p:cNvSpPr>
+            <a:spLocks noGrp="1"/>
+          </p:cNvSpPr>
+          <p:nvPr>
+            <p:ph type="body" sz="half" idx="2"/>
+          </p:nvPr>
+        </p:nvSpPr>
+        <p:spPr>
+          <a:xfrm>
+            <a:off x="1154954" y="3657600"/>
+            <a:ext cx="5084979" cy="1371600"/>
+          </a:xfrm>
+        </p:spPr>
+        <p:txBody>
+          <a:bodyPr>
+            <a:normAutofit/>
+          </a:bodyPr>
+          <a:lstStyle>
+            <a:lvl1pPr marL="0" indent="0">
+              <a:buNone/>
+              <a:defRPr sz="1400"/>
+            </a:lvl1pPr>
+            <a:lvl2pPr marL="457200" indent="0">
+              <a:buNone/>
+              <a:defRPr sz="1200"/>
+            </a:lvl2pPr>
+            <a:lvl3pPr marL="914400" indent="0">
+              <a:buNone/>
+              <a:defRPr sz="1000"/>
+            </a:lvl3pPr>
+            <a:lvl4pPr marL="1371600" indent="0">
+              <a:buNone/>
+              <a:defRPr sz="900"/>
+            </a:lvl4pPr>
+            <a:lvl5pPr marL="1828800" indent="0">
+              <a:buNone/>
+              <a:defRPr sz="900"/>
+            </a:lvl5pPr>
+            <a:lvl6pPr marL="2286000" indent="0">
+              <a:buNone/>
+              <a:defRPr sz="900"/>
+            </a:lvl6pPr>
+            <a:lvl7pPr marL="2743200" indent="0">
+              <a:buNone/>
+              <a:defRPr sz="900"/>
+            </a:lvl7pPr>
+            <a:lvl8pPr marL="3200400" indent="0">
+              <a:buNone/>
+              <a:defRPr sz="900"/>
+            </a:lvl8pPr>
+            <a:lvl9pPr marL="3657600" indent="0">
+              <a:buNone/>
+              <a:defRPr sz="900"/>
+            </a:lvl9pPr>
+          </a:lstStyle>
+          <a:p>
             <a:pPr lvl="0"/>
             <a:r>
               <a:rPr lang="nb-NO"/>
@@ -5280,13 +7761,7 @@
       </p:sp>
       <p:sp>
         <p:nvSpPr>
-          <p:cNvPr id="5" name="Plassholder for dato 4">
-            <a:extLst>
-              <a:ext uri="{FF2B5EF4-FFF2-40B4-BE49-F238E27FC236}">
-                <a16:creationId xmlns:a16="http://schemas.microsoft.com/office/drawing/2014/main" id="{F98B70F9-AC4F-42AC-8FEF-3ED7F6778077}"/>
-              </a:ext>
-            </a:extLst>
-          </p:cNvPr>
+          <p:cNvPr id="5" name="Date Placeholder 4"/>
           <p:cNvSpPr>
             <a:spLocks noGrp="1"/>
           </p:cNvSpPr>
@@ -5301,7 +7776,7 @@
           <a:p>
             <a:fld id="{4673FE56-53A5-4307-B55A-C5E78E8654B2}" type="datetimeFigureOut">
               <a:rPr lang="nb-NO" smtClean="0"/>
-              <a:t>19.02.2019</a:t>
+              <a:t>20.02.2019</a:t>
             </a:fld>
             <a:endParaRPr lang="nb-NO"/>
           </a:p>
@@ -5309,13 +7784,7 @@
       </p:sp>
       <p:sp>
         <p:nvSpPr>
-          <p:cNvPr id="6" name="Plassholder for bunntekst 5">
-            <a:extLst>
-              <a:ext uri="{FF2B5EF4-FFF2-40B4-BE49-F238E27FC236}">
-                <a16:creationId xmlns:a16="http://schemas.microsoft.com/office/drawing/2014/main" id="{F20C62B4-E07C-4F1F-93CD-D80818E0F03C}"/>
-              </a:ext>
-            </a:extLst>
-          </p:cNvPr>
+          <p:cNvPr id="6" name="Footer Placeholder 5"/>
           <p:cNvSpPr>
             <a:spLocks noGrp="1"/>
           </p:cNvSpPr>
@@ -5334,13 +7803,7 @@
       </p:sp>
       <p:sp>
         <p:nvSpPr>
-          <p:cNvPr id="7" name="Plassholder for lysbildenummer 6">
-            <a:extLst>
-              <a:ext uri="{FF2B5EF4-FFF2-40B4-BE49-F238E27FC236}">
-                <a16:creationId xmlns:a16="http://schemas.microsoft.com/office/drawing/2014/main" id="{E8010D04-3599-44D8-B243-4E35B127D6CC}"/>
-              </a:ext>
-            </a:extLst>
-          </p:cNvPr>
+          <p:cNvPr id="7" name="Slide Number Placeholder 6"/>
           <p:cNvSpPr>
             <a:spLocks noGrp="1"/>
           </p:cNvSpPr>
@@ -5364,7 +7827,7 @@
     </p:spTree>
     <p:extLst>
       <p:ext uri="{BB962C8B-B14F-4D97-AF65-F5344CB8AC3E}">
-        <p14:creationId xmlns:p14="http://schemas.microsoft.com/office/powerpoint/2010/main" val="3814749241"/>
+        <p14:creationId xmlns:p14="http://schemas.microsoft.com/office/powerpoint/2010/main" val="887720607"/>
       </p:ext>
     </p:extLst>
   </p:cSld>
@@ -5378,8 +7841,8 @@
 <p:sldMaster xmlns:a="http://schemas.openxmlformats.org/drawingml/2006/main" xmlns:r="http://schemas.openxmlformats.org/officeDocument/2006/relationships" xmlns:p="http://schemas.openxmlformats.org/presentationml/2006/main">
   <p:cSld>
     <p:bg>
-      <p:bgRef idx="1001">
-        <a:schemeClr val="bg1"/>
+      <p:bgRef idx="1003">
+        <a:schemeClr val="bg2"/>
       </p:bgRef>
     </p:bg>
     <p:spTree>
@@ -5396,141 +7859,420 @@
           <a:chExt cx="0" cy="0"/>
         </a:xfrm>
       </p:grpSpPr>
-      <p:sp>
-        <p:nvSpPr>
-          <p:cNvPr id="2" name="Plassholder for tittel 1">
+      <p:pic>
+        <p:nvPicPr>
+          <p:cNvPr id="8" name="Picture 7"/>
+          <p:cNvPicPr>
+            <a:picLocks noChangeAspect="1"/>
+          </p:cNvPicPr>
+          <p:nvPr/>
+        </p:nvPicPr>
+        <p:blipFill rotWithShape="1">
+          <a:blip r:embed="rId19">
             <a:extLst>
-              <a:ext uri="{FF2B5EF4-FFF2-40B4-BE49-F238E27FC236}">
-                <a16:creationId xmlns:a16="http://schemas.microsoft.com/office/drawing/2014/main" id="{483EC89A-AFB5-4C0F-9FDB-07B141916CB9}"/>
+              <a:ext uri="{28A0092B-C50C-407E-A947-70E740481C1C}">
+                <a14:useLocalDpi xmlns:a14="http://schemas.microsoft.com/office/drawing/2010/main" val="0"/>
               </a:ext>
             </a:extLst>
-          </p:cNvPr>
-          <p:cNvSpPr>
-            <a:spLocks noGrp="1"/>
-          </p:cNvSpPr>
-          <p:nvPr>
-            <p:ph type="title"/>
-          </p:nvPr>
-        </p:nvSpPr>
+          </a:blip>
+          <a:srcRect l="3613"/>
+          <a:stretch/>
+        </p:blipFill>
         <p:spPr>
           <a:xfrm>
-            <a:off x="838200" y="365125"/>
-            <a:ext cx="10515600" cy="1325563"/>
+            <a:off x="0" y="2669685"/>
+            <a:ext cx="4037012" cy="4188315"/>
           </a:xfrm>
           <a:prstGeom prst="rect">
             <a:avLst/>
           </a:prstGeom>
         </p:spPr>
-        <p:txBody>
-          <a:bodyPr vert="horz" lIns="91440" tIns="45720" rIns="91440" bIns="45720" rtlCol="0" anchor="ctr">
-            <a:normAutofit/>
-          </a:bodyPr>
-          <a:lstStyle/>
-          <a:p>
-            <a:r>
-              <a:rPr lang="nb-NO"/>
-              <a:t>Klikk for å redigere tittelstil</a:t>
-            </a:r>
-          </a:p>
-        </p:txBody>
-      </p:sp>
-      <p:sp>
-        <p:nvSpPr>
-          <p:cNvPr id="3" name="Plassholder for tekst 2">
+      </p:pic>
+      <p:pic>
+        <p:nvPicPr>
+          <p:cNvPr id="7" name="Picture 6"/>
+          <p:cNvPicPr>
+            <a:picLocks noChangeAspect="1"/>
+          </p:cNvPicPr>
+          <p:nvPr/>
+        </p:nvPicPr>
+        <p:blipFill rotWithShape="1">
+          <a:blip r:embed="rId20">
             <a:extLst>
-              <a:ext uri="{FF2B5EF4-FFF2-40B4-BE49-F238E27FC236}">
-                <a16:creationId xmlns:a16="http://schemas.microsoft.com/office/drawing/2014/main" id="{EAD17F69-57F3-4621-B7BF-9E92A35201E0}"/>
+              <a:ext uri="{28A0092B-C50C-407E-A947-70E740481C1C}">
+                <a14:useLocalDpi xmlns:a14="http://schemas.microsoft.com/office/drawing/2010/main" val="0"/>
               </a:ext>
             </a:extLst>
-          </p:cNvPr>
-          <p:cNvSpPr>
-            <a:spLocks noGrp="1"/>
-          </p:cNvSpPr>
-          <p:nvPr>
-            <p:ph type="body" idx="1"/>
-          </p:nvPr>
-        </p:nvSpPr>
+          </a:blip>
+          <a:srcRect l="35640"/>
+          <a:stretch/>
+        </p:blipFill>
         <p:spPr>
           <a:xfrm>
-            <a:off x="838200" y="1825625"/>
-            <a:ext cx="10515600" cy="4351338"/>
+            <a:off x="0" y="2892347"/>
+            <a:ext cx="1522412" cy="2365453"/>
           </a:xfrm>
           <a:prstGeom prst="rect">
             <a:avLst/>
           </a:prstGeom>
         </p:spPr>
-        <p:txBody>
-          <a:bodyPr vert="horz" lIns="91440" tIns="45720" rIns="91440" bIns="45720" rtlCol="0">
-            <a:normAutofit/>
-          </a:bodyPr>
-          <a:lstStyle/>
-          <a:p>
-            <a:pPr lvl="0"/>
-            <a:r>
-              <a:rPr lang="nb-NO"/>
-              <a:t>Rediger tekststiler i malen</a:t>
-            </a:r>
-          </a:p>
-          <a:p>
-            <a:pPr lvl="1"/>
-            <a:r>
-              <a:rPr lang="nb-NO"/>
-              <a:t>Andre nivå</a:t>
-            </a:r>
-          </a:p>
-          <a:p>
-            <a:pPr lvl="2"/>
-            <a:r>
-              <a:rPr lang="nb-NO"/>
-              <a:t>Tredje nivå</a:t>
-            </a:r>
-          </a:p>
-          <a:p>
-            <a:pPr lvl="3"/>
-            <a:r>
-              <a:rPr lang="nb-NO"/>
-              <a:t>Fjerde nivå</a:t>
-            </a:r>
-          </a:p>
-          <a:p>
-            <a:pPr lvl="4"/>
-            <a:r>
-              <a:rPr lang="nb-NO"/>
-              <a:t>Femte nivå</a:t>
-            </a:r>
-          </a:p>
-        </p:txBody>
-      </p:sp>
-      <p:sp>
-        <p:nvSpPr>
-          <p:cNvPr id="4" name="Plassholder for dato 3">
+      </p:pic>
+      <p:sp>
+        <p:nvSpPr>
+          <p:cNvPr id="16" name="Oval 15"/>
+          <p:cNvSpPr/>
+          <p:nvPr/>
+        </p:nvSpPr>
+        <p:spPr>
+          <a:xfrm>
+            <a:off x="8609012" y="1676400"/>
+            <a:ext cx="2819400" cy="2819400"/>
+          </a:xfrm>
+          <a:prstGeom prst="ellipse">
+            <a:avLst/>
+          </a:prstGeom>
+          <a:gradFill flip="none" rotWithShape="1">
+            <a:gsLst>
+              <a:gs pos="0">
+                <a:schemeClr val="bg2">
+                  <a:lumMod val="60000"/>
+                  <a:lumOff val="40000"/>
+                  <a:alpha val="7000"/>
+                </a:schemeClr>
+              </a:gs>
+              <a:gs pos="69000">
+                <a:schemeClr val="bg2">
+                  <a:lumMod val="60000"/>
+                  <a:lumOff val="40000"/>
+                  <a:alpha val="0"/>
+                </a:schemeClr>
+              </a:gs>
+              <a:gs pos="36000">
+                <a:schemeClr val="bg2">
+                  <a:lumMod val="60000"/>
+                  <a:lumOff val="40000"/>
+                  <a:alpha val="6000"/>
+                </a:schemeClr>
+              </a:gs>
+            </a:gsLst>
+            <a:path path="circle">
+              <a:fillToRect l="50000" t="50000" r="50000" b="50000"/>
+            </a:path>
+            <a:tileRect/>
+          </a:gradFill>
+          <a:ln>
+            <a:noFill/>
+          </a:ln>
+          <a:effectLst/>
+        </p:spPr>
+        <p:style>
+          <a:lnRef idx="1">
+            <a:schemeClr val="accent1"/>
+          </a:lnRef>
+          <a:fillRef idx="3">
+            <a:schemeClr val="accent1"/>
+          </a:fillRef>
+          <a:effectRef idx="2">
+            <a:schemeClr val="accent1"/>
+          </a:effectRef>
+          <a:fontRef idx="minor">
+            <a:schemeClr val="lt1"/>
+          </a:fontRef>
+        </p:style>
+      </p:sp>
+      <p:pic>
+        <p:nvPicPr>
+          <p:cNvPr id="9" name="Picture 8"/>
+          <p:cNvPicPr>
+            <a:picLocks noChangeAspect="1"/>
+          </p:cNvPicPr>
+          <p:nvPr/>
+        </p:nvPicPr>
+        <p:blipFill rotWithShape="1">
+          <a:blip r:embed="rId21">
             <a:extLst>
-              <a:ext uri="{FF2B5EF4-FFF2-40B4-BE49-F238E27FC236}">
-                <a16:creationId xmlns:a16="http://schemas.microsoft.com/office/drawing/2014/main" id="{6212759B-94E6-40F6-AA7D-754757A5067E}"/>
+              <a:ext uri="{28A0092B-C50C-407E-A947-70E740481C1C}">
+                <a14:useLocalDpi xmlns:a14="http://schemas.microsoft.com/office/drawing/2010/main" val="0"/>
               </a:ext>
             </a:extLst>
-          </p:cNvPr>
-          <p:cNvSpPr>
-            <a:spLocks noGrp="1"/>
-          </p:cNvSpPr>
-          <p:nvPr>
-            <p:ph type="dt" sz="half" idx="2"/>
-          </p:nvPr>
-        </p:nvSpPr>
+          </a:blip>
+          <a:srcRect t="28813"/>
+          <a:stretch/>
+        </p:blipFill>
         <p:spPr>
           <a:xfrm>
-            <a:off x="838200" y="6356350"/>
-            <a:ext cx="2743200" cy="365125"/>
+            <a:off x="7999412" y="0"/>
+            <a:ext cx="1603387" cy="1141407"/>
           </a:xfrm>
           <a:prstGeom prst="rect">
             <a:avLst/>
           </a:prstGeom>
         </p:spPr>
-        <p:txBody>
-          <a:bodyPr vert="horz" lIns="91440" tIns="45720" rIns="91440" bIns="45720" rtlCol="0" anchor="ctr"/>
+      </p:pic>
+      <p:pic>
+        <p:nvPicPr>
+          <p:cNvPr id="10" name="Picture 9"/>
+          <p:cNvPicPr>
+            <a:picLocks noChangeAspect="1"/>
+          </p:cNvPicPr>
+          <p:nvPr/>
+        </p:nvPicPr>
+        <p:blipFill rotWithShape="1">
+          <a:blip r:embed="rId22">
+            <a:extLst>
+              <a:ext uri="{28A0092B-C50C-407E-A947-70E740481C1C}">
+                <a14:useLocalDpi xmlns:a14="http://schemas.microsoft.com/office/drawing/2010/main" val="0"/>
+              </a:ext>
+            </a:extLst>
+          </a:blip>
+          <a:srcRect b="23320"/>
+          <a:stretch/>
+        </p:blipFill>
+        <p:spPr>
+          <a:xfrm>
+            <a:off x="8605878" y="6096000"/>
+            <a:ext cx="993734" cy="762000"/>
+          </a:xfrm>
+          <a:prstGeom prst="rect">
+            <a:avLst/>
+          </a:prstGeom>
+        </p:spPr>
+      </p:pic>
+      <p:sp>
+        <p:nvSpPr>
+          <p:cNvPr id="14" name="Rectangle 13"/>
+          <p:cNvSpPr/>
+          <p:nvPr/>
+        </p:nvSpPr>
+        <p:spPr>
+          <a:xfrm>
+            <a:off x="10437812" y="0"/>
+            <a:ext cx="685800" cy="1143000"/>
+          </a:xfrm>
+          <a:prstGeom prst="rect">
+            <a:avLst/>
+          </a:prstGeom>
+          <a:solidFill>
+            <a:schemeClr val="accent1"/>
+          </a:solidFill>
+          <a:ln>
+            <a:noFill/>
+          </a:ln>
+        </p:spPr>
+        <p:style>
+          <a:lnRef idx="1">
+            <a:schemeClr val="accent1"/>
+          </a:lnRef>
+          <a:fillRef idx="3">
+            <a:schemeClr val="accent1"/>
+          </a:fillRef>
+          <a:effectRef idx="2">
+            <a:schemeClr val="accent1"/>
+          </a:effectRef>
+          <a:fontRef idx="minor">
+            <a:schemeClr val="lt1"/>
+          </a:fontRef>
+        </p:style>
+      </p:sp>
+      <p:sp>
+        <p:nvSpPr>
+          <p:cNvPr id="2" name="Title Placeholder 1"/>
+          <p:cNvSpPr>
+            <a:spLocks noGrp="1"/>
+          </p:cNvSpPr>
+          <p:nvPr>
+            <p:ph type="title"/>
+          </p:nvPr>
+        </p:nvSpPr>
+        <p:spPr>
+          <a:xfrm>
+            <a:off x="646111" y="452718"/>
+            <a:ext cx="9404723" cy="1400530"/>
+          </a:xfrm>
+          <a:prstGeom prst="rect">
+            <a:avLst/>
+          </a:prstGeom>
+        </p:spPr>
+        <p:txBody>
+          <a:bodyPr vert="horz" lIns="91440" tIns="45720" rIns="91440" bIns="45720" rtlCol="0" anchor="t">
+            <a:noAutofit/>
+          </a:bodyPr>
+          <a:lstStyle/>
+          <a:p>
+            <a:r>
+              <a:rPr lang="nb-NO"/>
+              <a:t>Klikk for å redigere tittelstil</a:t>
+            </a:r>
+            <a:endParaRPr lang="en-US" dirty="0"/>
+          </a:p>
+        </p:txBody>
+      </p:sp>
+      <p:sp>
+        <p:nvSpPr>
+          <p:cNvPr id="3" name="Text Placeholder 2"/>
+          <p:cNvSpPr>
+            <a:spLocks noGrp="1"/>
+          </p:cNvSpPr>
+          <p:nvPr>
+            <p:ph type="body" idx="1"/>
+          </p:nvPr>
+        </p:nvSpPr>
+        <p:spPr>
+          <a:xfrm>
+            <a:off x="1103312" y="2052918"/>
+            <a:ext cx="8946541" cy="4195481"/>
+          </a:xfrm>
+          <a:prstGeom prst="rect">
+            <a:avLst/>
+          </a:prstGeom>
+        </p:spPr>
+        <p:txBody>
+          <a:bodyPr vert="horz" lIns="91440" tIns="45720" rIns="91440" bIns="45720" rtlCol="0">
+            <a:normAutofit/>
+          </a:bodyPr>
+          <a:lstStyle/>
+          <a:p>
+            <a:pPr lvl="0"/>
+            <a:r>
+              <a:rPr lang="nb-NO"/>
+              <a:t>Rediger tekststiler i malen</a:t>
+            </a:r>
+          </a:p>
+          <a:p>
+            <a:pPr lvl="1"/>
+            <a:r>
+              <a:rPr lang="nb-NO"/>
+              <a:t>Andre nivå</a:t>
+            </a:r>
+          </a:p>
+          <a:p>
+            <a:pPr lvl="2"/>
+            <a:r>
+              <a:rPr lang="nb-NO"/>
+              <a:t>Tredje nivå</a:t>
+            </a:r>
+          </a:p>
+          <a:p>
+            <a:pPr lvl="3"/>
+            <a:r>
+              <a:rPr lang="nb-NO"/>
+              <a:t>Fjerde nivå</a:t>
+            </a:r>
+          </a:p>
+          <a:p>
+            <a:pPr lvl="4"/>
+            <a:r>
+              <a:rPr lang="nb-NO"/>
+              <a:t>Femte nivå</a:t>
+            </a:r>
+            <a:endParaRPr lang="en-US" dirty="0"/>
+          </a:p>
+        </p:txBody>
+      </p:sp>
+      <p:sp>
+        <p:nvSpPr>
+          <p:cNvPr id="4" name="Date Placeholder 3"/>
+          <p:cNvSpPr>
+            <a:spLocks noGrp="1"/>
+          </p:cNvSpPr>
+          <p:nvPr>
+            <p:ph type="dt" sz="half" idx="2"/>
+          </p:nvPr>
+        </p:nvSpPr>
+        <p:spPr>
+          <a:xfrm rot="5400000">
+            <a:off x="10155639" y="1790701"/>
+            <a:ext cx="990599" cy="304799"/>
+          </a:xfrm>
+          <a:prstGeom prst="rect">
+            <a:avLst/>
+          </a:prstGeom>
+        </p:spPr>
+        <p:txBody>
+          <a:bodyPr vert="horz" lIns="91440" tIns="45720" rIns="91440" bIns="45720" rtlCol="0" anchor="t"/>
           <a:lstStyle>
             <a:lvl1pPr algn="l">
-              <a:defRPr sz="1200">
+              <a:defRPr sz="1100" b="0" i="0">
+                <a:solidFill>
+                  <a:schemeClr val="tx1">
+                    <a:tint val="75000"/>
+                    <a:alpha val="60000"/>
+                  </a:schemeClr>
+                </a:solidFill>
+              </a:defRPr>
+            </a:lvl1pPr>
+          </a:lstStyle>
+          <a:p>
+            <a:fld id="{4673FE56-53A5-4307-B55A-C5E78E8654B2}" type="datetimeFigureOut">
+              <a:rPr lang="nb-NO" smtClean="0"/>
+              <a:t>20.02.2019</a:t>
+            </a:fld>
+            <a:endParaRPr lang="nb-NO"/>
+          </a:p>
+        </p:txBody>
+      </p:sp>
+      <p:sp>
+        <p:nvSpPr>
+          <p:cNvPr id="5" name="Footer Placeholder 4"/>
+          <p:cNvSpPr>
+            <a:spLocks noGrp="1"/>
+          </p:cNvSpPr>
+          <p:nvPr>
+            <p:ph type="ftr" sz="quarter" idx="3"/>
+          </p:nvPr>
+        </p:nvSpPr>
+        <p:spPr>
+          <a:xfrm rot="5400000">
+            <a:off x="8951573" y="3225297"/>
+            <a:ext cx="3859795" cy="304801"/>
+          </a:xfrm>
+          <a:prstGeom prst="rect">
+            <a:avLst/>
+          </a:prstGeom>
+        </p:spPr>
+        <p:txBody>
+          <a:bodyPr vert="horz" lIns="91440" tIns="45720" rIns="91440" bIns="45720" rtlCol="0" anchor="b"/>
+          <a:lstStyle>
+            <a:lvl1pPr algn="l">
+              <a:defRPr sz="1100" b="0" i="0">
+                <a:solidFill>
+                  <a:schemeClr val="tx1">
+                    <a:tint val="75000"/>
+                    <a:alpha val="60000"/>
+                  </a:schemeClr>
+                </a:solidFill>
+              </a:defRPr>
+            </a:lvl1pPr>
+          </a:lstStyle>
+          <a:p>
+            <a:endParaRPr lang="nb-NO"/>
+          </a:p>
+        </p:txBody>
+      </p:sp>
+      <p:sp>
+        <p:nvSpPr>
+          <p:cNvPr id="6" name="Slide Number Placeholder 5"/>
+          <p:cNvSpPr>
+            <a:spLocks noGrp="1"/>
+          </p:cNvSpPr>
+          <p:nvPr>
+            <p:ph type="sldNum" sz="quarter" idx="4"/>
+          </p:nvPr>
+        </p:nvSpPr>
+        <p:spPr bwMode="gray">
+          <a:xfrm>
+            <a:off x="10352540" y="295729"/>
+            <a:ext cx="838199" cy="767687"/>
+          </a:xfrm>
+          <a:prstGeom prst="rect">
+            <a:avLst/>
+          </a:prstGeom>
+        </p:spPr>
+        <p:txBody>
+          <a:bodyPr vert="horz" lIns="91440" tIns="45720" rIns="91440" bIns="45720" rtlCol="0" anchor="b"/>
+          <a:lstStyle>
+            <a:lvl1pPr algn="ctr">
+              <a:defRPr sz="2800" b="0" i="0">
                 <a:solidFill>
                   <a:schemeClr val="tx1">
                     <a:tint val="75000"/>
@@ -5540,96 +8282,6 @@
             </a:lvl1pPr>
           </a:lstStyle>
           <a:p>
-            <a:fld id="{4673FE56-53A5-4307-B55A-C5E78E8654B2}" type="datetimeFigureOut">
-              <a:rPr lang="nb-NO" smtClean="0"/>
-              <a:t>19.02.2019</a:t>
-            </a:fld>
-            <a:endParaRPr lang="nb-NO"/>
-          </a:p>
-        </p:txBody>
-      </p:sp>
-      <p:sp>
-        <p:nvSpPr>
-          <p:cNvPr id="5" name="Plassholder for bunntekst 4">
-            <a:extLst>
-              <a:ext uri="{FF2B5EF4-FFF2-40B4-BE49-F238E27FC236}">
-                <a16:creationId xmlns:a16="http://schemas.microsoft.com/office/drawing/2014/main" id="{42CAF5E9-3B11-49F0-B1FC-116849C07039}"/>
-              </a:ext>
-            </a:extLst>
-          </p:cNvPr>
-          <p:cNvSpPr>
-            <a:spLocks noGrp="1"/>
-          </p:cNvSpPr>
-          <p:nvPr>
-            <p:ph type="ftr" sz="quarter" idx="3"/>
-          </p:nvPr>
-        </p:nvSpPr>
-        <p:spPr>
-          <a:xfrm>
-            <a:off x="4038600" y="6356350"/>
-            <a:ext cx="4114800" cy="365125"/>
-          </a:xfrm>
-          <a:prstGeom prst="rect">
-            <a:avLst/>
-          </a:prstGeom>
-        </p:spPr>
-        <p:txBody>
-          <a:bodyPr vert="horz" lIns="91440" tIns="45720" rIns="91440" bIns="45720" rtlCol="0" anchor="ctr"/>
-          <a:lstStyle>
-            <a:lvl1pPr algn="ctr">
-              <a:defRPr sz="1200">
-                <a:solidFill>
-                  <a:schemeClr val="tx1">
-                    <a:tint val="75000"/>
-                  </a:schemeClr>
-                </a:solidFill>
-              </a:defRPr>
-            </a:lvl1pPr>
-          </a:lstStyle>
-          <a:p>
-            <a:endParaRPr lang="nb-NO"/>
-          </a:p>
-        </p:txBody>
-      </p:sp>
-      <p:sp>
-        <p:nvSpPr>
-          <p:cNvPr id="6" name="Plassholder for lysbildenummer 5">
-            <a:extLst>
-              <a:ext uri="{FF2B5EF4-FFF2-40B4-BE49-F238E27FC236}">
-                <a16:creationId xmlns:a16="http://schemas.microsoft.com/office/drawing/2014/main" id="{64747863-F0D9-488D-831F-A8F3C871F2EB}"/>
-              </a:ext>
-            </a:extLst>
-          </p:cNvPr>
-          <p:cNvSpPr>
-            <a:spLocks noGrp="1"/>
-          </p:cNvSpPr>
-          <p:nvPr>
-            <p:ph type="sldNum" sz="quarter" idx="4"/>
-          </p:nvPr>
-        </p:nvSpPr>
-        <p:spPr>
-          <a:xfrm>
-            <a:off x="8610600" y="6356350"/>
-            <a:ext cx="2743200" cy="365125"/>
-          </a:xfrm>
-          <a:prstGeom prst="rect">
-            <a:avLst/>
-          </a:prstGeom>
-        </p:spPr>
-        <p:txBody>
-          <a:bodyPr vert="horz" lIns="91440" tIns="45720" rIns="91440" bIns="45720" rtlCol="0" anchor="ctr"/>
-          <a:lstStyle>
-            <a:lvl1pPr algn="r">
-              <a:defRPr sz="1200">
-                <a:solidFill>
-                  <a:schemeClr val="tx1">
-                    <a:tint val="75000"/>
-                  </a:schemeClr>
-                </a:solidFill>
-              </a:defRPr>
-            </a:lvl1pPr>
-          </a:lstStyle>
-          <a:p>
             <a:fld id="{4308C321-FF5B-4C57-8A67-C24E8F82EF42}" type="slidenum">
               <a:rPr lang="nb-NO" smtClean="0"/>
               <a:t>‹#›</a:t>
@@ -5641,35 +8293,121 @@
     </p:spTree>
     <p:extLst>
       <p:ext uri="{BB962C8B-B14F-4D97-AF65-F5344CB8AC3E}">
-        <p14:creationId xmlns:p14="http://schemas.microsoft.com/office/powerpoint/2010/main" val="215309086"/>
+        <p14:creationId xmlns:p14="http://schemas.microsoft.com/office/powerpoint/2010/main" val="2771906049"/>
       </p:ext>
     </p:extLst>
   </p:cSld>
-  <p:clrMap bg1="lt1" tx1="dk1" bg2="lt2" tx2="dk2" accent1="accent1" accent2="accent2" accent3="accent3" accent4="accent4" accent5="accent5" accent6="accent6" hlink="hlink" folHlink="folHlink"/>
+  <p:clrMap bg1="dk1" tx1="lt1" bg2="dk2" tx2="lt2" accent1="accent1" accent2="accent2" accent3="accent3" accent4="accent4" accent5="accent5" accent6="accent6" hlink="hlink" folHlink="folHlink"/>
   <p:sldLayoutIdLst>
-    <p:sldLayoutId id="2147483649" r:id="rId1"/>
-    <p:sldLayoutId id="2147483650" r:id="rId2"/>
-    <p:sldLayoutId id="2147483651" r:id="rId3"/>
-    <p:sldLayoutId id="2147483652" r:id="rId4"/>
-    <p:sldLayoutId id="2147483653" r:id="rId5"/>
-    <p:sldLayoutId id="2147483654" r:id="rId6"/>
-    <p:sldLayoutId id="2147483655" r:id="rId7"/>
-    <p:sldLayoutId id="2147483656" r:id="rId8"/>
-    <p:sldLayoutId id="2147483657" r:id="rId9"/>
-    <p:sldLayoutId id="2147483658" r:id="rId10"/>
-    <p:sldLayoutId id="2147483659" r:id="rId11"/>
+    <p:sldLayoutId id="2147483661" r:id="rId1"/>
+    <p:sldLayoutId id="2147483662" r:id="rId2"/>
+    <p:sldLayoutId id="2147483663" r:id="rId3"/>
+    <p:sldLayoutId id="2147483664" r:id="rId4"/>
+    <p:sldLayoutId id="2147483665" r:id="rId5"/>
+    <p:sldLayoutId id="2147483666" r:id="rId6"/>
+    <p:sldLayoutId id="2147483667" r:id="rId7"/>
+    <p:sldLayoutId id="2147483668" r:id="rId8"/>
+    <p:sldLayoutId id="2147483669" r:id="rId9"/>
+    <p:sldLayoutId id="2147483670" r:id="rId10"/>
+    <p:sldLayoutId id="2147483671" r:id="rId11"/>
+    <p:sldLayoutId id="2147483672" r:id="rId12"/>
+    <p:sldLayoutId id="2147483673" r:id="rId13"/>
+    <p:sldLayoutId id="2147483674" r:id="rId14"/>
+    <p:sldLayoutId id="2147483675" r:id="rId15"/>
+    <p:sldLayoutId id="2147483676" r:id="rId16"/>
+    <p:sldLayoutId id="2147483677" r:id="rId17"/>
   </p:sldLayoutIdLst>
   <p:txStyles>
     <p:titleStyle>
-      <a:lvl1pPr algn="l" defTabSz="914400" rtl="0" eaLnBrk="1" latinLnBrk="0" hangingPunct="1">
-        <a:lnSpc>
-          <a:spcPct val="90000"/>
-        </a:lnSpc>
+      <a:lvl1pPr algn="l" defTabSz="457200" rtl="0" eaLnBrk="1" latinLnBrk="0" hangingPunct="1">
         <a:spcBef>
           <a:spcPct val="0"/>
         </a:spcBef>
         <a:buNone/>
-        <a:defRPr sz="4400" kern="1200">
+        <a:defRPr sz="4200" b="0" i="0" kern="1200">
+          <a:solidFill>
+            <a:schemeClr val="tx2"/>
+          </a:solidFill>
+          <a:latin typeface="+mj-lt"/>
+          <a:ea typeface="+mj-ea"/>
+          <a:cs typeface="+mj-cs"/>
+        </a:defRPr>
+      </a:lvl1pPr>
+      <a:lvl2pPr eaLnBrk="1" hangingPunct="1">
+        <a:defRPr>
+          <a:solidFill>
+            <a:schemeClr val="tx2"/>
+          </a:solidFill>
+        </a:defRPr>
+      </a:lvl2pPr>
+      <a:lvl3pPr eaLnBrk="1" hangingPunct="1">
+        <a:defRPr>
+          <a:solidFill>
+            <a:schemeClr val="tx2"/>
+          </a:solidFill>
+        </a:defRPr>
+      </a:lvl3pPr>
+      <a:lvl4pPr eaLnBrk="1" hangingPunct="1">
+        <a:defRPr>
+          <a:solidFill>
+            <a:schemeClr val="tx2"/>
+          </a:solidFill>
+        </a:defRPr>
+      </a:lvl4pPr>
+      <a:lvl5pPr eaLnBrk="1" hangingPunct="1">
+        <a:defRPr>
+          <a:solidFill>
+            <a:schemeClr val="tx2"/>
+          </a:solidFill>
+        </a:defRPr>
+      </a:lvl5pPr>
+      <a:lvl6pPr eaLnBrk="1" hangingPunct="1">
+        <a:defRPr>
+          <a:solidFill>
+            <a:schemeClr val="tx2"/>
+          </a:solidFill>
+        </a:defRPr>
+      </a:lvl6pPr>
+      <a:lvl7pPr eaLnBrk="1" hangingPunct="1">
+        <a:defRPr>
+          <a:solidFill>
+            <a:schemeClr val="tx2"/>
+          </a:solidFill>
+        </a:defRPr>
+      </a:lvl7pPr>
+      <a:lvl8pPr eaLnBrk="1" hangingPunct="1">
+        <a:defRPr>
+          <a:solidFill>
+            <a:schemeClr val="tx2"/>
+          </a:solidFill>
+        </a:defRPr>
+      </a:lvl8pPr>
+      <a:lvl9pPr eaLnBrk="1" hangingPunct="1">
+        <a:defRPr>
+          <a:solidFill>
+            <a:schemeClr val="tx2"/>
+          </a:solidFill>
+        </a:defRPr>
+      </a:lvl9pPr>
+    </p:titleStyle>
+    <p:bodyStyle>
+      <a:lvl1pPr marL="342900" indent="-342900" algn="l" defTabSz="457200" rtl="0" eaLnBrk="1" latinLnBrk="0" hangingPunct="1">
+        <a:spcBef>
+          <a:spcPts val="1000"/>
+        </a:spcBef>
+        <a:spcAft>
+          <a:spcPts val="0"/>
+        </a:spcAft>
+        <a:buClr>
+          <a:schemeClr val="bg2">
+            <a:lumMod val="40000"/>
+            <a:lumOff val="60000"/>
+          </a:schemeClr>
+        </a:buClr>
+        <a:buSzPct val="80000"/>
+        <a:buFont typeface="Wingdings 3" charset="2"/>
+        <a:buChar char=""/>
+        <a:defRPr sz="2000" b="0" i="0" kern="1200">
           <a:solidFill>
             <a:schemeClr val="tx1"/>
           </a:solidFill>
@@ -5678,18 +8416,213 @@
           <a:cs typeface="+mj-cs"/>
         </a:defRPr>
       </a:lvl1pPr>
-    </p:titleStyle>
-    <p:bodyStyle>
-      <a:lvl1pPr marL="228600" indent="-228600" algn="l" defTabSz="914400" rtl="0" eaLnBrk="1" latinLnBrk="0" hangingPunct="1">
-        <a:lnSpc>
-          <a:spcPct val="90000"/>
-        </a:lnSpc>
+      <a:lvl2pPr marL="742950" indent="-285750" algn="l" defTabSz="457200" rtl="0" eaLnBrk="1" latinLnBrk="0" hangingPunct="1">
         <a:spcBef>
           <a:spcPts val="1000"/>
         </a:spcBef>
-        <a:buFont typeface="Arial" panose="020B0604020202020204" pitchFamily="34" charset="0"/>
-        <a:buChar char="•"/>
-        <a:defRPr sz="2800" kern="1200">
+        <a:spcAft>
+          <a:spcPts val="0"/>
+        </a:spcAft>
+        <a:buClr>
+          <a:schemeClr val="bg2">
+            <a:lumMod val="40000"/>
+            <a:lumOff val="60000"/>
+          </a:schemeClr>
+        </a:buClr>
+        <a:buSzPct val="80000"/>
+        <a:buFont typeface="Wingdings 3" charset="2"/>
+        <a:buChar char=""/>
+        <a:defRPr sz="1800" b="0" i="0" kern="1200">
+          <a:solidFill>
+            <a:schemeClr val="tx1"/>
+          </a:solidFill>
+          <a:latin typeface="+mj-lt"/>
+          <a:ea typeface="+mj-ea"/>
+          <a:cs typeface="+mj-cs"/>
+        </a:defRPr>
+      </a:lvl2pPr>
+      <a:lvl3pPr marL="1143000" indent="-228600" algn="l" defTabSz="457200" rtl="0" eaLnBrk="1" latinLnBrk="0" hangingPunct="1">
+        <a:spcBef>
+          <a:spcPts val="1000"/>
+        </a:spcBef>
+        <a:spcAft>
+          <a:spcPts val="0"/>
+        </a:spcAft>
+        <a:buClr>
+          <a:schemeClr val="bg2">
+            <a:lumMod val="40000"/>
+            <a:lumOff val="60000"/>
+          </a:schemeClr>
+        </a:buClr>
+        <a:buSzPct val="80000"/>
+        <a:buFont typeface="Wingdings 3" charset="2"/>
+        <a:buChar char=""/>
+        <a:defRPr sz="1600" b="0" i="0" kern="1200">
+          <a:solidFill>
+            <a:schemeClr val="tx1"/>
+          </a:solidFill>
+          <a:latin typeface="+mj-lt"/>
+          <a:ea typeface="+mj-ea"/>
+          <a:cs typeface="+mj-cs"/>
+        </a:defRPr>
+      </a:lvl3pPr>
+      <a:lvl4pPr marL="1600200" indent="-228600" algn="l" defTabSz="457200" rtl="0" eaLnBrk="1" latinLnBrk="0" hangingPunct="1">
+        <a:spcBef>
+          <a:spcPts val="1000"/>
+        </a:spcBef>
+        <a:spcAft>
+          <a:spcPts val="0"/>
+        </a:spcAft>
+        <a:buClr>
+          <a:schemeClr val="bg2">
+            <a:lumMod val="40000"/>
+            <a:lumOff val="60000"/>
+          </a:schemeClr>
+        </a:buClr>
+        <a:buSzPct val="80000"/>
+        <a:buFont typeface="Wingdings 3" charset="2"/>
+        <a:buChar char=""/>
+        <a:defRPr sz="1400" b="0" i="0" kern="1200">
+          <a:solidFill>
+            <a:schemeClr val="tx1"/>
+          </a:solidFill>
+          <a:latin typeface="+mj-lt"/>
+          <a:ea typeface="+mj-ea"/>
+          <a:cs typeface="+mj-cs"/>
+        </a:defRPr>
+      </a:lvl4pPr>
+      <a:lvl5pPr marL="2057400" indent="-228600" algn="l" defTabSz="457200" rtl="0" eaLnBrk="1" latinLnBrk="0" hangingPunct="1">
+        <a:spcBef>
+          <a:spcPts val="1000"/>
+        </a:spcBef>
+        <a:spcAft>
+          <a:spcPts val="0"/>
+        </a:spcAft>
+        <a:buClr>
+          <a:schemeClr val="bg2">
+            <a:lumMod val="40000"/>
+            <a:lumOff val="60000"/>
+          </a:schemeClr>
+        </a:buClr>
+        <a:buSzPct val="80000"/>
+        <a:buFont typeface="Wingdings 3" charset="2"/>
+        <a:buChar char=""/>
+        <a:defRPr sz="1400" b="0" i="0" kern="1200">
+          <a:solidFill>
+            <a:schemeClr val="tx1"/>
+          </a:solidFill>
+          <a:latin typeface="+mj-lt"/>
+          <a:ea typeface="+mj-ea"/>
+          <a:cs typeface="+mj-cs"/>
+        </a:defRPr>
+      </a:lvl5pPr>
+      <a:lvl6pPr marL="2506000" indent="-228600" algn="l" defTabSz="457200" rtl="0" eaLnBrk="1" latinLnBrk="0" hangingPunct="1">
+        <a:spcBef>
+          <a:spcPts val="1000"/>
+        </a:spcBef>
+        <a:spcAft>
+          <a:spcPts val="0"/>
+        </a:spcAft>
+        <a:buClr>
+          <a:schemeClr val="bg2">
+            <a:lumMod val="40000"/>
+            <a:lumOff val="60000"/>
+          </a:schemeClr>
+        </a:buClr>
+        <a:buSzPct val="80000"/>
+        <a:buFont typeface="Wingdings 3" charset="2"/>
+        <a:buChar char=""/>
+        <a:defRPr sz="1400" b="0" i="0" kern="1200">
+          <a:solidFill>
+            <a:schemeClr val="tx1"/>
+          </a:solidFill>
+          <a:latin typeface="+mj-lt"/>
+          <a:ea typeface="+mj-ea"/>
+          <a:cs typeface="+mj-cs"/>
+        </a:defRPr>
+      </a:lvl6pPr>
+      <a:lvl7pPr marL="2971800" indent="-228600" algn="l" defTabSz="457200" rtl="0" eaLnBrk="1" latinLnBrk="0" hangingPunct="1">
+        <a:spcBef>
+          <a:spcPts val="1000"/>
+        </a:spcBef>
+        <a:spcAft>
+          <a:spcPts val="0"/>
+        </a:spcAft>
+        <a:buClr>
+          <a:schemeClr val="bg2">
+            <a:lumMod val="40000"/>
+            <a:lumOff val="60000"/>
+          </a:schemeClr>
+        </a:buClr>
+        <a:buSzPct val="80000"/>
+        <a:buFont typeface="Wingdings 3" charset="2"/>
+        <a:buChar char=""/>
+        <a:defRPr sz="1400" b="0" i="0" kern="1200">
+          <a:solidFill>
+            <a:schemeClr val="tx1"/>
+          </a:solidFill>
+          <a:latin typeface="+mj-lt"/>
+          <a:ea typeface="+mj-ea"/>
+          <a:cs typeface="+mj-cs"/>
+        </a:defRPr>
+      </a:lvl7pPr>
+      <a:lvl8pPr marL="3429000" indent="-228600" algn="l" defTabSz="457200" rtl="0" eaLnBrk="1" latinLnBrk="0" hangingPunct="1">
+        <a:spcBef>
+          <a:spcPts val="1000"/>
+        </a:spcBef>
+        <a:spcAft>
+          <a:spcPts val="0"/>
+        </a:spcAft>
+        <a:buClr>
+          <a:schemeClr val="bg2">
+            <a:lumMod val="40000"/>
+            <a:lumOff val="60000"/>
+          </a:schemeClr>
+        </a:buClr>
+        <a:buSzPct val="80000"/>
+        <a:buFont typeface="Wingdings 3" charset="2"/>
+        <a:buChar char=""/>
+        <a:defRPr sz="1400" b="0" i="0" kern="1200">
+          <a:solidFill>
+            <a:schemeClr val="tx1"/>
+          </a:solidFill>
+          <a:latin typeface="+mj-lt"/>
+          <a:ea typeface="+mj-ea"/>
+          <a:cs typeface="+mj-cs"/>
+        </a:defRPr>
+      </a:lvl8pPr>
+      <a:lvl9pPr marL="3886200" indent="-228600" algn="l" defTabSz="457200" rtl="0" eaLnBrk="1" latinLnBrk="0" hangingPunct="1">
+        <a:spcBef>
+          <a:spcPts val="1000"/>
+        </a:spcBef>
+        <a:spcAft>
+          <a:spcPts val="0"/>
+        </a:spcAft>
+        <a:buClr>
+          <a:schemeClr val="bg2">
+            <a:lumMod val="40000"/>
+            <a:lumOff val="60000"/>
+          </a:schemeClr>
+        </a:buClr>
+        <a:buSzPct val="80000"/>
+        <a:buFont typeface="Wingdings 3" charset="2"/>
+        <a:buChar char=""/>
+        <a:defRPr sz="1400" b="0" i="0" kern="1200">
+          <a:solidFill>
+            <a:schemeClr val="tx1"/>
+          </a:solidFill>
+          <a:latin typeface="+mj-lt"/>
+          <a:ea typeface="+mj-ea"/>
+          <a:cs typeface="+mj-cs"/>
+        </a:defRPr>
+      </a:lvl9pPr>
+    </p:bodyStyle>
+    <p:otherStyle>
+      <a:defPPr>
+        <a:defRPr lang="en-US"/>
+      </a:defPPr>
+      <a:lvl1pPr marL="0" algn="l" defTabSz="457200" rtl="0" eaLnBrk="1" latinLnBrk="0" hangingPunct="1">
+        <a:defRPr sz="1800" kern="1200">
           <a:solidFill>
             <a:schemeClr val="tx1"/>
           </a:solidFill>
@@ -5698,16 +8631,8 @@
           <a:cs typeface="+mn-cs"/>
         </a:defRPr>
       </a:lvl1pPr>
-      <a:lvl2pPr marL="685800" indent="-228600" algn="l" defTabSz="914400" rtl="0" eaLnBrk="1" latinLnBrk="0" hangingPunct="1">
-        <a:lnSpc>
-          <a:spcPct val="90000"/>
-        </a:lnSpc>
-        <a:spcBef>
-          <a:spcPts val="500"/>
-        </a:spcBef>
-        <a:buFont typeface="Arial" panose="020B0604020202020204" pitchFamily="34" charset="0"/>
-        <a:buChar char="•"/>
-        <a:defRPr sz="2400" kern="1200">
+      <a:lvl2pPr marL="457200" algn="l" defTabSz="457200" rtl="0" eaLnBrk="1" latinLnBrk="0" hangingPunct="1">
+        <a:defRPr sz="1800" kern="1200">
           <a:solidFill>
             <a:schemeClr val="tx1"/>
           </a:solidFill>
@@ -5716,16 +8641,8 @@
           <a:cs typeface="+mn-cs"/>
         </a:defRPr>
       </a:lvl2pPr>
-      <a:lvl3pPr marL="1143000" indent="-228600" algn="l" defTabSz="914400" rtl="0" eaLnBrk="1" latinLnBrk="0" hangingPunct="1">
-        <a:lnSpc>
-          <a:spcPct val="90000"/>
-        </a:lnSpc>
-        <a:spcBef>
-          <a:spcPts val="500"/>
-        </a:spcBef>
-        <a:buFont typeface="Arial" panose="020B0604020202020204" pitchFamily="34" charset="0"/>
-        <a:buChar char="•"/>
-        <a:defRPr sz="2000" kern="1200">
+      <a:lvl3pPr marL="914400" algn="l" defTabSz="457200" rtl="0" eaLnBrk="1" latinLnBrk="0" hangingPunct="1">
+        <a:defRPr sz="1800" kern="1200">
           <a:solidFill>
             <a:schemeClr val="tx1"/>
           </a:solidFill>
@@ -5734,15 +8651,7 @@
           <a:cs typeface="+mn-cs"/>
         </a:defRPr>
       </a:lvl3pPr>
-      <a:lvl4pPr marL="1600200" indent="-228600" algn="l" defTabSz="914400" rtl="0" eaLnBrk="1" latinLnBrk="0" hangingPunct="1">
-        <a:lnSpc>
-          <a:spcPct val="90000"/>
-        </a:lnSpc>
-        <a:spcBef>
-          <a:spcPts val="500"/>
-        </a:spcBef>
-        <a:buFont typeface="Arial" panose="020B0604020202020204" pitchFamily="34" charset="0"/>
-        <a:buChar char="•"/>
+      <a:lvl4pPr marL="1371600" algn="l" defTabSz="457200" rtl="0" eaLnBrk="1" latinLnBrk="0" hangingPunct="1">
         <a:defRPr sz="1800" kern="1200">
           <a:solidFill>
             <a:schemeClr val="tx1"/>
@@ -5752,15 +8661,7 @@
           <a:cs typeface="+mn-cs"/>
         </a:defRPr>
       </a:lvl4pPr>
-      <a:lvl5pPr marL="2057400" indent="-228600" algn="l" defTabSz="914400" rtl="0" eaLnBrk="1" latinLnBrk="0" hangingPunct="1">
-        <a:lnSpc>
-          <a:spcPct val="90000"/>
-        </a:lnSpc>
-        <a:spcBef>
-          <a:spcPts val="500"/>
-        </a:spcBef>
-        <a:buFont typeface="Arial" panose="020B0604020202020204" pitchFamily="34" charset="0"/>
-        <a:buChar char="•"/>
+      <a:lvl5pPr marL="1828800" algn="l" defTabSz="457200" rtl="0" eaLnBrk="1" latinLnBrk="0" hangingPunct="1">
         <a:defRPr sz="1800" kern="1200">
           <a:solidFill>
             <a:schemeClr val="tx1"/>
@@ -5770,15 +8671,7 @@
           <a:cs typeface="+mn-cs"/>
         </a:defRPr>
       </a:lvl5pPr>
-      <a:lvl6pPr marL="2514600" indent="-228600" algn="l" defTabSz="914400" rtl="0" eaLnBrk="1" latinLnBrk="0" hangingPunct="1">
-        <a:lnSpc>
-          <a:spcPct val="90000"/>
-        </a:lnSpc>
-        <a:spcBef>
-          <a:spcPts val="500"/>
-        </a:spcBef>
-        <a:buFont typeface="Arial" panose="020B0604020202020204" pitchFamily="34" charset="0"/>
-        <a:buChar char="•"/>
+      <a:lvl6pPr marL="2286000" algn="l" defTabSz="457200" rtl="0" eaLnBrk="1" latinLnBrk="0" hangingPunct="1">
         <a:defRPr sz="1800" kern="1200">
           <a:solidFill>
             <a:schemeClr val="tx1"/>
@@ -5788,15 +8681,7 @@
           <a:cs typeface="+mn-cs"/>
         </a:defRPr>
       </a:lvl6pPr>
-      <a:lvl7pPr marL="2971800" indent="-228600" algn="l" defTabSz="914400" rtl="0" eaLnBrk="1" latinLnBrk="0" hangingPunct="1">
-        <a:lnSpc>
-          <a:spcPct val="90000"/>
-        </a:lnSpc>
-        <a:spcBef>
-          <a:spcPts val="500"/>
-        </a:spcBef>
-        <a:buFont typeface="Arial" panose="020B0604020202020204" pitchFamily="34" charset="0"/>
-        <a:buChar char="•"/>
+      <a:lvl7pPr marL="2743200" algn="l" defTabSz="457200" rtl="0" eaLnBrk="1" latinLnBrk="0" hangingPunct="1">
         <a:defRPr sz="1800" kern="1200">
           <a:solidFill>
             <a:schemeClr val="tx1"/>
@@ -5806,15 +8691,7 @@
           <a:cs typeface="+mn-cs"/>
         </a:defRPr>
       </a:lvl7pPr>
-      <a:lvl8pPr marL="3429000" indent="-228600" algn="l" defTabSz="914400" rtl="0" eaLnBrk="1" latinLnBrk="0" hangingPunct="1">
-        <a:lnSpc>
-          <a:spcPct val="90000"/>
-        </a:lnSpc>
-        <a:spcBef>
-          <a:spcPts val="500"/>
-        </a:spcBef>
-        <a:buFont typeface="Arial" panose="020B0604020202020204" pitchFamily="34" charset="0"/>
-        <a:buChar char="•"/>
+      <a:lvl8pPr marL="3200400" algn="l" defTabSz="457200" rtl="0" eaLnBrk="1" latinLnBrk="0" hangingPunct="1">
         <a:defRPr sz="1800" kern="1200">
           <a:solidFill>
             <a:schemeClr val="tx1"/>
@@ -5824,110 +8701,7 @@
           <a:cs typeface="+mn-cs"/>
         </a:defRPr>
       </a:lvl8pPr>
-      <a:lvl9pPr marL="3886200" indent="-228600" algn="l" defTabSz="914400" rtl="0" eaLnBrk="1" latinLnBrk="0" hangingPunct="1">
-        <a:lnSpc>
-          <a:spcPct val="90000"/>
-        </a:lnSpc>
-        <a:spcBef>
-          <a:spcPts val="500"/>
-        </a:spcBef>
-        <a:buFont typeface="Arial" panose="020B0604020202020204" pitchFamily="34" charset="0"/>
-        <a:buChar char="•"/>
-        <a:defRPr sz="1800" kern="1200">
-          <a:solidFill>
-            <a:schemeClr val="tx1"/>
-          </a:solidFill>
-          <a:latin typeface="+mn-lt"/>
-          <a:ea typeface="+mn-ea"/>
-          <a:cs typeface="+mn-cs"/>
-        </a:defRPr>
-      </a:lvl9pPr>
-    </p:bodyStyle>
-    <p:otherStyle>
-      <a:defPPr>
-        <a:defRPr lang="nb-NO"/>
-      </a:defPPr>
-      <a:lvl1pPr marL="0" algn="l" defTabSz="914400" rtl="0" eaLnBrk="1" latinLnBrk="0" hangingPunct="1">
-        <a:defRPr sz="1800" kern="1200">
-          <a:solidFill>
-            <a:schemeClr val="tx1"/>
-          </a:solidFill>
-          <a:latin typeface="+mn-lt"/>
-          <a:ea typeface="+mn-ea"/>
-          <a:cs typeface="+mn-cs"/>
-        </a:defRPr>
-      </a:lvl1pPr>
-      <a:lvl2pPr marL="457200" algn="l" defTabSz="914400" rtl="0" eaLnBrk="1" latinLnBrk="0" hangingPunct="1">
-        <a:defRPr sz="1800" kern="1200">
-          <a:solidFill>
-            <a:schemeClr val="tx1"/>
-          </a:solidFill>
-          <a:latin typeface="+mn-lt"/>
-          <a:ea typeface="+mn-ea"/>
-          <a:cs typeface="+mn-cs"/>
-        </a:defRPr>
-      </a:lvl2pPr>
-      <a:lvl3pPr marL="914400" algn="l" defTabSz="914400" rtl="0" eaLnBrk="1" latinLnBrk="0" hangingPunct="1">
-        <a:defRPr sz="1800" kern="1200">
-          <a:solidFill>
-            <a:schemeClr val="tx1"/>
-          </a:solidFill>
-          <a:latin typeface="+mn-lt"/>
-          <a:ea typeface="+mn-ea"/>
-          <a:cs typeface="+mn-cs"/>
-        </a:defRPr>
-      </a:lvl3pPr>
-      <a:lvl4pPr marL="1371600" algn="l" defTabSz="914400" rtl="0" eaLnBrk="1" latinLnBrk="0" hangingPunct="1">
-        <a:defRPr sz="1800" kern="1200">
-          <a:solidFill>
-            <a:schemeClr val="tx1"/>
-          </a:solidFill>
-          <a:latin typeface="+mn-lt"/>
-          <a:ea typeface="+mn-ea"/>
-          <a:cs typeface="+mn-cs"/>
-        </a:defRPr>
-      </a:lvl4pPr>
-      <a:lvl5pPr marL="1828800" algn="l" defTabSz="914400" rtl="0" eaLnBrk="1" latinLnBrk="0" hangingPunct="1">
-        <a:defRPr sz="1800" kern="1200">
-          <a:solidFill>
-            <a:schemeClr val="tx1"/>
-          </a:solidFill>
-          <a:latin typeface="+mn-lt"/>
-          <a:ea typeface="+mn-ea"/>
-          <a:cs typeface="+mn-cs"/>
-        </a:defRPr>
-      </a:lvl5pPr>
-      <a:lvl6pPr marL="2286000" algn="l" defTabSz="914400" rtl="0" eaLnBrk="1" latinLnBrk="0" hangingPunct="1">
-        <a:defRPr sz="1800" kern="1200">
-          <a:solidFill>
-            <a:schemeClr val="tx1"/>
-          </a:solidFill>
-          <a:latin typeface="+mn-lt"/>
-          <a:ea typeface="+mn-ea"/>
-          <a:cs typeface="+mn-cs"/>
-        </a:defRPr>
-      </a:lvl6pPr>
-      <a:lvl7pPr marL="2743200" algn="l" defTabSz="914400" rtl="0" eaLnBrk="1" latinLnBrk="0" hangingPunct="1">
-        <a:defRPr sz="1800" kern="1200">
-          <a:solidFill>
-            <a:schemeClr val="tx1"/>
-          </a:solidFill>
-          <a:latin typeface="+mn-lt"/>
-          <a:ea typeface="+mn-ea"/>
-          <a:cs typeface="+mn-cs"/>
-        </a:defRPr>
-      </a:lvl7pPr>
-      <a:lvl8pPr marL="3200400" algn="l" defTabSz="914400" rtl="0" eaLnBrk="1" latinLnBrk="0" hangingPunct="1">
-        <a:defRPr sz="1800" kern="1200">
-          <a:solidFill>
-            <a:schemeClr val="tx1"/>
-          </a:solidFill>
-          <a:latin typeface="+mn-lt"/>
-          <a:ea typeface="+mn-ea"/>
-          <a:cs typeface="+mn-cs"/>
-        </a:defRPr>
-      </a:lvl8pPr>
-      <a:lvl9pPr marL="3657600" algn="l" defTabSz="914400" rtl="0" eaLnBrk="1" latinLnBrk="0" hangingPunct="1">
+      <a:lvl9pPr marL="3657600" algn="l" defTabSz="457200" rtl="0" eaLnBrk="1" latinLnBrk="0" hangingPunct="1">
         <a:defRPr sz="1800" kern="1200">
           <a:solidFill>
             <a:schemeClr val="tx1"/>
@@ -6072,31 +8846,38 @@
           </a:p>
         </p:txBody>
       </p:sp>
-      <p:sp>
-        <p:nvSpPr>
-          <p:cNvPr id="3" name="Plassholder for innhold 2">
+      <p:pic>
+        <p:nvPicPr>
+          <p:cNvPr id="5" name="Plassholder for innhold 4">
             <a:extLst>
               <a:ext uri="{FF2B5EF4-FFF2-40B4-BE49-F238E27FC236}">
-                <a16:creationId xmlns:a16="http://schemas.microsoft.com/office/drawing/2014/main" id="{A8972825-DC10-4029-B897-3A8CA8A63ECA}"/>
+                <a16:creationId xmlns:a16="http://schemas.microsoft.com/office/drawing/2014/main" id="{7947AF54-052B-419F-9D33-5287DFD9A96B}"/>
               </a:ext>
             </a:extLst>
           </p:cNvPr>
-          <p:cNvSpPr>
-            <a:spLocks noGrp="1"/>
-          </p:cNvSpPr>
+          <p:cNvPicPr>
+            <a:picLocks noGrp="1" noChangeAspect="1"/>
+          </p:cNvPicPr>
           <p:nvPr>
             <p:ph idx="1"/>
           </p:nvPr>
-        </p:nvSpPr>
-        <p:spPr/>
-        <p:txBody>
-          <a:bodyPr/>
-          <a:lstStyle/>
-          <a:p>
-            <a:endParaRPr lang="nb-NO"/>
-          </a:p>
-        </p:txBody>
-      </p:sp>
+        </p:nvPicPr>
+        <p:blipFill>
+          <a:blip r:embed="rId3"/>
+          <a:stretch>
+            <a:fillRect/>
+          </a:stretch>
+        </p:blipFill>
+        <p:spPr>
+          <a:xfrm>
+            <a:off x="5791994" y="1590675"/>
+            <a:ext cx="3181350" cy="4286250"/>
+          </a:xfrm>
+          <a:prstGeom prst="rect">
+            <a:avLst/>
+          </a:prstGeom>
+        </p:spPr>
+      </p:pic>
       <p:sp>
         <p:nvSpPr>
           <p:cNvPr id="4" name="Plassholder for tekst 3">
@@ -6222,20 +9003,27 @@
             <p:ph type="title"/>
           </p:nvPr>
         </p:nvSpPr>
-        <p:spPr/>
-        <p:txBody>
-          <a:bodyPr/>
+        <p:spPr>
+          <a:xfrm>
+            <a:off x="1153907" y="414353"/>
+            <a:ext cx="5092906" cy="1574808"/>
+          </a:xfrm>
+        </p:spPr>
+        <p:txBody>
+          <a:bodyPr>
+            <a:normAutofit/>
+          </a:bodyPr>
           <a:lstStyle/>
           <a:p>
             <a:r>
-              <a:rPr lang="nb-NO" dirty="0"/>
+              <a:rPr lang="nb-NO" sz="2400" dirty="0"/>
               <a:t>Group </a:t>
             </a:r>
             <a:r>
-              <a:rPr lang="nb-NO" dirty="0" err="1"/>
+              <a:rPr lang="nb-NO" sz="2400" dirty="0" err="1"/>
               <a:t>organization</a:t>
             </a:r>
-            <a:endParaRPr lang="nb-NO" dirty="0"/>
+            <a:endParaRPr lang="nb-NO" sz="2400" dirty="0"/>
           </a:p>
         </p:txBody>
       </p:sp>
@@ -6275,12 +9063,14 @@
         </p:nvSpPr>
         <p:spPr>
           <a:xfrm>
-            <a:off x="839788" y="2057400"/>
-            <a:ext cx="3932237" cy="3811588"/>
+            <a:off x="1154954" y="2286000"/>
+            <a:ext cx="5084979" cy="3889612"/>
           </a:xfrm>
         </p:spPr>
         <p:txBody>
-          <a:bodyPr/>
+          <a:bodyPr>
+            <a:noAutofit/>
+          </a:bodyPr>
           <a:lstStyle/>
           <a:p>
             <a:pPr marL="285750" indent="-285750">
@@ -6302,22 +9092,22 @@
               <a:buChar char="•"/>
             </a:pPr>
             <a:r>
-              <a:rPr lang="nb-NO" dirty="0"/>
+              <a:rPr lang="nb-NO" sz="1400" dirty="0"/>
               <a:t>One </a:t>
             </a:r>
             <a:r>
-              <a:rPr lang="nb-NO" dirty="0" err="1"/>
+              <a:rPr lang="nb-NO" sz="1400" dirty="0" err="1"/>
               <a:t>task</a:t>
             </a:r>
             <a:r>
-              <a:rPr lang="nb-NO" dirty="0"/>
-              <a:t> </a:t>
-            </a:r>
-            <a:r>
-              <a:rPr lang="nb-NO" dirty="0" err="1"/>
+              <a:rPr lang="nb-NO" sz="1400" dirty="0"/>
+              <a:t> </a:t>
+            </a:r>
+            <a:r>
+              <a:rPr lang="nb-NO" sz="1400" dirty="0" err="1"/>
               <a:t>each</a:t>
             </a:r>
-            <a:endParaRPr lang="nb-NO" dirty="0"/>
+            <a:endParaRPr lang="nb-NO" sz="1400" dirty="0"/>
           </a:p>
           <a:p>
             <a:pPr marL="285750" indent="-285750">
@@ -6358,35 +9148,35 @@
               <a:buChar char="•"/>
             </a:pPr>
             <a:r>
-              <a:rPr lang="nb-NO" dirty="0" err="1"/>
+              <a:rPr lang="nb-NO" sz="1400" dirty="0" err="1"/>
               <a:t>Size</a:t>
             </a:r>
             <a:r>
-              <a:rPr lang="nb-NO" dirty="0"/>
-              <a:t> </a:t>
-            </a:r>
-            <a:r>
-              <a:rPr lang="nb-NO" dirty="0" err="1"/>
+              <a:rPr lang="nb-NO" sz="1400" dirty="0"/>
+              <a:t> </a:t>
+            </a:r>
+            <a:r>
+              <a:rPr lang="nb-NO" sz="1400" dirty="0" err="1"/>
               <a:t>on</a:t>
             </a:r>
             <a:r>
-              <a:rPr lang="nb-NO" dirty="0"/>
-              <a:t> </a:t>
-            </a:r>
-            <a:r>
-              <a:rPr lang="nb-NO" dirty="0" err="1"/>
+              <a:rPr lang="nb-NO" sz="1400" dirty="0"/>
+              <a:t> </a:t>
+            </a:r>
+            <a:r>
+              <a:rPr lang="nb-NO" sz="1400" dirty="0" err="1"/>
               <a:t>tasks</a:t>
             </a:r>
             <a:r>
-              <a:rPr lang="nb-NO" dirty="0"/>
+              <a:rPr lang="nb-NO" sz="1400" dirty="0"/>
               <a:t> in </a:t>
             </a:r>
             <a:r>
-              <a:rPr lang="nb-NO" dirty="0" err="1"/>
+              <a:rPr lang="nb-NO" sz="1400" dirty="0" err="1"/>
               <a:t>todo</a:t>
             </a:r>
             <a:r>
-              <a:rPr lang="nb-NO" dirty="0"/>
+              <a:rPr lang="nb-NO" sz="1400" dirty="0"/>
               <a:t> list</a:t>
             </a:r>
           </a:p>
@@ -6396,7 +9186,7 @@
               <a:buChar char="•"/>
             </a:pPr>
             <a:r>
-              <a:rPr lang="nb-NO" dirty="0"/>
+              <a:rPr lang="nb-NO" sz="1400" dirty="0"/>
               <a:t>Time</a:t>
             </a:r>
           </a:p>
@@ -6406,10 +9196,10 @@
               <a:buChar char="•"/>
             </a:pPr>
             <a:r>
-              <a:rPr lang="nb-NO" dirty="0" err="1"/>
+              <a:rPr lang="nb-NO" sz="1400" dirty="0" err="1"/>
               <a:t>Github</a:t>
             </a:r>
-            <a:endParaRPr lang="nb-NO" dirty="0"/>
+            <a:endParaRPr lang="nb-NO" sz="1400" dirty="0"/>
           </a:p>
           <a:p>
             <a:pPr marL="285750" indent="-285750">
@@ -6428,58 +9218,58 @@
               <a:buChar char="•"/>
             </a:pPr>
             <a:r>
-              <a:rPr lang="nb-NO" dirty="0" err="1"/>
+              <a:rPr lang="nb-NO" sz="1400" dirty="0" err="1"/>
               <a:t>Minimize</a:t>
             </a:r>
             <a:r>
-              <a:rPr lang="nb-NO" dirty="0"/>
-              <a:t> </a:t>
-            </a:r>
-            <a:r>
-              <a:rPr lang="nb-NO" dirty="0" err="1"/>
+              <a:rPr lang="nb-NO" sz="1400" dirty="0"/>
+              <a:t> </a:t>
+            </a:r>
+            <a:r>
+              <a:rPr lang="nb-NO" sz="1400" dirty="0" err="1"/>
               <a:t>the</a:t>
             </a:r>
             <a:r>
-              <a:rPr lang="nb-NO" dirty="0"/>
-              <a:t> </a:t>
-            </a:r>
-            <a:r>
-              <a:rPr lang="nb-NO" dirty="0" err="1"/>
+              <a:rPr lang="nb-NO" sz="1400" dirty="0"/>
+              <a:t> </a:t>
+            </a:r>
+            <a:r>
+              <a:rPr lang="nb-NO" sz="1400" dirty="0" err="1"/>
               <a:t>amount</a:t>
             </a:r>
             <a:r>
-              <a:rPr lang="nb-NO" dirty="0"/>
-              <a:t> </a:t>
-            </a:r>
-            <a:r>
-              <a:rPr lang="nb-NO" dirty="0" err="1"/>
+              <a:rPr lang="nb-NO" sz="1400" dirty="0"/>
+              <a:t> </a:t>
+            </a:r>
+            <a:r>
+              <a:rPr lang="nb-NO" sz="1400" dirty="0" err="1"/>
               <a:t>of</a:t>
             </a:r>
             <a:r>
-              <a:rPr lang="nb-NO" dirty="0"/>
-              <a:t> </a:t>
-            </a:r>
-            <a:r>
-              <a:rPr lang="nb-NO" dirty="0" err="1"/>
+              <a:rPr lang="nb-NO" sz="1400" dirty="0"/>
+              <a:t> </a:t>
+            </a:r>
+            <a:r>
+              <a:rPr lang="nb-NO" sz="1400" dirty="0" err="1"/>
               <a:t>work</a:t>
             </a:r>
             <a:r>
-              <a:rPr lang="nb-NO" dirty="0"/>
+              <a:rPr lang="nb-NO" sz="1400" dirty="0"/>
               <a:t> given in a </a:t>
             </a:r>
             <a:r>
-              <a:rPr lang="nb-NO" dirty="0" err="1"/>
+              <a:rPr lang="nb-NO" sz="1400" dirty="0" err="1"/>
               <a:t>todo</a:t>
             </a:r>
             <a:r>
-              <a:rPr lang="nb-NO" dirty="0"/>
-              <a:t> </a:t>
-            </a:r>
-            <a:r>
-              <a:rPr lang="nb-NO" dirty="0" err="1"/>
+              <a:rPr lang="nb-NO" sz="1400" dirty="0"/>
+              <a:t> </a:t>
+            </a:r>
+            <a:r>
+              <a:rPr lang="nb-NO" sz="1400" dirty="0" err="1"/>
               <a:t>task</a:t>
             </a:r>
-            <a:endParaRPr lang="nb-NO" dirty="0"/>
+            <a:endParaRPr lang="nb-NO" sz="1400" dirty="0"/>
           </a:p>
           <a:p>
             <a:pPr marL="742950" lvl="1" indent="-285750">
@@ -6487,18 +9277,18 @@
               <a:buChar char="•"/>
             </a:pPr>
             <a:r>
-              <a:rPr lang="nb-NO" dirty="0" err="1"/>
+              <a:rPr lang="nb-NO" sz="1400" dirty="0" err="1"/>
               <a:t>Spesific</a:t>
             </a:r>
             <a:r>
-              <a:rPr lang="nb-NO" dirty="0"/>
+              <a:rPr lang="nb-NO" sz="1400" dirty="0"/>
               <a:t> agenda for </a:t>
             </a:r>
             <a:r>
-              <a:rPr lang="nb-NO" dirty="0" err="1"/>
+              <a:rPr lang="nb-NO" sz="1400" dirty="0" err="1"/>
               <a:t>meetings</a:t>
             </a:r>
-            <a:endParaRPr lang="nb-NO" dirty="0"/>
+            <a:endParaRPr lang="nb-NO" sz="1400" dirty="0"/>
           </a:p>
           <a:p>
             <a:pPr marL="285750" indent="-285750">
@@ -7146,9 +9936,9 @@
 </file>
 
 <file path=ppt/theme/theme1.xml><?xml version="1.0" encoding="utf-8"?>
-<a:theme xmlns:a="http://schemas.openxmlformats.org/drawingml/2006/main" name="Office-tema">
+<a:theme xmlns:a="http://schemas.openxmlformats.org/drawingml/2006/main" name="Ion">
   <a:themeElements>
-    <a:clrScheme name="Office">
+    <a:clrScheme name="Ion">
       <a:dk1>
         <a:sysClr val="windowText" lastClr="000000"/>
       </a:dk1>
@@ -7156,44 +9946,44 @@
         <a:sysClr val="window" lastClr="FFFFFF"/>
       </a:lt1>
       <a:dk2>
-        <a:srgbClr val="44546A"/>
+        <a:srgbClr val="1E5155"/>
       </a:dk2>
       <a:lt2>
-        <a:srgbClr val="E7E6E6"/>
+        <a:srgbClr val="EBEBEB"/>
       </a:lt2>
       <a:accent1>
-        <a:srgbClr val="4472C4"/>
+        <a:srgbClr val="B01513"/>
       </a:accent1>
       <a:accent2>
-        <a:srgbClr val="ED7D31"/>
+        <a:srgbClr val="EA6312"/>
       </a:accent2>
       <a:accent3>
-        <a:srgbClr val="A5A5A5"/>
+        <a:srgbClr val="E6B729"/>
       </a:accent3>
       <a:accent4>
-        <a:srgbClr val="FFC000"/>
+        <a:srgbClr val="6AAC90"/>
       </a:accent4>
       <a:accent5>
-        <a:srgbClr val="5B9BD5"/>
+        <a:srgbClr val="54849A"/>
       </a:accent5>
       <a:accent6>
-        <a:srgbClr val="70AD47"/>
+        <a:srgbClr val="9E5E9B"/>
       </a:accent6>
       <a:hlink>
-        <a:srgbClr val="0563C1"/>
+        <a:srgbClr val="58C1BA"/>
       </a:hlink>
       <a:folHlink>
-        <a:srgbClr val="954F72"/>
+        <a:srgbClr val="9DFFCB"/>
       </a:folHlink>
     </a:clrScheme>
-    <a:fontScheme name="Office">
+    <a:fontScheme name="Ion">
       <a:majorFont>
-        <a:latin typeface="Calibri Light" panose="020F0302020204030204"/>
+        <a:latin typeface="Century Gothic" panose="020B0502020202020204"/>
         <a:ea typeface=""/>
         <a:cs typeface=""/>
-        <a:font script="Jpan" typeface="游ゴシック Light"/>
+        <a:font script="Jpan" typeface="メイリオ"/>
         <a:font script="Hang" typeface="맑은 고딕"/>
-        <a:font script="Hans" typeface="等线 Light"/>
+        <a:font script="Hans" typeface="宋体"/>
         <a:font script="Hant" typeface="新細明體"/>
         <a:font script="Arab" typeface="Times New Roman"/>
         <a:font script="Hebr" typeface="Times New Roman"/>
@@ -7221,31 +10011,14 @@
         <a:font script="Viet" typeface="Times New Roman"/>
         <a:font script="Uigh" typeface="Microsoft Uighur"/>
         <a:font script="Geor" typeface="Sylfaen"/>
-        <a:font script="Armn" typeface="Arial"/>
-        <a:font script="Bugi" typeface="Leelawadee UI"/>
-        <a:font script="Bopo" typeface="Microsoft JhengHei"/>
-        <a:font script="Java" typeface="Javanese Text"/>
-        <a:font script="Lisu" typeface="Segoe UI"/>
-        <a:font script="Mymr" typeface="Myanmar Text"/>
-        <a:font script="Nkoo" typeface="Ebrima"/>
-        <a:font script="Olck" typeface="Nirmala UI"/>
-        <a:font script="Osma" typeface="Ebrima"/>
-        <a:font script="Phag" typeface="Phagspa"/>
-        <a:font script="Syrn" typeface="Estrangelo Edessa"/>
-        <a:font script="Syrj" typeface="Estrangelo Edessa"/>
-        <a:font script="Syre" typeface="Estrangelo Edessa"/>
-        <a:font script="Sora" typeface="Nirmala UI"/>
-        <a:font script="Tale" typeface="Microsoft Tai Le"/>
-        <a:font script="Talu" typeface="Microsoft New Tai Lue"/>
-        <a:font script="Tfng" typeface="Ebrima"/>
       </a:majorFont>
       <a:minorFont>
-        <a:latin typeface="Calibri" panose="020F0502020204030204"/>
+        <a:latin typeface="Century Gothic" panose="020B0502020202020204"/>
         <a:ea typeface=""/>
         <a:cs typeface=""/>
-        <a:font script="Jpan" typeface="游ゴシック"/>
+        <a:font script="Jpan" typeface="メイリオ"/>
         <a:font script="Hang" typeface="맑은 고딕"/>
-        <a:font script="Hans" typeface="等线"/>
+        <a:font script="Hans" typeface="宋体"/>
         <a:font script="Hant" typeface="新細明體"/>
         <a:font script="Arab" typeface="Arial"/>
         <a:font script="Hebr" typeface="Arial"/>
@@ -7273,26 +10046,9 @@
         <a:font script="Viet" typeface="Arial"/>
         <a:font script="Uigh" typeface="Microsoft Uighur"/>
         <a:font script="Geor" typeface="Sylfaen"/>
-        <a:font script="Armn" typeface="Arial"/>
-        <a:font script="Bugi" typeface="Leelawadee UI"/>
-        <a:font script="Bopo" typeface="Microsoft JhengHei"/>
-        <a:font script="Java" typeface="Javanese Text"/>
-        <a:font script="Lisu" typeface="Segoe UI"/>
-        <a:font script="Mymr" typeface="Myanmar Text"/>
-        <a:font script="Nkoo" typeface="Ebrima"/>
-        <a:font script="Olck" typeface="Nirmala UI"/>
-        <a:font script="Osma" typeface="Ebrima"/>
-        <a:font script="Phag" typeface="Phagspa"/>
-        <a:font script="Syrn" typeface="Estrangelo Edessa"/>
-        <a:font script="Syrj" typeface="Estrangelo Edessa"/>
-        <a:font script="Syre" typeface="Estrangelo Edessa"/>
-        <a:font script="Sora" typeface="Nirmala UI"/>
-        <a:font script="Tale" typeface="Microsoft Tai Le"/>
-        <a:font script="Talu" typeface="Microsoft New Tai Lue"/>
-        <a:font script="Tfng" typeface="Ebrima"/>
       </a:minorFont>
     </a:fontScheme>
-    <a:fmtScheme name="Office">
+    <a:fmtScheme name="Ion">
       <a:fillStyleLst>
         <a:solidFill>
           <a:schemeClr val="phClr"/>
@@ -7301,23 +10057,15 @@
           <a:gsLst>
             <a:gs pos="0">
               <a:schemeClr val="phClr">
-                <a:lumMod val="110000"/>
-                <a:satMod val="105000"/>
-                <a:tint val="67000"/>
-              </a:schemeClr>
-            </a:gs>
-            <a:gs pos="50000">
-              <a:schemeClr val="phClr">
-                <a:lumMod val="105000"/>
-                <a:satMod val="103000"/>
-                <a:tint val="73000"/>
+                <a:tint val="64000"/>
+                <a:lumMod val="118000"/>
               </a:schemeClr>
             </a:gs>
             <a:gs pos="100000">
               <a:schemeClr val="phClr">
-                <a:lumMod val="105000"/>
-                <a:satMod val="109000"/>
-                <a:tint val="81000"/>
+                <a:tint val="92000"/>
+                <a:alpha val="100000"/>
+                <a:lumMod val="110000"/>
               </a:schemeClr>
             </a:gs>
           </a:gsLst>
@@ -7327,23 +10075,14 @@
           <a:gsLst>
             <a:gs pos="0">
               <a:schemeClr val="phClr">
-                <a:satMod val="103000"/>
-                <a:lumMod val="102000"/>
-                <a:tint val="94000"/>
-              </a:schemeClr>
-            </a:gs>
-            <a:gs pos="50000">
-              <a:schemeClr val="phClr">
-                <a:satMod val="110000"/>
-                <a:lumMod val="100000"/>
-                <a:shade val="100000"/>
+                <a:tint val="98000"/>
+                <a:lumMod val="114000"/>
               </a:schemeClr>
             </a:gs>
             <a:gs pos="100000">
               <a:schemeClr val="phClr">
-                <a:lumMod val="99000"/>
-                <a:satMod val="120000"/>
-                <a:shade val="78000"/>
+                <a:shade val="90000"/>
+                <a:lumMod val="84000"/>
               </a:schemeClr>
             </a:gs>
           </a:gsLst>
@@ -7351,26 +10090,23 @@
         </a:gradFill>
       </a:fillStyleLst>
       <a:lnStyleLst>
-        <a:ln w="6350" cap="flat" cmpd="sng" algn="ctr">
+        <a:ln w="9525" cap="rnd" cmpd="sng" algn="ctr">
           <a:solidFill>
             <a:schemeClr val="phClr"/>
           </a:solidFill>
           <a:prstDash val="solid"/>
-          <a:miter lim="800000"/>
         </a:ln>
-        <a:ln w="12700" cap="flat" cmpd="sng" algn="ctr">
+        <a:ln w="19050" cap="rnd" cmpd="sng" algn="ctr">
           <a:solidFill>
             <a:schemeClr val="phClr"/>
           </a:solidFill>
           <a:prstDash val="solid"/>
-          <a:miter lim="800000"/>
         </a:ln>
-        <a:ln w="19050" cap="flat" cmpd="sng" algn="ctr">
+        <a:ln w="28575" cap="rnd" cmpd="sng" algn="ctr">
           <a:solidFill>
             <a:schemeClr val="phClr"/>
           </a:solidFill>
           <a:prstDash val="solid"/>
-          <a:miter lim="800000"/>
         </a:ln>
       </a:lnStyleLst>
       <a:effectStyleLst>
@@ -7378,55 +10114,80 @@
           <a:effectLst/>
         </a:effectStyle>
         <a:effectStyle>
-          <a:effectLst/>
+          <a:effectLst>
+            <a:outerShdw blurRad="38100" dist="25400" dir="5400000" rotWithShape="0">
+              <a:srgbClr val="000000">
+                <a:alpha val="45000"/>
+              </a:srgbClr>
+            </a:outerShdw>
+          </a:effectLst>
         </a:effectStyle>
         <a:effectStyle>
           <a:effectLst>
-            <a:outerShdw blurRad="57150" dist="19050" dir="5400000" algn="ctr" rotWithShape="0">
+            <a:outerShdw blurRad="63500" dist="38100" dir="5400000" rotWithShape="0">
               <a:srgbClr val="000000">
-                <a:alpha val="63000"/>
+                <a:alpha val="60000"/>
               </a:srgbClr>
             </a:outerShdw>
           </a:effectLst>
+          <a:scene3d>
+            <a:camera prst="orthographicFront">
+              <a:rot lat="0" lon="0" rev="0"/>
+            </a:camera>
+            <a:lightRig rig="threePt" dir="tl"/>
+          </a:scene3d>
+          <a:sp3d prstMaterial="plastic">
+            <a:bevelT w="0" h="0"/>
+          </a:sp3d>
         </a:effectStyle>
       </a:effectStyleLst>
       <a:bgFillStyleLst>
         <a:solidFill>
           <a:schemeClr val="phClr"/>
         </a:solidFill>
-        <a:solidFill>
-          <a:schemeClr val="phClr">
-            <a:tint val="95000"/>
-            <a:satMod val="170000"/>
-          </a:schemeClr>
-        </a:solidFill>
         <a:gradFill rotWithShape="1">
           <a:gsLst>
             <a:gs pos="0">
               <a:schemeClr val="phClr">
-                <a:tint val="93000"/>
-                <a:satMod val="150000"/>
-                <a:shade val="98000"/>
-                <a:lumMod val="102000"/>
-              </a:schemeClr>
-            </a:gs>
-            <a:gs pos="50000">
-              <a:schemeClr val="phClr">
-                <a:tint val="98000"/>
+                <a:tint val="97000"/>
+                <a:hueMod val="88000"/>
                 <a:satMod val="130000"/>
-                <a:shade val="90000"/>
-                <a:lumMod val="103000"/>
+                <a:lumMod val="124000"/>
               </a:schemeClr>
             </a:gs>
             <a:gs pos="100000">
               <a:schemeClr val="phClr">
-                <a:shade val="63000"/>
-                <a:satMod val="120000"/>
+                <a:tint val="96000"/>
+                <a:shade val="88000"/>
+                <a:hueMod val="108000"/>
+                <a:satMod val="164000"/>
+                <a:lumMod val="76000"/>
               </a:schemeClr>
             </a:gs>
           </a:gsLst>
-          <a:lin ang="5400000" scaled="0"/>
+          <a:path path="circle">
+            <a:fillToRect l="45000" t="65000" r="125000" b="100000"/>
+          </a:path>
         </a:gradFill>
+        <a:blipFill rotWithShape="1">
+          <a:blip xmlns:r="http://schemas.openxmlformats.org/officeDocument/2006/relationships" r:embed="rId1">
+            <a:duotone>
+              <a:schemeClr val="phClr">
+                <a:shade val="69000"/>
+                <a:hueMod val="108000"/>
+                <a:satMod val="164000"/>
+                <a:lumMod val="74000"/>
+              </a:schemeClr>
+              <a:schemeClr val="phClr">
+                <a:tint val="96000"/>
+                <a:hueMod val="88000"/>
+                <a:satMod val="140000"/>
+                <a:lumMod val="132000"/>
+              </a:schemeClr>
+            </a:duotone>
+          </a:blip>
+          <a:stretch/>
+        </a:blipFill>
       </a:bgFillStyleLst>
     </a:fmtScheme>
   </a:themeElements>
@@ -7434,7 +10195,7 @@
   <a:extraClrSchemeLst/>
   <a:extLst>
     <a:ext uri="{05A4C25C-085E-4340-85A3-A5531E510DB2}">
-      <thm15:themeFamily xmlns:thm15="http://schemas.microsoft.com/office/thememl/2012/main" name="Office Theme" id="{62F939B6-93AF-4DB8-9C6B-D6C7DFDC589F}" vid="{4A3C46E8-61CC-4603-A589-7422A47A8E4A}"/>
+      <thm15:themeFamily xmlns:thm15="http://schemas.microsoft.com/office/thememl/2012/main" name="Ion" id="{B8441ADB-2E43-4AF7-B97A-BD870242C6A8}" vid="{292E63A9-BB86-4E3D-B92A-7223C6510D2E}"/>
     </a:ext>
   </a:extLst>
 </a:theme>

--- a/Deliverables/INF112_presentasjon.pptx
+++ b/Deliverables/INF112_presentasjon.pptx
@@ -1043,7 +1043,7 @@
             </a:pPr>
             <a:r>
               <a:rPr lang="en-GB" dirty="0"/>
-              <a:t>A solution is to try and break down tasks into smaller pieces so they are manageable</a:t>
+              <a:t>A solution to making tasks smaller is to try and break them down into smaller pieces so they are manageable</a:t>
             </a:r>
           </a:p>
           <a:p>
@@ -1219,7 +1219,7 @@
             </a:pPr>
             <a:r>
               <a:rPr lang="en-GB" noProof="0" dirty="0"/>
-              <a:t>Becomes a bit more messy than perhaps what's necessary this early in the making</a:t>
+              <a:t>Becomes a bit more messy than perhaps what's necessary this early in the making, but we think it will be easier later in the project</a:t>
             </a:r>
           </a:p>
           <a:p>
@@ -1403,11 +1403,28 @@
             </a:r>
           </a:p>
           <a:p>
-            <a:pPr marL="457200" lvl="1" indent="0">
+            <a:pPr marL="628650" lvl="1" indent="-171450">
               <a:buFont typeface="Arial" panose="020B0604020202020204" pitchFamily="34" charset="0"/>
-              <a:buNone/>
+              <a:buChar char="•"/>
             </a:pPr>
-            <a:endParaRPr lang="nb-NO" dirty="0"/>
+            <a:endParaRPr lang="en-GB" noProof="0" dirty="0"/>
+          </a:p>
+          <a:p>
+            <a:pPr marL="628650" lvl="1" indent="-171450">
+              <a:buFont typeface="Arial" panose="020B0604020202020204" pitchFamily="34" charset="0"/>
+              <a:buChar char="•"/>
+            </a:pPr>
+            <a:r>
+              <a:rPr lang="en-GB" noProof="0" dirty="0"/>
+              <a:t>Adding functionality will obviously be a thing to work on in the future</a:t>
+            </a:r>
+          </a:p>
+          <a:p>
+            <a:pPr marL="628650" lvl="1" indent="-171450">
+              <a:buFont typeface="Arial" panose="020B0604020202020204" pitchFamily="34" charset="0"/>
+              <a:buChar char="•"/>
+            </a:pPr>
+            <a:endParaRPr lang="en-GB" noProof="0" dirty="0"/>
           </a:p>
         </p:txBody>
       </p:sp>
@@ -8134,10 +8151,9 @@
           <a:lstStyle/>
           <a:p>
             <a:r>
-              <a:rPr lang="nb-NO" err="1"/>
+              <a:rPr lang="en-GB" dirty="0"/>
               <a:t>Priorities</a:t>
             </a:r>
-            <a:endParaRPr lang="nb-NO"/>
           </a:p>
         </p:txBody>
       </p:sp>
@@ -8199,26 +8215,25 @@
               <a:buChar char="•"/>
             </a:pPr>
             <a:r>
-              <a:rPr lang="nb-NO" err="1"/>
+              <a:rPr lang="nb-NO" dirty="0" err="1"/>
               <a:t>What</a:t>
             </a:r>
             <a:r>
-              <a:rPr lang="nb-NO"/>
+              <a:rPr lang="nb-NO" dirty="0"/>
               <a:t> have </a:t>
             </a:r>
             <a:r>
-              <a:rPr lang="nb-NO" err="1"/>
+              <a:rPr lang="nb-NO" dirty="0" err="1"/>
               <a:t>we</a:t>
             </a:r>
             <a:r>
-              <a:rPr lang="nb-NO"/>
+              <a:rPr lang="nb-NO" dirty="0"/>
               <a:t> </a:t>
             </a:r>
             <a:r>
-              <a:rPr lang="nb-NO" err="1"/>
+              <a:rPr lang="en-GB" dirty="0"/>
               <a:t>prioritized</a:t>
             </a:r>
-            <a:endParaRPr lang="nb-NO"/>
           </a:p>
           <a:p>
             <a:pPr marL="742950" lvl="1" indent="-285750">
@@ -8226,14 +8241,14 @@
               <a:buChar char="•"/>
             </a:pPr>
             <a:r>
-              <a:rPr lang="nb-NO"/>
+              <a:rPr lang="nb-NO" dirty="0"/>
               <a:t>Game </a:t>
             </a:r>
             <a:r>
-              <a:rPr lang="nb-NO" err="1"/>
+              <a:rPr lang="nb-NO" dirty="0" err="1"/>
               <a:t>skeleton</a:t>
             </a:r>
-            <a:endParaRPr lang="nb-NO"/>
+            <a:endParaRPr lang="nb-NO" dirty="0"/>
           </a:p>
           <a:p>
             <a:pPr marL="285750" indent="-285750">
@@ -8241,10 +8256,10 @@
               <a:buChar char="•"/>
             </a:pPr>
             <a:r>
-              <a:rPr lang="nb-NO" err="1"/>
+              <a:rPr lang="nb-NO" dirty="0" err="1"/>
               <a:t>Why</a:t>
             </a:r>
-            <a:endParaRPr lang="nb-NO"/>
+            <a:endParaRPr lang="nb-NO" dirty="0"/>
           </a:p>
           <a:p>
             <a:pPr marL="742950" lvl="1" indent="-285750">
@@ -8252,10 +8267,10 @@
               <a:buChar char="•"/>
             </a:pPr>
             <a:r>
-              <a:rPr lang="nb-NO" err="1"/>
+              <a:rPr lang="nb-NO" dirty="0" err="1"/>
               <a:t>Overview</a:t>
             </a:r>
-            <a:endParaRPr lang="nb-NO"/>
+            <a:endParaRPr lang="nb-NO" dirty="0"/>
           </a:p>
           <a:p>
             <a:pPr marL="285750" indent="-285750">
@@ -8263,10 +8278,10 @@
               <a:buChar char="•"/>
             </a:pPr>
             <a:r>
-              <a:rPr lang="nb-NO" err="1"/>
+              <a:rPr lang="nb-NO" dirty="0" err="1"/>
               <a:t>Issues</a:t>
             </a:r>
-            <a:endParaRPr lang="nb-NO"/>
+            <a:endParaRPr lang="nb-NO" dirty="0"/>
           </a:p>
           <a:p>
             <a:pPr marL="742950" lvl="1" indent="-285750">
@@ -8274,34 +8289,18 @@
               <a:buChar char="•"/>
             </a:pPr>
             <a:r>
-              <a:rPr lang="nb-NO" err="1"/>
-              <a:t>Temptation</a:t>
-            </a:r>
-            <a:r>
-              <a:rPr lang="nb-NO"/>
-              <a:t> to do </a:t>
-            </a:r>
-            <a:r>
-              <a:rPr lang="nb-NO" err="1"/>
-              <a:t>fixes</a:t>
-            </a:r>
-            <a:r>
-              <a:rPr lang="nb-NO"/>
-              <a:t> in </a:t>
-            </a:r>
-            <a:r>
-              <a:rPr lang="nb-NO" err="1"/>
-              <a:t>skeleton</a:t>
-            </a:r>
-            <a:r>
-              <a:rPr lang="nb-NO"/>
-              <a:t> </a:t>
-            </a:r>
-            <a:r>
-              <a:rPr lang="nb-NO" err="1"/>
-              <a:t>class</a:t>
-            </a:r>
-            <a:endParaRPr lang="nb-NO"/>
+              <a:rPr lang="en-GB" dirty="0"/>
+              <a:t>L</a:t>
+            </a:r>
+            <a:r>
+              <a:rPr lang="nb-NO" dirty="0"/>
+              <a:t>ess </a:t>
+            </a:r>
+            <a:r>
+              <a:rPr lang="nb-NO" dirty="0" err="1"/>
+              <a:t>overview</a:t>
+            </a:r>
+            <a:endParaRPr lang="nb-NO" dirty="0"/>
           </a:p>
           <a:p>
             <a:pPr marL="285750" indent="-285750">
@@ -8309,10 +8308,10 @@
               <a:buChar char="•"/>
             </a:pPr>
             <a:r>
-              <a:rPr lang="nb-NO" err="1"/>
+              <a:rPr lang="nb-NO" dirty="0" err="1"/>
               <a:t>Fixes</a:t>
             </a:r>
-            <a:endParaRPr lang="nb-NO"/>
+            <a:endParaRPr lang="nb-NO" dirty="0"/>
           </a:p>
           <a:p>
             <a:pPr marL="742950" lvl="1" indent="-285750">
@@ -8320,34 +8319,10 @@
               <a:buChar char="•"/>
             </a:pPr>
             <a:r>
-              <a:rPr lang="nb-NO" err="1"/>
-              <a:t>Sticking</a:t>
-            </a:r>
-            <a:r>
-              <a:rPr lang="nb-NO"/>
-              <a:t> to </a:t>
-            </a:r>
-            <a:r>
-              <a:rPr lang="nb-NO" err="1"/>
-              <a:t>the</a:t>
-            </a:r>
-            <a:r>
-              <a:rPr lang="nb-NO"/>
-              <a:t> </a:t>
-            </a:r>
-            <a:r>
-              <a:rPr lang="nb-NO" err="1"/>
-              <a:t>project</a:t>
-            </a:r>
-            <a:r>
-              <a:rPr lang="nb-NO"/>
-              <a:t> </a:t>
-            </a:r>
-            <a:r>
-              <a:rPr lang="nb-NO" err="1"/>
-              <a:t>method</a:t>
-            </a:r>
-            <a:endParaRPr lang="nb-NO"/>
+              <a:rPr lang="en-GB" dirty="0"/>
+              <a:t>Focus on prioritized list</a:t>
+            </a:r>
+            <a:endParaRPr lang="nb-NO" dirty="0"/>
           </a:p>
         </p:txBody>
       </p:sp>
@@ -8607,6 +8582,21 @@
             <a:r>
               <a:rPr lang="nb-NO" dirty="0" err="1"/>
               <a:t>functionality</a:t>
+            </a:r>
+            <a:endParaRPr lang="nb-NO" dirty="0"/>
+          </a:p>
+          <a:p>
+            <a:pPr marL="742950" lvl="1" indent="-285750">
+              <a:buFont typeface="Arial" panose="020B0604020202020204" pitchFamily="34" charset="0"/>
+              <a:buChar char="•"/>
+            </a:pPr>
+            <a:r>
+              <a:rPr lang="en-GB" dirty="0"/>
+              <a:t>E</a:t>
+            </a:r>
+            <a:r>
+              <a:rPr lang="nb-NO" dirty="0" err="1"/>
+              <a:t>fficiency</a:t>
             </a:r>
             <a:endParaRPr lang="nb-NO" dirty="0"/>
           </a:p>

--- a/Deliverables/INF112_presentasjon.pptx
+++ b/Deliverables/INF112_presentasjon.pptx
@@ -550,41 +550,41 @@
           <a:p>
             <a:r>
               <a:rPr lang="nb-NO" dirty="0"/>
+              <a:t>Faltin  </a:t>
+            </a:r>
+            <a:r>
+              <a:rPr lang="nb-NO" b="1" dirty="0" err="1"/>
+              <a:t>second</a:t>
+            </a:r>
+            <a:r>
+              <a:rPr lang="nb-NO" dirty="0"/>
+              <a:t> </a:t>
+            </a:r>
+            <a:r>
+              <a:rPr lang="nb-NO" dirty="0" err="1"/>
+              <a:t>year</a:t>
+            </a:r>
+            <a:r>
+              <a:rPr lang="nb-NO" dirty="0"/>
+              <a:t> </a:t>
+            </a:r>
+            <a:r>
+              <a:rPr lang="nb-NO" dirty="0" err="1"/>
+              <a:t>on</a:t>
+            </a:r>
+            <a:r>
+              <a:rPr lang="nb-NO" dirty="0"/>
+              <a:t> a bachelor in bioinformatics</a:t>
+            </a:r>
+          </a:p>
+          <a:p>
+            <a:r>
+              <a:rPr lang="nb-NO" dirty="0"/>
               <a:t>Sandra </a:t>
             </a:r>
             <a:r>
               <a:rPr lang="nb-NO" dirty="0" err="1"/>
               <a:t>third</a:t>
-            </a:r>
-            <a:r>
-              <a:rPr lang="nb-NO" dirty="0"/>
-              <a:t> </a:t>
-            </a:r>
-            <a:r>
-              <a:rPr lang="nb-NO" dirty="0" err="1"/>
-              <a:t>year</a:t>
-            </a:r>
-            <a:r>
-              <a:rPr lang="nb-NO" dirty="0"/>
-              <a:t> </a:t>
-            </a:r>
-            <a:r>
-              <a:rPr lang="nb-NO" dirty="0" err="1"/>
-              <a:t>on</a:t>
-            </a:r>
-            <a:r>
-              <a:rPr lang="nb-NO" dirty="0"/>
-              <a:t> a bachelor in bioinformatics</a:t>
-            </a:r>
-          </a:p>
-          <a:p>
-            <a:r>
-              <a:rPr lang="nb-NO" dirty="0"/>
-              <a:t>Faltin  </a:t>
-            </a:r>
-            <a:r>
-              <a:rPr lang="nb-NO" b="1" dirty="0" err="1"/>
-              <a:t>second</a:t>
             </a:r>
             <a:r>
               <a:rPr lang="nb-NO" dirty="0"/>
@@ -997,7 +997,7 @@
             </a:pPr>
             <a:r>
               <a:rPr lang="en-GB" dirty="0"/>
-              <a:t>Time to cover everything on meetings, The amount of time to get trough the agenda, valuable lesson</a:t>
+              <a:t>The amount of time get trough the agenda and cover everything on meetings, this was a lot harder than we expected</a:t>
             </a:r>
           </a:p>
           <a:p>
@@ -1145,6 +1145,12 @@
           <a:p>
             <a:r>
               <a:rPr lang="en-GB" noProof="0" dirty="0"/>
+              <a:t>Priorities:</a:t>
+            </a:r>
+          </a:p>
+          <a:p>
+            <a:r>
+              <a:rPr lang="en-GB" noProof="0" dirty="0"/>
               <a:t>Game skeleton</a:t>
             </a:r>
           </a:p>
@@ -1155,15 +1161,7 @@
             </a:pPr>
             <a:r>
               <a:rPr lang="en-GB" noProof="0" dirty="0"/>
-              <a:t>Prioritized making a game skeleton, with stronger prioritized classes such as Map, Robot, game </a:t>
-            </a:r>
-            <a:r>
-              <a:rPr lang="en-GB" noProof="0" dirty="0" err="1"/>
-              <a:t>etc</a:t>
-            </a:r>
-            <a:r>
-              <a:rPr lang="en-GB" noProof="0" dirty="0"/>
-              <a:t> with a lot of other smaller less filled classes such as flag, </a:t>
+              <a:t>We prioritized making a game skeleton, with some stronger prioritized classes such as Map, Robot, game etc with a lot of other smaller less filled classes such as flag, </a:t>
             </a:r>
             <a:r>
               <a:rPr lang="en-GB" noProof="0" dirty="0" err="1"/>
@@ -1176,12 +1174,6 @@
           </a:p>
           <a:p>
             <a:endParaRPr lang="en-GB" noProof="0" dirty="0"/>
-          </a:p>
-          <a:p>
-            <a:r>
-              <a:rPr lang="en-GB" noProof="0" dirty="0"/>
-              <a:t>Overview</a:t>
-            </a:r>
           </a:p>
           <a:p>
             <a:pPr marL="171450" indent="-171450">
@@ -1190,7 +1182,7 @@
             </a:pPr>
             <a:r>
               <a:rPr lang="en-GB" noProof="0" dirty="0"/>
-              <a:t>The reason for doing it like this is that we think this will give us an overview early in the process by letting us visualize what and how we can resolve problems or plan strategies before it becomes a concern</a:t>
+              <a:t>The reason for doing it this way is that we think this will give us an advantage by giving us an overview early in the process by letting us visualize how we can resolve problems or plan strategies before it becomes a concern</a:t>
             </a:r>
           </a:p>
           <a:p>
@@ -1209,17 +1201,7 @@
             </a:pPr>
             <a:r>
               <a:rPr lang="en-GB" noProof="0" dirty="0"/>
-              <a:t>With all these smaller classes it is easy to get tempted to make new functionality or make them better</a:t>
-            </a:r>
-          </a:p>
-          <a:p>
-            <a:pPr marL="171450" indent="-171450">
-              <a:buFont typeface="Arial" panose="020B0604020202020204" pitchFamily="34" charset="0"/>
-              <a:buChar char="•"/>
-            </a:pPr>
-            <a:r>
-              <a:rPr lang="en-GB" noProof="0" dirty="0"/>
-              <a:t>Becomes a bit more messy than perhaps what's necessary this early in the making, but we think it will be easier later in the project</a:t>
+              <a:t>Becomes a bit more messy than perhaps what's necessary this early in the making, but as said we think it will make it easier later in the project</a:t>
             </a:r>
           </a:p>
           <a:p>
@@ -1332,8 +1314,13 @@
             </a:pPr>
             <a:r>
               <a:rPr lang="en-GB" noProof="0" dirty="0"/>
-              <a:t>The amount of time all these different processes(coding, planning, reviewing, retrospective) takes</a:t>
-            </a:r>
+              <a:t> as magnus briefly mentioned The amount of time all these different processes(coding, planning, reviewing, retrospective) takes we really didn’t </a:t>
+            </a:r>
+            <a:r>
+              <a:rPr lang="en-GB" noProof="0" dirty="0" err="1"/>
+              <a:t>excpect</a:t>
+            </a:r>
+            <a:endParaRPr lang="en-GB" noProof="0" dirty="0"/>
           </a:p>
           <a:p>
             <a:pPr marL="171450" indent="-171450">
@@ -1342,7 +1329,15 @@
             </a:pPr>
             <a:r>
               <a:rPr lang="en-GB" noProof="0" dirty="0"/>
-              <a:t>How much/little the workload is/compared to what one first imagines</a:t>
+              <a:t>How much/little the </a:t>
+            </a:r>
+            <a:r>
+              <a:rPr lang="en-GB" noProof="0"/>
+              <a:t>workload is compared </a:t>
+            </a:r>
+            <a:r>
+              <a:rPr lang="en-GB" noProof="0" dirty="0"/>
+              <a:t>to what one first imagines</a:t>
             </a:r>
           </a:p>
           <a:p>
@@ -1417,6 +1412,32 @@
             <a:r>
               <a:rPr lang="en-GB" noProof="0" dirty="0"/>
               <a:t>Adding functionality will obviously be a thing to work on in the future</a:t>
+            </a:r>
+          </a:p>
+          <a:p>
+            <a:pPr marL="628650" lvl="1" indent="-171450">
+              <a:buFont typeface="Arial" panose="020B0604020202020204" pitchFamily="34" charset="0"/>
+              <a:buChar char="•"/>
+            </a:pPr>
+            <a:r>
+              <a:rPr lang="en-GB" noProof="0" dirty="0"/>
+              <a:t>We also think that one of the most important things to work on is making our sprints/</a:t>
+            </a:r>
+            <a:r>
+              <a:rPr lang="en-GB" noProof="0" dirty="0" err="1"/>
+              <a:t>Itertations</a:t>
+            </a:r>
+            <a:r>
+              <a:rPr lang="en-GB" noProof="0" dirty="0"/>
+              <a:t> a </a:t>
+            </a:r>
+            <a:r>
+              <a:rPr lang="en-GB" noProof="0" dirty="0" err="1"/>
+              <a:t>rutine</a:t>
+            </a:r>
+            <a:r>
+              <a:rPr lang="en-GB" noProof="0" dirty="0"/>
+              <a:t> and making it more efficient</a:t>
             </a:r>
           </a:p>
           <a:p>
